--- a/課題研究/2015/浜野太豪/1342097ポスター.pptx
+++ b/課題研究/2015/浜野太豪/1342097ポスター.pptx
@@ -211,7 +211,7 @@
           <a:p>
             <a:fld id="{1355B614-8C80-42CD-A0C7-A8AC0A708725}" type="datetimeFigureOut">
               <a:rPr kumimoji="1" lang="ja-JP" altLang="en-US" smtClean="0"/>
-              <a:t>2015/12/15</a:t>
+              <a:t>2015/12/16</a:t>
             </a:fld>
             <a:endParaRPr kumimoji="1" lang="ja-JP" altLang="en-US"/>
           </a:p>
@@ -726,7 +726,7 @@
           <a:p>
             <a:fld id="{CD18CB5A-6947-405F-A94A-52FF85729738}" type="datetimeFigureOut">
               <a:rPr kumimoji="1" lang="ja-JP" altLang="en-US" smtClean="0"/>
-              <a:t>2015/12/15</a:t>
+              <a:t>2015/12/16</a:t>
             </a:fld>
             <a:endParaRPr kumimoji="1" lang="ja-JP" altLang="en-US"/>
           </a:p>
@@ -928,7 +928,7 @@
           <a:p>
             <a:fld id="{CD18CB5A-6947-405F-A94A-52FF85729738}" type="datetimeFigureOut">
               <a:rPr kumimoji="1" lang="ja-JP" altLang="en-US" smtClean="0"/>
-              <a:t>2015/12/15</a:t>
+              <a:t>2015/12/16</a:t>
             </a:fld>
             <a:endParaRPr kumimoji="1" lang="ja-JP" altLang="en-US"/>
           </a:p>
@@ -1140,7 +1140,7 @@
           <a:p>
             <a:fld id="{CD18CB5A-6947-405F-A94A-52FF85729738}" type="datetimeFigureOut">
               <a:rPr kumimoji="1" lang="ja-JP" altLang="en-US" smtClean="0"/>
-              <a:t>2015/12/15</a:t>
+              <a:t>2015/12/16</a:t>
             </a:fld>
             <a:endParaRPr kumimoji="1" lang="ja-JP" altLang="en-US"/>
           </a:p>
@@ -1342,7 +1342,7 @@
           <a:p>
             <a:fld id="{CD18CB5A-6947-405F-A94A-52FF85729738}" type="datetimeFigureOut">
               <a:rPr kumimoji="1" lang="ja-JP" altLang="en-US" smtClean="0"/>
-              <a:t>2015/12/15</a:t>
+              <a:t>2015/12/16</a:t>
             </a:fld>
             <a:endParaRPr kumimoji="1" lang="ja-JP" altLang="en-US"/>
           </a:p>
@@ -1588,7 +1588,7 @@
           <a:p>
             <a:fld id="{CD18CB5A-6947-405F-A94A-52FF85729738}" type="datetimeFigureOut">
               <a:rPr kumimoji="1" lang="ja-JP" altLang="en-US" smtClean="0"/>
-              <a:t>2015/12/15</a:t>
+              <a:t>2015/12/16</a:t>
             </a:fld>
             <a:endParaRPr kumimoji="1" lang="ja-JP" altLang="en-US"/>
           </a:p>
@@ -1884,7 +1884,7 @@
           <a:p>
             <a:fld id="{CD18CB5A-6947-405F-A94A-52FF85729738}" type="datetimeFigureOut">
               <a:rPr kumimoji="1" lang="ja-JP" altLang="en-US" smtClean="0"/>
-              <a:t>2015/12/15</a:t>
+              <a:t>2015/12/16</a:t>
             </a:fld>
             <a:endParaRPr kumimoji="1" lang="ja-JP" altLang="en-US"/>
           </a:p>
@@ -2315,7 +2315,7 @@
           <a:p>
             <a:fld id="{CD18CB5A-6947-405F-A94A-52FF85729738}" type="datetimeFigureOut">
               <a:rPr kumimoji="1" lang="ja-JP" altLang="en-US" smtClean="0"/>
-              <a:t>2015/12/15</a:t>
+              <a:t>2015/12/16</a:t>
             </a:fld>
             <a:endParaRPr kumimoji="1" lang="ja-JP" altLang="en-US"/>
           </a:p>
@@ -2433,7 +2433,7 @@
           <a:p>
             <a:fld id="{CD18CB5A-6947-405F-A94A-52FF85729738}" type="datetimeFigureOut">
               <a:rPr kumimoji="1" lang="ja-JP" altLang="en-US" smtClean="0"/>
-              <a:t>2015/12/15</a:t>
+              <a:t>2015/12/16</a:t>
             </a:fld>
             <a:endParaRPr kumimoji="1" lang="ja-JP" altLang="en-US"/>
           </a:p>
@@ -2528,7 +2528,7 @@
           <a:p>
             <a:fld id="{CD18CB5A-6947-405F-A94A-52FF85729738}" type="datetimeFigureOut">
               <a:rPr kumimoji="1" lang="ja-JP" altLang="en-US" smtClean="0"/>
-              <a:t>2015/12/15</a:t>
+              <a:t>2015/12/16</a:t>
             </a:fld>
             <a:endParaRPr kumimoji="1" lang="ja-JP" altLang="en-US"/>
           </a:p>
@@ -2837,7 +2837,7 @@
           <a:p>
             <a:fld id="{CD18CB5A-6947-405F-A94A-52FF85729738}" type="datetimeFigureOut">
               <a:rPr kumimoji="1" lang="ja-JP" altLang="en-US" smtClean="0"/>
-              <a:t>2015/12/15</a:t>
+              <a:t>2015/12/16</a:t>
             </a:fld>
             <a:endParaRPr kumimoji="1" lang="ja-JP" altLang="en-US"/>
           </a:p>
@@ -3090,7 +3090,7 @@
           <a:p>
             <a:fld id="{CD18CB5A-6947-405F-A94A-52FF85729738}" type="datetimeFigureOut">
               <a:rPr kumimoji="1" lang="ja-JP" altLang="en-US" smtClean="0"/>
-              <a:t>2015/12/15</a:t>
+              <a:t>2015/12/16</a:t>
             </a:fld>
             <a:endParaRPr kumimoji="1" lang="ja-JP" altLang="en-US"/>
           </a:p>
@@ -3335,7 +3335,7 @@
           <a:p>
             <a:fld id="{CD18CB5A-6947-405F-A94A-52FF85729738}" type="datetimeFigureOut">
               <a:rPr kumimoji="1" lang="ja-JP" altLang="en-US" smtClean="0"/>
-              <a:t>2015/12/15</a:t>
+              <a:t>2015/12/16</a:t>
             </a:fld>
             <a:endParaRPr kumimoji="1" lang="ja-JP" altLang="en-US"/>
           </a:p>
@@ -3740,6 +3740,30 @@
           <a:chExt cx="0" cy="0"/>
         </a:xfrm>
       </p:grpSpPr>
+      <p:pic>
+        <p:nvPicPr>
+          <p:cNvPr id="12" name="図 11"/>
+          <p:cNvPicPr>
+            <a:picLocks noChangeAspect="1"/>
+          </p:cNvPicPr>
+          <p:nvPr/>
+        </p:nvPicPr>
+        <p:blipFill>
+          <a:blip r:embed="rId3"/>
+          <a:stretch>
+            <a:fillRect/>
+          </a:stretch>
+        </p:blipFill>
+        <p:spPr>
+          <a:xfrm>
+            <a:off x="193760" y="3202644"/>
+            <a:ext cx="21663335" cy="6916851"/>
+          </a:xfrm>
+          <a:prstGeom prst="rect">
+            <a:avLst/>
+          </a:prstGeom>
+        </p:spPr>
+      </p:pic>
       <p:sp>
         <p:nvSpPr>
           <p:cNvPr id="2" name="正方形/長方形 1"/>
@@ -3748,8 +3772,8 @@
         </p:nvSpPr>
         <p:spPr>
           <a:xfrm>
-            <a:off x="329622" y="3173991"/>
-            <a:ext cx="20673805" cy="8667936"/>
+            <a:off x="180232" y="3173991"/>
+            <a:ext cx="20823196" cy="8667936"/>
           </a:xfrm>
           <a:prstGeom prst="rect">
             <a:avLst/>
@@ -3919,8 +3943,8 @@
         </p:nvSpPr>
         <p:spPr>
           <a:xfrm>
-            <a:off x="913440" y="18667358"/>
-            <a:ext cx="19273162" cy="7479331"/>
+            <a:off x="415208" y="18667358"/>
+            <a:ext cx="19983472" cy="7691654"/>
           </a:xfrm>
           <a:prstGeom prst="rect">
             <a:avLst/>
@@ -3955,7 +3979,7 @@
           <a:lstStyle/>
           <a:p>
             <a:r>
-              <a:rPr lang="ja-JP" altLang="en-US" sz="3600" dirty="0" smtClean="0">
+              <a:rPr lang="ja-JP" altLang="en-US" sz="4000" dirty="0" smtClean="0">
                 <a:solidFill>
                   <a:schemeClr val="tx1"/>
                 </a:solidFill>
@@ -3963,7 +3987,7 @@
               </a:rPr>
               <a:t>饂飩プログラムによる人狼の推論方法</a:t>
             </a:r>
-            <a:endParaRPr lang="en-US" altLang="ja-JP" sz="3600" dirty="0" smtClean="0">
+            <a:endParaRPr lang="en-US" altLang="ja-JP" sz="4000" dirty="0" smtClean="0">
               <a:solidFill>
                 <a:schemeClr val="tx1"/>
               </a:solidFill>
@@ -3976,24 +4000,15 @@
               <a:buAutoNum type="arabicPeriod"/>
             </a:pPr>
             <a:r>
-              <a:rPr lang="ja-JP" altLang="en-US" sz="3600" dirty="0" smtClean="0">
-                <a:solidFill>
-                  <a:schemeClr val="tx1"/>
-                </a:solidFill>
-                <a:latin typeface="+mn-ea"/>
-              </a:rPr>
-              <a:t>確定情報</a:t>
-            </a:r>
-            <a:r>
-              <a:rPr lang="ja-JP" altLang="en-US" sz="3600" smtClean="0">
-                <a:solidFill>
-                  <a:schemeClr val="tx1"/>
-                </a:solidFill>
-                <a:latin typeface="+mn-ea"/>
-              </a:rPr>
-              <a:t>の整理　</a:t>
-            </a:r>
-            <a:endParaRPr lang="en-US" altLang="ja-JP" sz="3600" dirty="0">
+              <a:rPr lang="ja-JP" altLang="en-US" sz="4000" dirty="0" smtClean="0">
+                <a:solidFill>
+                  <a:schemeClr val="tx1"/>
+                </a:solidFill>
+                <a:latin typeface="+mn-ea"/>
+              </a:rPr>
+              <a:t>確定情報の整理　</a:t>
+            </a:r>
+            <a:endParaRPr lang="en-US" altLang="ja-JP" sz="4000" dirty="0">
               <a:solidFill>
                 <a:schemeClr val="tx1"/>
               </a:solidFill>
@@ -4006,7 +4021,7 @@
               <a:buAutoNum type="arabicPeriod"/>
             </a:pPr>
             <a:r>
-              <a:rPr lang="ja-JP" altLang="en-US" sz="3600" dirty="0" smtClean="0">
+              <a:rPr lang="ja-JP" altLang="en-US" sz="4000" dirty="0" smtClean="0">
                 <a:solidFill>
                   <a:schemeClr val="tx1"/>
                 </a:solidFill>
@@ -4015,7 +4030,7 @@
               <a:t>人</a:t>
             </a:r>
             <a:r>
-              <a:rPr lang="ja-JP" altLang="en-US" sz="3600" dirty="0">
+              <a:rPr lang="ja-JP" altLang="en-US" sz="4000" dirty="0">
                 <a:solidFill>
                   <a:schemeClr val="tx1"/>
                 </a:solidFill>
@@ -4024,7 +4039,7 @@
               <a:t>狼</a:t>
             </a:r>
             <a:r>
-              <a:rPr lang="ja-JP" altLang="en-US" sz="3600" dirty="0" smtClean="0">
+              <a:rPr lang="ja-JP" altLang="en-US" sz="4000" dirty="0" smtClean="0">
                 <a:solidFill>
                   <a:schemeClr val="tx1"/>
                 </a:solidFill>
@@ -4032,7 +4047,7 @@
               </a:rPr>
               <a:t>の推理</a:t>
             </a:r>
-            <a:endParaRPr lang="en-US" altLang="ja-JP" sz="3600" dirty="0" smtClean="0">
+            <a:endParaRPr lang="en-US" altLang="ja-JP" sz="4000" dirty="0" smtClean="0">
               <a:solidFill>
                 <a:schemeClr val="tx1"/>
               </a:solidFill>
@@ -4045,7 +4060,7 @@
               <a:buAutoNum type="arabicPeriod"/>
             </a:pPr>
             <a:r>
-              <a:rPr lang="ja-JP" altLang="en-US" sz="3600" dirty="0" smtClean="0">
+              <a:rPr lang="ja-JP" altLang="en-US" sz="4000" dirty="0" smtClean="0">
                 <a:solidFill>
                   <a:schemeClr val="tx1"/>
                 </a:solidFill>
@@ -4054,7 +4069,7 @@
               <a:t>確定</a:t>
             </a:r>
             <a:r>
-              <a:rPr lang="ja-JP" altLang="en-US" sz="3600" dirty="0">
+              <a:rPr lang="ja-JP" altLang="en-US" sz="4000" dirty="0">
                 <a:solidFill>
                   <a:schemeClr val="tx1"/>
                 </a:solidFill>
@@ -4063,7 +4078,7 @@
               <a:t>情報</a:t>
             </a:r>
             <a:r>
-              <a:rPr lang="ja-JP" altLang="en-US" sz="3600" dirty="0" smtClean="0">
+              <a:rPr lang="ja-JP" altLang="en-US" sz="4000" dirty="0" smtClean="0">
                 <a:solidFill>
                   <a:schemeClr val="tx1"/>
                 </a:solidFill>
@@ -4071,7 +4086,7 @@
               </a:rPr>
               <a:t>と推理をもとに行動を選択</a:t>
             </a:r>
-            <a:endParaRPr lang="en-US" altLang="ja-JP" sz="3600" dirty="0" smtClean="0">
+            <a:endParaRPr lang="en-US" altLang="ja-JP" sz="4000" dirty="0" smtClean="0">
               <a:solidFill>
                 <a:schemeClr val="tx1"/>
               </a:solidFill>
@@ -4079,7 +4094,7 @@
             </a:endParaRPr>
           </a:p>
           <a:p>
-            <a:endParaRPr lang="en-US" altLang="ja-JP" sz="3600" dirty="0" smtClean="0">
+            <a:endParaRPr lang="en-US" altLang="ja-JP" sz="4000" dirty="0" smtClean="0">
               <a:solidFill>
                 <a:schemeClr val="tx1"/>
               </a:solidFill>
@@ -4088,7 +4103,34 @@
           </a:p>
           <a:p>
             <a:r>
-              <a:rPr lang="ja-JP" altLang="en-US" sz="3600" dirty="0" smtClean="0">
+              <a:rPr lang="ja-JP" altLang="en-US" sz="4000" dirty="0">
+                <a:solidFill>
+                  <a:schemeClr val="tx1"/>
+                </a:solidFill>
+                <a:latin typeface="+mn-ea"/>
+              </a:rPr>
+              <a:t>パターン化</a:t>
+            </a:r>
+            <a:r>
+              <a:rPr lang="ja-JP" altLang="en-US" sz="4000" dirty="0" smtClean="0">
+                <a:solidFill>
+                  <a:schemeClr val="tx1"/>
+                </a:solidFill>
+                <a:latin typeface="+mn-ea"/>
+              </a:rPr>
+              <a:t>によ</a:t>
+            </a:r>
+            <a:r>
+              <a:rPr lang="ja-JP" altLang="en-US" sz="4000" dirty="0">
+                <a:solidFill>
+                  <a:schemeClr val="tx1"/>
+                </a:solidFill>
+                <a:latin typeface="+mn-ea"/>
+              </a:rPr>
+              <a:t>る</a:t>
+            </a:r>
+            <a:r>
+              <a:rPr lang="ja-JP" altLang="en-US" sz="4000" dirty="0" smtClean="0">
                 <a:solidFill>
                   <a:schemeClr val="tx1"/>
                 </a:solidFill>
@@ -4096,7 +4138,7 @@
               </a:rPr>
               <a:t>人狼の矛盾発見方法</a:t>
             </a:r>
-            <a:endParaRPr lang="en-US" altLang="ja-JP" sz="3600" dirty="0" smtClean="0">
+            <a:endParaRPr lang="en-US" altLang="ja-JP" sz="4000" dirty="0" smtClean="0">
               <a:solidFill>
                 <a:schemeClr val="tx1"/>
               </a:solidFill>
@@ -4105,7 +4147,7 @@
           </a:p>
           <a:p>
             <a:r>
-              <a:rPr lang="en-US" altLang="ja-JP" sz="3600" dirty="0" smtClean="0">
+              <a:rPr lang="en-US" altLang="ja-JP" sz="4000" dirty="0" smtClean="0">
                 <a:solidFill>
                   <a:schemeClr val="tx1"/>
                 </a:solidFill>
@@ -4114,7 +4156,7 @@
               <a:t>C</a:t>
             </a:r>
             <a:r>
-              <a:rPr lang="ja-JP" altLang="en-US" sz="3600" dirty="0" err="1" smtClean="0">
+              <a:rPr lang="ja-JP" altLang="en-US" sz="4000" dirty="0" err="1" smtClean="0">
                 <a:solidFill>
                   <a:schemeClr val="tx1"/>
                 </a:solidFill>
@@ -4123,7 +4165,7 @@
               <a:t>さん</a:t>
             </a:r>
             <a:r>
-              <a:rPr lang="en-US" altLang="ja-JP" sz="3600" dirty="0" smtClean="0">
+              <a:rPr lang="en-US" altLang="ja-JP" sz="4000" dirty="0" smtClean="0">
                 <a:solidFill>
                   <a:schemeClr val="tx1"/>
                 </a:solidFill>
@@ -4132,7 +4174,7 @@
               <a:t>D</a:t>
             </a:r>
             <a:r>
-              <a:rPr lang="ja-JP" altLang="en-US" sz="3600" dirty="0" err="1" smtClean="0">
+              <a:rPr lang="ja-JP" altLang="en-US" sz="4000" dirty="0" err="1" smtClean="0">
                 <a:solidFill>
                   <a:schemeClr val="tx1"/>
                 </a:solidFill>
@@ -4141,7 +4183,7 @@
               <a:t>さんは</a:t>
             </a:r>
             <a:r>
-              <a:rPr lang="ja-JP" altLang="en-US" sz="3600" dirty="0" smtClean="0">
+              <a:rPr lang="ja-JP" altLang="en-US" sz="4000" dirty="0" smtClean="0">
                 <a:solidFill>
                   <a:schemeClr val="tx1"/>
                 </a:solidFill>
@@ -4149,7 +4191,7 @@
               </a:rPr>
               <a:t>処刑された。</a:t>
             </a:r>
-            <a:endParaRPr lang="en-US" altLang="ja-JP" sz="3600" dirty="0">
+            <a:endParaRPr lang="en-US" altLang="ja-JP" sz="4000" dirty="0">
               <a:solidFill>
                 <a:schemeClr val="tx1"/>
               </a:solidFill>
@@ -4158,7 +4200,7 @@
           </a:p>
           <a:p>
             <a:r>
-              <a:rPr lang="ja-JP" altLang="en-US" sz="3600" dirty="0" smtClean="0">
+              <a:rPr lang="ja-JP" altLang="en-US" sz="4000" dirty="0" smtClean="0">
                 <a:solidFill>
                   <a:schemeClr val="tx1"/>
                 </a:solidFill>
@@ -4167,7 +4209,7 @@
               <a:t>占い師</a:t>
             </a:r>
             <a:r>
-              <a:rPr lang="en-US" altLang="ja-JP" sz="3600" dirty="0" smtClean="0">
+              <a:rPr lang="en-US" altLang="ja-JP" sz="4000" dirty="0" smtClean="0">
                 <a:solidFill>
                   <a:schemeClr val="tx1"/>
                 </a:solidFill>
@@ -4176,7 +4218,7 @@
               <a:t>A	C</a:t>
             </a:r>
             <a:r>
-              <a:rPr lang="ja-JP" altLang="en-US" sz="3600" dirty="0" err="1" smtClean="0">
+              <a:rPr lang="ja-JP" altLang="en-US" sz="4000" dirty="0" err="1" smtClean="0">
                 <a:solidFill>
                   <a:schemeClr val="tx1"/>
                 </a:solidFill>
@@ -4185,7 +4227,7 @@
               <a:t>さんは</a:t>
             </a:r>
             <a:r>
-              <a:rPr lang="ja-JP" altLang="en-US" sz="3600" dirty="0" smtClean="0">
+              <a:rPr lang="ja-JP" altLang="en-US" sz="4000" dirty="0" smtClean="0">
                 <a:solidFill>
                   <a:schemeClr val="tx1"/>
                 </a:solidFill>
@@ -4194,7 +4236,7 @@
               <a:t>人狼だった　</a:t>
             </a:r>
             <a:r>
-              <a:rPr lang="en-US" altLang="ja-JP" sz="3600" dirty="0" smtClean="0">
+              <a:rPr lang="en-US" altLang="ja-JP" sz="4000" dirty="0" smtClean="0">
                 <a:solidFill>
                   <a:schemeClr val="tx1"/>
                 </a:solidFill>
@@ -4203,7 +4245,7 @@
               <a:t>D</a:t>
             </a:r>
             <a:r>
-              <a:rPr lang="ja-JP" altLang="en-US" sz="3600" dirty="0" err="1" smtClean="0">
+              <a:rPr lang="ja-JP" altLang="en-US" sz="4000" dirty="0" err="1" smtClean="0">
                 <a:solidFill>
                   <a:schemeClr val="tx1"/>
                 </a:solidFill>
@@ -4212,7 +4254,7 @@
               <a:t>さんは</a:t>
             </a:r>
             <a:r>
-              <a:rPr lang="ja-JP" altLang="en-US" sz="3600" dirty="0" smtClean="0">
+              <a:rPr lang="ja-JP" altLang="en-US" sz="4000" dirty="0" smtClean="0">
                 <a:solidFill>
                   <a:schemeClr val="tx1"/>
                 </a:solidFill>
@@ -4220,7 +4262,7 @@
               </a:rPr>
               <a:t>人間だった</a:t>
             </a:r>
-            <a:endParaRPr lang="en-US" altLang="ja-JP" sz="3600" dirty="0" smtClean="0">
+            <a:endParaRPr lang="en-US" altLang="ja-JP" sz="4000" dirty="0" smtClean="0">
               <a:solidFill>
                 <a:schemeClr val="tx1"/>
               </a:solidFill>
@@ -4229,7 +4271,7 @@
           </a:p>
           <a:p>
             <a:r>
-              <a:rPr lang="ja-JP" altLang="en-US" sz="3600" dirty="0">
+              <a:rPr lang="ja-JP" altLang="en-US" sz="4000" dirty="0">
                 <a:solidFill>
                   <a:schemeClr val="tx1"/>
                 </a:solidFill>
@@ -4238,7 +4280,7 @@
               <a:t>占い</a:t>
             </a:r>
             <a:r>
-              <a:rPr lang="ja-JP" altLang="en-US" sz="3600" dirty="0" smtClean="0">
+              <a:rPr lang="ja-JP" altLang="en-US" sz="4000" dirty="0" smtClean="0">
                 <a:solidFill>
                   <a:schemeClr val="tx1"/>
                 </a:solidFill>
@@ -4247,7 +4289,7 @@
               <a:t>師</a:t>
             </a:r>
             <a:r>
-              <a:rPr lang="en-US" altLang="ja-JP" sz="3600" dirty="0" smtClean="0">
+              <a:rPr lang="en-US" altLang="ja-JP" sz="4000" dirty="0" smtClean="0">
                 <a:solidFill>
                   <a:schemeClr val="tx1"/>
                 </a:solidFill>
@@ -4256,7 +4298,7 @@
               <a:t>B	C</a:t>
             </a:r>
             <a:r>
-              <a:rPr lang="ja-JP" altLang="en-US" sz="3600" dirty="0" err="1" smtClean="0">
+              <a:rPr lang="ja-JP" altLang="en-US" sz="4000" dirty="0" err="1" smtClean="0">
                 <a:solidFill>
                   <a:schemeClr val="tx1"/>
                 </a:solidFill>
@@ -4265,7 +4307,7 @@
               <a:t>さんは</a:t>
             </a:r>
             <a:r>
-              <a:rPr lang="ja-JP" altLang="en-US" sz="3600" dirty="0" smtClean="0">
+              <a:rPr lang="ja-JP" altLang="en-US" sz="4000" dirty="0" smtClean="0">
                 <a:solidFill>
                   <a:schemeClr val="tx1"/>
                 </a:solidFill>
@@ -4274,7 +4316,7 @@
               <a:t>人間だった</a:t>
             </a:r>
             <a:r>
-              <a:rPr lang="ja-JP" altLang="en-US" sz="3600" dirty="0">
+              <a:rPr lang="ja-JP" altLang="en-US" sz="4000" dirty="0">
                 <a:solidFill>
                   <a:schemeClr val="tx1"/>
                 </a:solidFill>
@@ -4283,7 +4325,7 @@
               <a:t>　</a:t>
             </a:r>
             <a:r>
-              <a:rPr lang="en-US" altLang="ja-JP" sz="3600" dirty="0" smtClean="0">
+              <a:rPr lang="en-US" altLang="ja-JP" sz="4000" dirty="0" smtClean="0">
                 <a:solidFill>
                   <a:schemeClr val="tx1"/>
                 </a:solidFill>
@@ -4292,7 +4334,7 @@
               <a:t>D</a:t>
             </a:r>
             <a:r>
-              <a:rPr lang="ja-JP" altLang="en-US" sz="3600" dirty="0" err="1" smtClean="0">
+              <a:rPr lang="ja-JP" altLang="en-US" sz="4000" dirty="0" err="1" smtClean="0">
                 <a:solidFill>
                   <a:schemeClr val="tx1"/>
                 </a:solidFill>
@@ -4301,7 +4343,7 @@
               <a:t>さんは</a:t>
             </a:r>
             <a:r>
-              <a:rPr lang="ja-JP" altLang="en-US" sz="3600" dirty="0" smtClean="0">
+              <a:rPr lang="ja-JP" altLang="en-US" sz="4000" dirty="0" smtClean="0">
                 <a:solidFill>
                   <a:schemeClr val="tx1"/>
                 </a:solidFill>
@@ -4309,7 +4351,7 @@
               </a:rPr>
               <a:t>人狼だった</a:t>
             </a:r>
-            <a:endParaRPr lang="en-US" altLang="ja-JP" sz="3600" dirty="0" smtClean="0">
+            <a:endParaRPr lang="en-US" altLang="ja-JP" sz="4000" dirty="0" smtClean="0">
               <a:solidFill>
                 <a:schemeClr val="tx1"/>
               </a:solidFill>
@@ -4318,7 +4360,7 @@
           </a:p>
           <a:p>
             <a:r>
-              <a:rPr lang="ja-JP" altLang="en-US" sz="3600" dirty="0" smtClean="0">
+              <a:rPr lang="ja-JP" altLang="en-US" sz="4000" dirty="0" smtClean="0">
                 <a:solidFill>
                   <a:schemeClr val="tx1"/>
                 </a:solidFill>
@@ -4327,7 +4369,7 @@
               <a:t>霊媒師</a:t>
             </a:r>
             <a:r>
-              <a:rPr lang="en-US" altLang="ja-JP" sz="3600" dirty="0" smtClean="0">
+              <a:rPr lang="en-US" altLang="ja-JP" sz="4000" dirty="0" smtClean="0">
                 <a:solidFill>
                   <a:schemeClr val="tx1"/>
                 </a:solidFill>
@@ -4336,7 +4378,7 @@
               <a:t>E	C</a:t>
             </a:r>
             <a:r>
-              <a:rPr lang="ja-JP" altLang="en-US" sz="3600" dirty="0" err="1" smtClean="0">
+              <a:rPr lang="ja-JP" altLang="en-US" sz="4000" dirty="0" err="1" smtClean="0">
                 <a:solidFill>
                   <a:schemeClr val="tx1"/>
                 </a:solidFill>
@@ -4345,7 +4387,7 @@
               <a:t>さんは</a:t>
             </a:r>
             <a:r>
-              <a:rPr lang="ja-JP" altLang="en-US" sz="3600" dirty="0" smtClean="0">
+              <a:rPr lang="ja-JP" altLang="en-US" sz="4000" dirty="0" smtClean="0">
                 <a:solidFill>
                   <a:schemeClr val="tx1"/>
                 </a:solidFill>
@@ -4354,7 +4396,7 @@
               <a:t>人狼だった</a:t>
             </a:r>
             <a:r>
-              <a:rPr lang="ja-JP" altLang="en-US" sz="3600" dirty="0">
+              <a:rPr lang="ja-JP" altLang="en-US" sz="4000" dirty="0">
                 <a:solidFill>
                   <a:schemeClr val="tx1"/>
                 </a:solidFill>
@@ -4363,7 +4405,7 @@
               <a:t>　</a:t>
             </a:r>
             <a:r>
-              <a:rPr lang="en-US" altLang="ja-JP" sz="3600" dirty="0" smtClean="0">
+              <a:rPr lang="en-US" altLang="ja-JP" sz="4000" dirty="0" smtClean="0">
                 <a:solidFill>
                   <a:schemeClr val="tx1"/>
                 </a:solidFill>
@@ -4372,7 +4414,7 @@
               <a:t>D</a:t>
             </a:r>
             <a:r>
-              <a:rPr lang="ja-JP" altLang="en-US" sz="3600" dirty="0" err="1" smtClean="0">
+              <a:rPr lang="ja-JP" altLang="en-US" sz="4000" dirty="0" err="1" smtClean="0">
                 <a:solidFill>
                   <a:schemeClr val="tx1"/>
                 </a:solidFill>
@@ -4381,7 +4423,7 @@
               <a:t>さんは</a:t>
             </a:r>
             <a:r>
-              <a:rPr lang="ja-JP" altLang="en-US" sz="3600" dirty="0" smtClean="0">
+              <a:rPr lang="ja-JP" altLang="en-US" sz="4000" dirty="0" smtClean="0">
                 <a:solidFill>
                   <a:schemeClr val="tx1"/>
                 </a:solidFill>
@@ -4389,7 +4431,7 @@
               </a:rPr>
               <a:t>人間だった</a:t>
             </a:r>
-            <a:endParaRPr lang="en-US" altLang="ja-JP" sz="3600" dirty="0" smtClean="0">
+            <a:endParaRPr lang="en-US" altLang="ja-JP" sz="4000" dirty="0" smtClean="0">
               <a:solidFill>
                 <a:schemeClr val="tx1"/>
               </a:solidFill>
@@ -4398,7 +4440,7 @@
           </a:p>
           <a:p>
             <a:r>
-              <a:rPr lang="ja-JP" altLang="en-US" sz="3600" dirty="0" smtClean="0">
+              <a:rPr lang="ja-JP" altLang="en-US" sz="4000" dirty="0" smtClean="0">
                 <a:solidFill>
                   <a:schemeClr val="tx1"/>
                 </a:solidFill>
@@ -4407,7 +4449,7 @@
               <a:t>霊媒師</a:t>
             </a:r>
             <a:r>
-              <a:rPr lang="en-US" altLang="ja-JP" sz="3600" dirty="0">
+              <a:rPr lang="en-US" altLang="ja-JP" sz="4000" dirty="0">
                 <a:solidFill>
                   <a:schemeClr val="tx1"/>
                 </a:solidFill>
@@ -4416,7 +4458,7 @@
               <a:t>F</a:t>
             </a:r>
             <a:r>
-              <a:rPr lang="en-US" altLang="ja-JP" sz="3600" dirty="0" smtClean="0">
+              <a:rPr lang="en-US" altLang="ja-JP" sz="4000" dirty="0" smtClean="0">
                 <a:solidFill>
                   <a:schemeClr val="tx1"/>
                 </a:solidFill>
@@ -4425,7 +4467,7 @@
               <a:t>	C</a:t>
             </a:r>
             <a:r>
-              <a:rPr lang="ja-JP" altLang="en-US" sz="3600" dirty="0" err="1" smtClean="0">
+              <a:rPr lang="ja-JP" altLang="en-US" sz="4000" dirty="0" err="1" smtClean="0">
                 <a:solidFill>
                   <a:schemeClr val="tx1"/>
                 </a:solidFill>
@@ -4434,7 +4476,7 @@
               <a:t>さん</a:t>
             </a:r>
             <a:r>
-              <a:rPr lang="en-US" altLang="ja-JP" sz="3600" dirty="0" smtClean="0">
+              <a:rPr lang="en-US" altLang="ja-JP" sz="4000" dirty="0" smtClean="0">
                 <a:solidFill>
                   <a:schemeClr val="tx1"/>
                 </a:solidFill>
@@ -4443,7 +4485,7 @@
               <a:t>D</a:t>
             </a:r>
             <a:r>
-              <a:rPr lang="ja-JP" altLang="en-US" sz="3600" dirty="0" err="1" smtClean="0">
+              <a:rPr lang="ja-JP" altLang="en-US" sz="4000" dirty="0" err="1" smtClean="0">
                 <a:solidFill>
                   <a:schemeClr val="tx1"/>
                 </a:solidFill>
@@ -4452,7 +4494,7 @@
               <a:t>さん</a:t>
             </a:r>
             <a:r>
-              <a:rPr lang="ja-JP" altLang="en-US" sz="3600" dirty="0" smtClean="0">
+              <a:rPr lang="ja-JP" altLang="en-US" sz="4000" dirty="0" smtClean="0">
                 <a:solidFill>
                   <a:schemeClr val="tx1"/>
                 </a:solidFill>
@@ -4460,7 +4502,7 @@
               </a:rPr>
               <a:t>両方人間だった</a:t>
             </a:r>
-            <a:endParaRPr lang="en-US" altLang="ja-JP" sz="3600" dirty="0" smtClean="0">
+            <a:endParaRPr lang="en-US" altLang="ja-JP" sz="4000" dirty="0" smtClean="0">
               <a:solidFill>
                 <a:schemeClr val="tx1"/>
               </a:solidFill>
@@ -4469,7 +4511,7 @@
           </a:p>
           <a:p>
             <a:r>
-              <a:rPr lang="ja-JP" altLang="en-US" sz="3600" dirty="0" smtClean="0">
+              <a:rPr lang="ja-JP" altLang="en-US" sz="4000" dirty="0" smtClean="0">
                 <a:solidFill>
                   <a:schemeClr val="tx1"/>
                 </a:solidFill>
@@ -4478,7 +4520,7 @@
               <a:t>と答えた。この中に人狼が最大</a:t>
             </a:r>
             <a:r>
-              <a:rPr lang="en-US" altLang="ja-JP" sz="3600" dirty="0" smtClean="0">
+              <a:rPr lang="en-US" altLang="ja-JP" sz="4000" dirty="0" smtClean="0">
                 <a:solidFill>
                   <a:schemeClr val="tx1"/>
                 </a:solidFill>
@@ -4487,7 +4529,7 @@
               <a:t>3</a:t>
             </a:r>
             <a:r>
-              <a:rPr lang="ja-JP" altLang="en-US" sz="3600" dirty="0" smtClean="0">
+              <a:rPr lang="ja-JP" altLang="en-US" sz="4000" dirty="0" smtClean="0">
                 <a:solidFill>
                   <a:schemeClr val="tx1"/>
                 </a:solidFill>
@@ -4495,7 +4537,7 @@
               </a:rPr>
               <a:t>人潜んでいる。</a:t>
             </a:r>
-            <a:endParaRPr lang="en-US" altLang="ja-JP" sz="3600" dirty="0" smtClean="0">
+            <a:endParaRPr lang="en-US" altLang="ja-JP" sz="4000" dirty="0" smtClean="0">
               <a:solidFill>
                 <a:schemeClr val="tx1"/>
               </a:solidFill>
@@ -4581,7 +4623,7 @@
         </p:nvSpPr>
         <p:spPr>
           <a:xfrm>
-            <a:off x="510735" y="3475131"/>
+            <a:off x="544445" y="3487511"/>
             <a:ext cx="2567306" cy="817737"/>
           </a:xfrm>
           <a:prstGeom prst="homePlate">
@@ -4637,7 +4679,7 @@
         </p:nvSpPr>
         <p:spPr>
           <a:xfrm>
-            <a:off x="544445" y="12680292"/>
+            <a:off x="544445" y="12600667"/>
             <a:ext cx="2739307" cy="687221"/>
           </a:xfrm>
           <a:prstGeom prst="homePlate">
@@ -5001,7 +5043,7 @@
         <p:spPr>
           <a:xfrm>
             <a:off x="510735" y="28090882"/>
-            <a:ext cx="20166510" cy="1936496"/>
+            <a:ext cx="19887945" cy="1936496"/>
           </a:xfrm>
           <a:prstGeom prst="rect">
             <a:avLst/>
@@ -5060,7 +5102,7 @@
                 </a:solidFill>
                 <a:latin typeface="+mn-ea"/>
               </a:rPr>
-              <a:t>のアルゴリズムをソースコードリーディングを行い理解した。</a:t>
+              <a:t>のアルゴリズムをソースコードリーディングを行い理解した。理解したことを生かして、さらに強いアルゴリズムを考察する。そして人狼エージェントをプログラミングする</a:t>
             </a:r>
             <a:endParaRPr lang="en-US" altLang="ja-JP" sz="3600" dirty="0" smtClean="0">
               <a:solidFill>
@@ -5069,23 +5111,6 @@
               <a:latin typeface="+mn-ea"/>
             </a:endParaRPr>
           </a:p>
-          <a:p>
-            <a:r>
-              <a:rPr lang="ja-JP" altLang="en-US" sz="3600" dirty="0" smtClean="0">
-                <a:solidFill>
-                  <a:schemeClr val="tx1"/>
-                </a:solidFill>
-                <a:latin typeface="+mn-ea"/>
-              </a:rPr>
-              <a:t>理解したことを生かして、さらに強いアルゴリズムを考察する。そして人狼エージェントをプログラミングする</a:t>
-            </a:r>
-            <a:endParaRPr lang="en-US" altLang="ja-JP" sz="3600" dirty="0" smtClean="0">
-              <a:solidFill>
-                <a:schemeClr val="tx1"/>
-              </a:solidFill>
-              <a:latin typeface="+mn-ea"/>
-            </a:endParaRPr>
-          </a:p>
         </p:txBody>
       </p:sp>
       <p:sp>
@@ -5096,8 +5121,8 @@
         </p:nvSpPr>
         <p:spPr>
           <a:xfrm>
-            <a:off x="96615" y="16994793"/>
-            <a:ext cx="20906812" cy="9686391"/>
+            <a:off x="180231" y="16994793"/>
+            <a:ext cx="20823195" cy="9686391"/>
           </a:xfrm>
           <a:prstGeom prst="rect">
             <a:avLst/>
@@ -5234,8 +5259,8 @@
         </p:nvSpPr>
         <p:spPr>
           <a:xfrm>
-            <a:off x="337362" y="12249830"/>
-            <a:ext cx="9220654" cy="4304264"/>
+            <a:off x="180231" y="12249830"/>
+            <a:ext cx="9377785" cy="4304264"/>
           </a:xfrm>
           <a:prstGeom prst="rect">
             <a:avLst/>
@@ -5281,7 +5306,7 @@
         <p:spPr>
           <a:xfrm>
             <a:off x="544445" y="9775796"/>
-            <a:ext cx="20132799" cy="1878053"/>
+            <a:ext cx="19854235" cy="1878053"/>
           </a:xfrm>
           <a:prstGeom prst="rect">
             <a:avLst/>
@@ -5434,30 +5459,6 @@
           </a:p>
         </p:txBody>
       </p:sp>
-      <p:pic>
-        <p:nvPicPr>
-          <p:cNvPr id="12" name="図 11"/>
-          <p:cNvPicPr>
-            <a:picLocks noChangeAspect="1"/>
-          </p:cNvPicPr>
-          <p:nvPr/>
-        </p:nvPicPr>
-        <p:blipFill>
-          <a:blip r:embed="rId3"/>
-          <a:stretch>
-            <a:fillRect/>
-          </a:stretch>
-        </p:blipFill>
-        <p:spPr>
-          <a:xfrm>
-            <a:off x="329622" y="3206943"/>
-            <a:ext cx="21663335" cy="6916851"/>
-          </a:xfrm>
-          <a:prstGeom prst="rect">
-            <a:avLst/>
-          </a:prstGeom>
-        </p:spPr>
-      </p:pic>
     </p:spTree>
     <p:extLst>
       <p:ext uri="{BB962C8B-B14F-4D97-AF65-F5344CB8AC3E}">

--- a/課題研究/2015/浜野太豪/1342097ポスター.pptx
+++ b/課題研究/2015/浜野太豪/1342097ポスター.pptx
@@ -11,7 +11,7 @@
     <p:sldId id="259" r:id="rId2"/>
   </p:sldIdLst>
   <p:sldSz cx="21386800" cy="30279975"/>
-  <p:notesSz cx="6858000" cy="9144000"/>
+  <p:notesSz cx="6797675" cy="9926638"/>
   <p:custDataLst>
     <p:tags r:id="rId4"/>
   </p:custDataLst>
@@ -164,7 +164,7 @@
         <p:spPr>
           <a:xfrm>
             <a:off x="0" y="0"/>
-            <a:ext cx="2971800" cy="458788"/>
+            <a:ext cx="2945659" cy="498056"/>
           </a:xfrm>
           <a:prstGeom prst="rect">
             <a:avLst/>
@@ -194,8 +194,8 @@
         </p:nvSpPr>
         <p:spPr>
           <a:xfrm>
-            <a:off x="3884613" y="0"/>
-            <a:ext cx="2971800" cy="458788"/>
+            <a:off x="3850443" y="0"/>
+            <a:ext cx="2945659" cy="498056"/>
           </a:xfrm>
           <a:prstGeom prst="rect">
             <a:avLst/>
@@ -211,7 +211,7 @@
           <a:p>
             <a:fld id="{1355B614-8C80-42CD-A0C7-A8AC0A708725}" type="datetimeFigureOut">
               <a:rPr kumimoji="1" lang="ja-JP" altLang="en-US" smtClean="0"/>
-              <a:t>2015/12/16</a:t>
+              <a:t>2015/12/17</a:t>
             </a:fld>
             <a:endParaRPr kumimoji="1" lang="ja-JP" altLang="en-US"/>
           </a:p>
@@ -229,8 +229,8 @@
         </p:nvSpPr>
         <p:spPr>
           <a:xfrm>
-            <a:off x="2338388" y="1143000"/>
-            <a:ext cx="2181225" cy="3086100"/>
+            <a:off x="2216150" y="1241425"/>
+            <a:ext cx="2365375" cy="3349625"/>
           </a:xfrm>
           <a:prstGeom prst="rect">
             <a:avLst/>
@@ -262,8 +262,8 @@
         </p:nvSpPr>
         <p:spPr>
           <a:xfrm>
-            <a:off x="685800" y="4400550"/>
-            <a:ext cx="5486400" cy="3600450"/>
+            <a:off x="679768" y="4777194"/>
+            <a:ext cx="5438140" cy="3908614"/>
           </a:xfrm>
           <a:prstGeom prst="rect">
             <a:avLst/>
@@ -354,8 +354,8 @@
         </p:nvSpPr>
         <p:spPr>
           <a:xfrm>
-            <a:off x="0" y="8685213"/>
-            <a:ext cx="2971800" cy="458787"/>
+            <a:off x="0" y="9428584"/>
+            <a:ext cx="2945659" cy="498055"/>
           </a:xfrm>
           <a:prstGeom prst="rect">
             <a:avLst/>
@@ -385,8 +385,8 @@
         </p:nvSpPr>
         <p:spPr>
           <a:xfrm>
-            <a:off x="3884613" y="8685213"/>
-            <a:ext cx="2971800" cy="458787"/>
+            <a:off x="3850443" y="9428584"/>
+            <a:ext cx="2945659" cy="498055"/>
           </a:xfrm>
           <a:prstGeom prst="rect">
             <a:avLst/>
@@ -726,7 +726,7 @@
           <a:p>
             <a:fld id="{CD18CB5A-6947-405F-A94A-52FF85729738}" type="datetimeFigureOut">
               <a:rPr kumimoji="1" lang="ja-JP" altLang="en-US" smtClean="0"/>
-              <a:t>2015/12/16</a:t>
+              <a:t>2015/12/17</a:t>
             </a:fld>
             <a:endParaRPr kumimoji="1" lang="ja-JP" altLang="en-US"/>
           </a:p>
@@ -784,6 +784,13 @@
   <p:clrMapOvr>
     <a:masterClrMapping/>
   </p:clrMapOvr>
+  <p:timing>
+    <p:tnLst>
+      <p:par>
+        <p:cTn id="1" dur="indefinite" restart="never" nodeType="tmRoot"/>
+      </p:par>
+    </p:tnLst>
+  </p:timing>
 </p:sldLayout>
 </file>
 
@@ -928,7 +935,7 @@
           <a:p>
             <a:fld id="{CD18CB5A-6947-405F-A94A-52FF85729738}" type="datetimeFigureOut">
               <a:rPr kumimoji="1" lang="ja-JP" altLang="en-US" smtClean="0"/>
-              <a:t>2015/12/16</a:t>
+              <a:t>2015/12/17</a:t>
             </a:fld>
             <a:endParaRPr kumimoji="1" lang="ja-JP" altLang="en-US"/>
           </a:p>
@@ -1140,7 +1147,7 @@
           <a:p>
             <a:fld id="{CD18CB5A-6947-405F-A94A-52FF85729738}" type="datetimeFigureOut">
               <a:rPr kumimoji="1" lang="ja-JP" altLang="en-US" smtClean="0"/>
-              <a:t>2015/12/16</a:t>
+              <a:t>2015/12/17</a:t>
             </a:fld>
             <a:endParaRPr kumimoji="1" lang="ja-JP" altLang="en-US"/>
           </a:p>
@@ -1342,7 +1349,7 @@
           <a:p>
             <a:fld id="{CD18CB5A-6947-405F-A94A-52FF85729738}" type="datetimeFigureOut">
               <a:rPr kumimoji="1" lang="ja-JP" altLang="en-US" smtClean="0"/>
-              <a:t>2015/12/16</a:t>
+              <a:t>2015/12/17</a:t>
             </a:fld>
             <a:endParaRPr kumimoji="1" lang="ja-JP" altLang="en-US"/>
           </a:p>
@@ -1400,6 +1407,13 @@
   <p:clrMapOvr>
     <a:masterClrMapping/>
   </p:clrMapOvr>
+  <p:timing>
+    <p:tnLst>
+      <p:par>
+        <p:cTn id="1" dur="indefinite" restart="never" nodeType="tmRoot"/>
+      </p:par>
+    </p:tnLst>
+  </p:timing>
 </p:sldLayout>
 </file>
 
@@ -1588,7 +1602,7 @@
           <a:p>
             <a:fld id="{CD18CB5A-6947-405F-A94A-52FF85729738}" type="datetimeFigureOut">
               <a:rPr kumimoji="1" lang="ja-JP" altLang="en-US" smtClean="0"/>
-              <a:t>2015/12/16</a:t>
+              <a:t>2015/12/17</a:t>
             </a:fld>
             <a:endParaRPr kumimoji="1" lang="ja-JP" altLang="en-US"/>
           </a:p>
@@ -1646,6 +1660,13 @@
   <p:clrMapOvr>
     <a:masterClrMapping/>
   </p:clrMapOvr>
+  <p:timing>
+    <p:tnLst>
+      <p:par>
+        <p:cTn id="1" dur="indefinite" restart="never" nodeType="tmRoot"/>
+      </p:par>
+    </p:tnLst>
+  </p:timing>
 </p:sldLayout>
 </file>
 
@@ -1884,7 +1905,7 @@
           <a:p>
             <a:fld id="{CD18CB5A-6947-405F-A94A-52FF85729738}" type="datetimeFigureOut">
               <a:rPr kumimoji="1" lang="ja-JP" altLang="en-US" smtClean="0"/>
-              <a:t>2015/12/16</a:t>
+              <a:t>2015/12/17</a:t>
             </a:fld>
             <a:endParaRPr kumimoji="1" lang="ja-JP" altLang="en-US"/>
           </a:p>
@@ -2315,7 +2336,7 @@
           <a:p>
             <a:fld id="{CD18CB5A-6947-405F-A94A-52FF85729738}" type="datetimeFigureOut">
               <a:rPr kumimoji="1" lang="ja-JP" altLang="en-US" smtClean="0"/>
-              <a:t>2015/12/16</a:t>
+              <a:t>2015/12/17</a:t>
             </a:fld>
             <a:endParaRPr kumimoji="1" lang="ja-JP" altLang="en-US"/>
           </a:p>
@@ -2433,7 +2454,7 @@
           <a:p>
             <a:fld id="{CD18CB5A-6947-405F-A94A-52FF85729738}" type="datetimeFigureOut">
               <a:rPr kumimoji="1" lang="ja-JP" altLang="en-US" smtClean="0"/>
-              <a:t>2015/12/16</a:t>
+              <a:t>2015/12/17</a:t>
             </a:fld>
             <a:endParaRPr kumimoji="1" lang="ja-JP" altLang="en-US"/>
           </a:p>
@@ -2491,6 +2512,13 @@
   <p:clrMapOvr>
     <a:masterClrMapping/>
   </p:clrMapOvr>
+  <p:timing>
+    <p:tnLst>
+      <p:par>
+        <p:cTn id="1" dur="indefinite" restart="never" nodeType="tmRoot"/>
+      </p:par>
+    </p:tnLst>
+  </p:timing>
 </p:sldLayout>
 </file>
 
@@ -2528,7 +2556,7 @@
           <a:p>
             <a:fld id="{CD18CB5A-6947-405F-A94A-52FF85729738}" type="datetimeFigureOut">
               <a:rPr kumimoji="1" lang="ja-JP" altLang="en-US" smtClean="0"/>
-              <a:t>2015/12/16</a:t>
+              <a:t>2015/12/17</a:t>
             </a:fld>
             <a:endParaRPr kumimoji="1" lang="ja-JP" altLang="en-US"/>
           </a:p>
@@ -2586,6 +2614,13 @@
   <p:clrMapOvr>
     <a:masterClrMapping/>
   </p:clrMapOvr>
+  <p:timing>
+    <p:tnLst>
+      <p:par>
+        <p:cTn id="1" dur="indefinite" restart="never" nodeType="tmRoot"/>
+      </p:par>
+    </p:tnLst>
+  </p:timing>
 </p:sldLayout>
 </file>
 
@@ -2837,7 +2872,7 @@
           <a:p>
             <a:fld id="{CD18CB5A-6947-405F-A94A-52FF85729738}" type="datetimeFigureOut">
               <a:rPr kumimoji="1" lang="ja-JP" altLang="en-US" smtClean="0"/>
-              <a:t>2015/12/16</a:t>
+              <a:t>2015/12/17</a:t>
             </a:fld>
             <a:endParaRPr kumimoji="1" lang="ja-JP" altLang="en-US"/>
           </a:p>
@@ -3090,7 +3125,7 @@
           <a:p>
             <a:fld id="{CD18CB5A-6947-405F-A94A-52FF85729738}" type="datetimeFigureOut">
               <a:rPr kumimoji="1" lang="ja-JP" altLang="en-US" smtClean="0"/>
-              <a:t>2015/12/16</a:t>
+              <a:t>2015/12/17</a:t>
             </a:fld>
             <a:endParaRPr kumimoji="1" lang="ja-JP" altLang="en-US"/>
           </a:p>
@@ -3335,7 +3370,7 @@
           <a:p>
             <a:fld id="{CD18CB5A-6947-405F-A94A-52FF85729738}" type="datetimeFigureOut">
               <a:rPr kumimoji="1" lang="ja-JP" altLang="en-US" smtClean="0"/>
-              <a:t>2015/12/16</a:t>
+              <a:t>2015/12/17</a:t>
             </a:fld>
             <a:endParaRPr kumimoji="1" lang="ja-JP" altLang="en-US"/>
           </a:p>
@@ -3440,6 +3475,13 @@
     <p:sldLayoutId id="2147483742" r:id="rId10"/>
     <p:sldLayoutId id="2147483743" r:id="rId11"/>
   </p:sldLayoutIdLst>
+  <p:timing>
+    <p:tnLst>
+      <p:par>
+        <p:cTn id="1" dur="indefinite" restart="never" nodeType="tmRoot"/>
+      </p:par>
+    </p:tnLst>
+  </p:timing>
   <p:txStyles>
     <p:titleStyle>
       <a:lvl1pPr algn="l" defTabSz="1604040" rtl="0" eaLnBrk="1" latinLnBrk="0" hangingPunct="1">
@@ -3756,12 +3798,15 @@
         </p:blipFill>
         <p:spPr>
           <a:xfrm>
-            <a:off x="193760" y="3202644"/>
-            <a:ext cx="21663335" cy="6916851"/>
+            <a:off x="303368" y="4515882"/>
+            <a:ext cx="21752956" cy="7208812"/>
           </a:xfrm>
           <a:prstGeom prst="rect">
             <a:avLst/>
           </a:prstGeom>
+          <a:ln>
+            <a:noFill/>
+          </a:ln>
         </p:spPr>
       </p:pic>
       <p:sp>
@@ -3772,8 +3817,8 @@
         </p:nvSpPr>
         <p:spPr>
           <a:xfrm>
-            <a:off x="180232" y="3173991"/>
-            <a:ext cx="20823196" cy="8667936"/>
+            <a:off x="166703" y="4491333"/>
+            <a:ext cx="20823196" cy="9237422"/>
           </a:xfrm>
           <a:prstGeom prst="rect">
             <a:avLst/>
@@ -3781,7 +3826,9 @@
           <a:noFill/>
           <a:ln w="38100">
             <a:solidFill>
-              <a:schemeClr val="tx1"/>
+              <a:schemeClr val="bg1">
+                <a:lumMod val="50000"/>
+              </a:schemeClr>
             </a:solidFill>
           </a:ln>
         </p:spPr>
@@ -3818,8 +3865,8 @@
         </p:nvSpPr>
         <p:spPr>
           <a:xfrm>
-            <a:off x="0" y="276976"/>
-            <a:ext cx="21386800" cy="1313778"/>
+            <a:off x="-25752" y="232349"/>
+            <a:ext cx="21386800" cy="2329440"/>
           </a:xfrm>
           <a:prstGeom prst="rect">
             <a:avLst/>
@@ -3832,7 +3879,6 @@
           </a:bodyPr>
           <a:lstStyle/>
           <a:p>
-            <a:pPr algn="ctr"/>
             <a:r>
               <a:rPr lang="ja-JP" altLang="en-US" sz="6600" kern="0" dirty="0" smtClean="0">
                 <a:effectLst>
@@ -3846,10 +3892,10 @@
                 <a:latin typeface="Bookman Old Style"/>
                 <a:ea typeface="HG明朝E"/>
               </a:rPr>
-              <a:t>不完全情報ゲーム人工</a:t>
-            </a:r>
-            <a:r>
-              <a:rPr lang="ja-JP" altLang="en-US" sz="6600" kern="0" dirty="0">
+              <a:t>不完全情報ゲーム人狼のため</a:t>
+            </a:r>
+            <a:r>
+              <a:rPr lang="ja-JP" altLang="en-US" sz="6600" kern="0" dirty="0" smtClean="0">
                 <a:effectLst>
                   <a:glow rad="101600">
                     <a:srgbClr val="FFE880">
@@ -3861,7 +3907,81 @@
                 <a:latin typeface="Bookman Old Style"/>
                 <a:ea typeface="HG明朝E"/>
               </a:rPr>
-              <a:t>知能</a:t>
+              <a:t>の</a:t>
+            </a:r>
+            <a:endParaRPr lang="en-US" altLang="ja-JP" sz="6600" kern="0" dirty="0" smtClean="0">
+              <a:effectLst>
+                <a:glow rad="101600">
+                  <a:srgbClr val="FFE880">
+                    <a:tint val="20000"/>
+                    <a:alpha val="60000"/>
+                  </a:srgbClr>
+                </a:glow>
+              </a:effectLst>
+              <a:latin typeface="Bookman Old Style"/>
+              <a:ea typeface="HG明朝E"/>
+            </a:endParaRPr>
+          </a:p>
+          <a:p>
+            <a:r>
+              <a:rPr lang="ja-JP" altLang="en-US" sz="6600" kern="0" dirty="0" smtClean="0">
+                <a:effectLst>
+                  <a:glow rad="101600">
+                    <a:srgbClr val="FFE880">
+                      <a:tint val="20000"/>
+                      <a:alpha val="60000"/>
+                    </a:srgbClr>
+                  </a:glow>
+                </a:effectLst>
+                <a:latin typeface="Bookman Old Style"/>
+                <a:ea typeface="HG明朝E"/>
+              </a:rPr>
+              <a:t>人工</a:t>
+            </a:r>
+            <a:r>
+              <a:rPr lang="ja-JP" altLang="en-US" sz="6600" kern="0" dirty="0" smtClean="0">
+                <a:effectLst>
+                  <a:glow rad="101600">
+                    <a:srgbClr val="FFE880">
+                      <a:tint val="20000"/>
+                      <a:alpha val="60000"/>
+                    </a:srgbClr>
+                  </a:glow>
+                </a:effectLst>
+                <a:latin typeface="Bookman Old Style"/>
+                <a:ea typeface="HG明朝E"/>
+              </a:rPr>
+              <a:t>エージェント</a:t>
+            </a:r>
+            <a:r>
+              <a:rPr lang="ja-JP" altLang="en-US" sz="6600" kern="0" dirty="0" smtClean="0">
+                <a:effectLst>
+                  <a:glow rad="101600">
+                    <a:srgbClr val="FFE880">
+                      <a:tint val="20000"/>
+                      <a:alpha val="60000"/>
+                    </a:srgbClr>
+                  </a:glow>
+                </a:effectLst>
+                <a:latin typeface="Bookman Old Style"/>
+                <a:ea typeface="HG明朝E"/>
+              </a:rPr>
+              <a:t>と実行</a:t>
+            </a:r>
+            <a:r>
+              <a:rPr lang="ja-JP" altLang="en-US" sz="6600" kern="0" dirty="0" smtClean="0">
+                <a:effectLst>
+                  <a:glow rad="101600">
+                    <a:srgbClr val="FFE880">
+                      <a:tint val="20000"/>
+                      <a:alpha val="60000"/>
+                    </a:srgbClr>
+                  </a:glow>
+                </a:effectLst>
+                <a:latin typeface="Bookman Old Style"/>
+                <a:ea typeface="HG明朝E"/>
+              </a:rPr>
+              <a:t>環境の構築</a:t>
             </a:r>
             <a:endParaRPr lang="ja-JP" altLang="en-US" sz="6600" dirty="0">
               <a:effectLst>
@@ -3884,7 +4004,7 @@
         </p:nvSpPr>
         <p:spPr>
           <a:xfrm>
-            <a:off x="100583" y="1647369"/>
+            <a:off x="-101572" y="2442418"/>
             <a:ext cx="21386800" cy="1129112"/>
           </a:xfrm>
           <a:prstGeom prst="rect">
@@ -3898,7 +4018,6 @@
           </a:bodyPr>
           <a:lstStyle/>
           <a:p>
-            <a:pPr algn="ctr"/>
             <a:r>
               <a:rPr lang="en-US" altLang="ja-JP" sz="5400" b="1" dirty="0" smtClean="0">
                 <a:latin typeface="+mn-ea"/>
@@ -3943,8 +4062,8 @@
         </p:nvSpPr>
         <p:spPr>
           <a:xfrm>
-            <a:off x="415208" y="18667358"/>
-            <a:ext cx="19983472" cy="7691654"/>
+            <a:off x="712682" y="19307540"/>
+            <a:ext cx="19537052" cy="7379116"/>
           </a:xfrm>
           <a:prstGeom prst="rect">
             <a:avLst/>
@@ -3953,8 +4072,952 @@
             <a:schemeClr val="bg1"/>
           </a:solidFill>
           <a:ln>
+            <a:noFill/>
+          </a:ln>
+        </p:spPr>
+        <p:style>
+          <a:lnRef idx="2">
+            <a:schemeClr val="accent1">
+              <a:shade val="50000"/>
+            </a:schemeClr>
+          </a:lnRef>
+          <a:fillRef idx="1">
+            <a:schemeClr val="accent1"/>
+          </a:fillRef>
+          <a:effectRef idx="0">
+            <a:schemeClr val="accent1"/>
+          </a:effectRef>
+          <a:fontRef idx="minor">
+            <a:schemeClr val="lt1"/>
+          </a:fontRef>
+        </p:style>
+        <p:txBody>
+          <a:bodyPr lIns="295232" tIns="147616" rIns="295232" bIns="147616" rtlCol="0" anchor="t"/>
+          <a:lstStyle/>
+          <a:p>
+            <a:r>
+              <a:rPr lang="ja-JP" altLang="en-US" sz="4000" dirty="0" smtClean="0">
+                <a:solidFill>
+                  <a:schemeClr val="tx1"/>
+                </a:solidFill>
+                <a:latin typeface="+mn-ea"/>
+              </a:rPr>
+              <a:t>饂飩プログラムによる人狼の推論方法</a:t>
+            </a:r>
+            <a:endParaRPr lang="en-US" altLang="ja-JP" sz="4000" dirty="0" smtClean="0">
+              <a:solidFill>
+                <a:schemeClr val="tx1"/>
+              </a:solidFill>
+              <a:latin typeface="+mn-ea"/>
+            </a:endParaRPr>
+          </a:p>
+          <a:p>
+            <a:pPr marL="742950" indent="-742950">
+              <a:buFont typeface="+mj-lt"/>
+              <a:buAutoNum type="arabicPeriod"/>
+            </a:pPr>
+            <a:r>
+              <a:rPr lang="ja-JP" altLang="en-US" sz="4000" dirty="0" smtClean="0">
+                <a:solidFill>
+                  <a:schemeClr val="tx1"/>
+                </a:solidFill>
+                <a:latin typeface="+mn-ea"/>
+              </a:rPr>
+              <a:t>確定情報の整理　</a:t>
+            </a:r>
+            <a:endParaRPr lang="en-US" altLang="ja-JP" sz="4000" dirty="0">
+              <a:solidFill>
+                <a:schemeClr val="tx1"/>
+              </a:solidFill>
+              <a:latin typeface="+mn-ea"/>
+            </a:endParaRPr>
+          </a:p>
+          <a:p>
+            <a:pPr marL="742950" indent="-742950">
+              <a:buFont typeface="+mj-lt"/>
+              <a:buAutoNum type="arabicPeriod"/>
+            </a:pPr>
+            <a:r>
+              <a:rPr lang="ja-JP" altLang="en-US" sz="4000" dirty="0" smtClean="0">
+                <a:solidFill>
+                  <a:schemeClr val="tx1"/>
+                </a:solidFill>
+                <a:latin typeface="+mn-ea"/>
+              </a:rPr>
+              <a:t>人</a:t>
+            </a:r>
+            <a:r>
+              <a:rPr lang="ja-JP" altLang="en-US" sz="4000" dirty="0">
+                <a:solidFill>
+                  <a:schemeClr val="tx1"/>
+                </a:solidFill>
+                <a:latin typeface="+mn-ea"/>
+              </a:rPr>
+              <a:t>狼</a:t>
+            </a:r>
+            <a:r>
+              <a:rPr lang="ja-JP" altLang="en-US" sz="4000" dirty="0" smtClean="0">
+                <a:solidFill>
+                  <a:schemeClr val="tx1"/>
+                </a:solidFill>
+                <a:latin typeface="+mn-ea"/>
+              </a:rPr>
+              <a:t>の推理</a:t>
+            </a:r>
+            <a:endParaRPr lang="en-US" altLang="ja-JP" sz="4000" dirty="0" smtClean="0">
+              <a:solidFill>
+                <a:schemeClr val="tx1"/>
+              </a:solidFill>
+              <a:latin typeface="+mn-ea"/>
+            </a:endParaRPr>
+          </a:p>
+          <a:p>
+            <a:pPr marL="742950" indent="-742950">
+              <a:buFont typeface="+mj-lt"/>
+              <a:buAutoNum type="arabicPeriod"/>
+            </a:pPr>
+            <a:r>
+              <a:rPr lang="ja-JP" altLang="en-US" sz="4000" dirty="0" smtClean="0">
+                <a:solidFill>
+                  <a:schemeClr val="tx1"/>
+                </a:solidFill>
+                <a:latin typeface="+mn-ea"/>
+              </a:rPr>
+              <a:t>確定</a:t>
+            </a:r>
+            <a:r>
+              <a:rPr lang="ja-JP" altLang="en-US" sz="4000" dirty="0">
+                <a:solidFill>
+                  <a:schemeClr val="tx1"/>
+                </a:solidFill>
+                <a:latin typeface="+mn-ea"/>
+              </a:rPr>
+              <a:t>情報</a:t>
+            </a:r>
+            <a:r>
+              <a:rPr lang="ja-JP" altLang="en-US" sz="4000" dirty="0" smtClean="0">
+                <a:solidFill>
+                  <a:schemeClr val="tx1"/>
+                </a:solidFill>
+                <a:latin typeface="+mn-ea"/>
+              </a:rPr>
+              <a:t>と推理をもとに行動を選択</a:t>
+            </a:r>
+            <a:endParaRPr lang="en-US" altLang="ja-JP" sz="4000" dirty="0" smtClean="0">
+              <a:solidFill>
+                <a:schemeClr val="tx1"/>
+              </a:solidFill>
+              <a:latin typeface="+mn-ea"/>
+            </a:endParaRPr>
+          </a:p>
+          <a:p>
+            <a:endParaRPr lang="en-US" altLang="ja-JP" sz="4000" dirty="0" smtClean="0">
+              <a:solidFill>
+                <a:schemeClr val="tx1"/>
+              </a:solidFill>
+              <a:latin typeface="+mn-ea"/>
+            </a:endParaRPr>
+          </a:p>
+          <a:p>
+            <a:r>
+              <a:rPr lang="ja-JP" altLang="en-US" sz="4000" dirty="0">
+                <a:solidFill>
+                  <a:schemeClr val="tx1"/>
+                </a:solidFill>
+                <a:latin typeface="+mn-ea"/>
+              </a:rPr>
+              <a:t>パターン化</a:t>
+            </a:r>
+            <a:r>
+              <a:rPr lang="ja-JP" altLang="en-US" sz="4000" dirty="0" smtClean="0">
+                <a:solidFill>
+                  <a:schemeClr val="tx1"/>
+                </a:solidFill>
+                <a:latin typeface="+mn-ea"/>
+              </a:rPr>
+              <a:t>によ</a:t>
+            </a:r>
+            <a:r>
+              <a:rPr lang="ja-JP" altLang="en-US" sz="4000" dirty="0">
+                <a:solidFill>
+                  <a:schemeClr val="tx1"/>
+                </a:solidFill>
+                <a:latin typeface="+mn-ea"/>
+              </a:rPr>
+              <a:t>る</a:t>
+            </a:r>
+            <a:r>
+              <a:rPr lang="ja-JP" altLang="en-US" sz="4000" dirty="0" smtClean="0">
+                <a:solidFill>
+                  <a:schemeClr val="tx1"/>
+                </a:solidFill>
+                <a:latin typeface="+mn-ea"/>
+              </a:rPr>
+              <a:t>人狼の矛盾発見方法</a:t>
+            </a:r>
+            <a:endParaRPr lang="en-US" altLang="ja-JP" sz="4000" dirty="0" smtClean="0">
+              <a:solidFill>
+                <a:schemeClr val="tx1"/>
+              </a:solidFill>
+              <a:latin typeface="+mn-ea"/>
+            </a:endParaRPr>
+          </a:p>
+          <a:p>
+            <a:r>
+              <a:rPr lang="en-US" altLang="ja-JP" sz="4000" dirty="0" smtClean="0">
+                <a:solidFill>
+                  <a:schemeClr val="tx1"/>
+                </a:solidFill>
+                <a:latin typeface="+mn-ea"/>
+              </a:rPr>
+              <a:t>C</a:t>
+            </a:r>
+            <a:r>
+              <a:rPr lang="ja-JP" altLang="en-US" sz="4000" dirty="0" err="1" smtClean="0">
+                <a:solidFill>
+                  <a:schemeClr val="tx1"/>
+                </a:solidFill>
+                <a:latin typeface="+mn-ea"/>
+              </a:rPr>
+              <a:t>さん</a:t>
+            </a:r>
+            <a:r>
+              <a:rPr lang="en-US" altLang="ja-JP" sz="4000" dirty="0" smtClean="0">
+                <a:solidFill>
+                  <a:schemeClr val="tx1"/>
+                </a:solidFill>
+                <a:latin typeface="+mn-ea"/>
+              </a:rPr>
+              <a:t>D</a:t>
+            </a:r>
+            <a:r>
+              <a:rPr lang="ja-JP" altLang="en-US" sz="4000" dirty="0" err="1" smtClean="0">
+                <a:solidFill>
+                  <a:schemeClr val="tx1"/>
+                </a:solidFill>
+                <a:latin typeface="+mn-ea"/>
+              </a:rPr>
+              <a:t>さんは</a:t>
+            </a:r>
+            <a:r>
+              <a:rPr lang="ja-JP" altLang="en-US" sz="4000" dirty="0" smtClean="0">
+                <a:solidFill>
+                  <a:schemeClr val="tx1"/>
+                </a:solidFill>
+                <a:latin typeface="+mn-ea"/>
+              </a:rPr>
+              <a:t>処刑</a:t>
+            </a:r>
+            <a:r>
+              <a:rPr lang="ja-JP" altLang="en-US" sz="4000" dirty="0" smtClean="0">
+                <a:solidFill>
+                  <a:schemeClr val="tx1"/>
+                </a:solidFill>
+                <a:latin typeface="+mn-ea"/>
+              </a:rPr>
+              <a:t>された。</a:t>
+            </a:r>
+            <a:endParaRPr lang="en-US" altLang="ja-JP" sz="4000" dirty="0">
+              <a:solidFill>
+                <a:schemeClr val="tx1"/>
+              </a:solidFill>
+              <a:latin typeface="+mn-ea"/>
+            </a:endParaRPr>
+          </a:p>
+          <a:p>
+            <a:r>
+              <a:rPr lang="ja-JP" altLang="en-US" sz="4000" dirty="0" smtClean="0">
+                <a:solidFill>
+                  <a:schemeClr val="tx1"/>
+                </a:solidFill>
+                <a:latin typeface="+mn-ea"/>
+              </a:rPr>
+              <a:t>占い師</a:t>
+            </a:r>
+            <a:r>
+              <a:rPr lang="en-US" altLang="ja-JP" sz="4000" dirty="0" smtClean="0">
+                <a:solidFill>
+                  <a:schemeClr val="tx1"/>
+                </a:solidFill>
+                <a:latin typeface="+mn-ea"/>
+              </a:rPr>
+              <a:t>A	C</a:t>
+            </a:r>
+            <a:r>
+              <a:rPr lang="ja-JP" altLang="en-US" sz="4000" dirty="0" err="1" smtClean="0">
+                <a:solidFill>
+                  <a:schemeClr val="tx1"/>
+                </a:solidFill>
+                <a:latin typeface="+mn-ea"/>
+              </a:rPr>
+              <a:t>さんは</a:t>
+            </a:r>
+            <a:r>
+              <a:rPr lang="ja-JP" altLang="en-US" sz="4000" dirty="0" smtClean="0">
+                <a:solidFill>
+                  <a:schemeClr val="tx1"/>
+                </a:solidFill>
+                <a:latin typeface="+mn-ea"/>
+              </a:rPr>
+              <a:t>人狼だった　</a:t>
+            </a:r>
+            <a:r>
+              <a:rPr lang="en-US" altLang="ja-JP" sz="4000" dirty="0" smtClean="0">
+                <a:solidFill>
+                  <a:schemeClr val="tx1"/>
+                </a:solidFill>
+                <a:latin typeface="+mn-ea"/>
+              </a:rPr>
+              <a:t>D</a:t>
+            </a:r>
+            <a:r>
+              <a:rPr lang="ja-JP" altLang="en-US" sz="4000" dirty="0" err="1" smtClean="0">
+                <a:solidFill>
+                  <a:schemeClr val="tx1"/>
+                </a:solidFill>
+                <a:latin typeface="+mn-ea"/>
+              </a:rPr>
+              <a:t>さんは</a:t>
+            </a:r>
+            <a:r>
+              <a:rPr lang="ja-JP" altLang="en-US" sz="4000" dirty="0" smtClean="0">
+                <a:solidFill>
+                  <a:schemeClr val="tx1"/>
+                </a:solidFill>
+                <a:latin typeface="+mn-ea"/>
+              </a:rPr>
+              <a:t>人間だった</a:t>
+            </a:r>
+            <a:endParaRPr lang="en-US" altLang="ja-JP" sz="4000" dirty="0" smtClean="0">
+              <a:solidFill>
+                <a:schemeClr val="tx1"/>
+              </a:solidFill>
+              <a:latin typeface="+mn-ea"/>
+            </a:endParaRPr>
+          </a:p>
+          <a:p>
+            <a:r>
+              <a:rPr lang="ja-JP" altLang="en-US" sz="4000" dirty="0">
+                <a:solidFill>
+                  <a:schemeClr val="tx1"/>
+                </a:solidFill>
+                <a:latin typeface="+mn-ea"/>
+              </a:rPr>
+              <a:t>占い</a:t>
+            </a:r>
+            <a:r>
+              <a:rPr lang="ja-JP" altLang="en-US" sz="4000" dirty="0" smtClean="0">
+                <a:solidFill>
+                  <a:schemeClr val="tx1"/>
+                </a:solidFill>
+                <a:latin typeface="+mn-ea"/>
+              </a:rPr>
+              <a:t>師</a:t>
+            </a:r>
+            <a:r>
+              <a:rPr lang="en-US" altLang="ja-JP" sz="4000" dirty="0" smtClean="0">
+                <a:solidFill>
+                  <a:schemeClr val="tx1"/>
+                </a:solidFill>
+                <a:latin typeface="+mn-ea"/>
+              </a:rPr>
+              <a:t>B	C</a:t>
+            </a:r>
+            <a:r>
+              <a:rPr lang="ja-JP" altLang="en-US" sz="4000" dirty="0" err="1" smtClean="0">
+                <a:solidFill>
+                  <a:schemeClr val="tx1"/>
+                </a:solidFill>
+                <a:latin typeface="+mn-ea"/>
+              </a:rPr>
+              <a:t>さんは</a:t>
+            </a:r>
+            <a:r>
+              <a:rPr lang="ja-JP" altLang="en-US" sz="4000" dirty="0" smtClean="0">
+                <a:solidFill>
+                  <a:schemeClr val="tx1"/>
+                </a:solidFill>
+                <a:latin typeface="+mn-ea"/>
+              </a:rPr>
+              <a:t>人間だった</a:t>
+            </a:r>
+            <a:r>
+              <a:rPr lang="ja-JP" altLang="en-US" sz="4000" dirty="0">
+                <a:solidFill>
+                  <a:schemeClr val="tx1"/>
+                </a:solidFill>
+                <a:latin typeface="+mn-ea"/>
+              </a:rPr>
+              <a:t>　</a:t>
+            </a:r>
+            <a:r>
+              <a:rPr lang="en-US" altLang="ja-JP" sz="4000" dirty="0" smtClean="0">
+                <a:solidFill>
+                  <a:schemeClr val="tx1"/>
+                </a:solidFill>
+                <a:latin typeface="+mn-ea"/>
+              </a:rPr>
+              <a:t>D</a:t>
+            </a:r>
+            <a:r>
+              <a:rPr lang="ja-JP" altLang="en-US" sz="4000" dirty="0" err="1" smtClean="0">
+                <a:solidFill>
+                  <a:schemeClr val="tx1"/>
+                </a:solidFill>
+                <a:latin typeface="+mn-ea"/>
+              </a:rPr>
+              <a:t>さんは</a:t>
+            </a:r>
+            <a:r>
+              <a:rPr lang="ja-JP" altLang="en-US" sz="4000" dirty="0" smtClean="0">
+                <a:solidFill>
+                  <a:schemeClr val="tx1"/>
+                </a:solidFill>
+                <a:latin typeface="+mn-ea"/>
+              </a:rPr>
+              <a:t>人狼だった</a:t>
+            </a:r>
+            <a:endParaRPr lang="en-US" altLang="ja-JP" sz="4000" dirty="0" smtClean="0">
+              <a:solidFill>
+                <a:schemeClr val="tx1"/>
+              </a:solidFill>
+              <a:latin typeface="+mn-ea"/>
+            </a:endParaRPr>
+          </a:p>
+          <a:p>
+            <a:r>
+              <a:rPr lang="ja-JP" altLang="en-US" sz="4000" dirty="0" smtClean="0">
+                <a:solidFill>
+                  <a:schemeClr val="tx1"/>
+                </a:solidFill>
+                <a:latin typeface="+mn-ea"/>
+              </a:rPr>
+              <a:t>霊媒師</a:t>
+            </a:r>
+            <a:r>
+              <a:rPr lang="en-US" altLang="ja-JP" sz="4000" dirty="0" smtClean="0">
+                <a:solidFill>
+                  <a:schemeClr val="tx1"/>
+                </a:solidFill>
+                <a:latin typeface="+mn-ea"/>
+              </a:rPr>
+              <a:t>E	C</a:t>
+            </a:r>
+            <a:r>
+              <a:rPr lang="ja-JP" altLang="en-US" sz="4000" dirty="0" err="1" smtClean="0">
+                <a:solidFill>
+                  <a:schemeClr val="tx1"/>
+                </a:solidFill>
+                <a:latin typeface="+mn-ea"/>
+              </a:rPr>
+              <a:t>さんは</a:t>
+            </a:r>
+            <a:r>
+              <a:rPr lang="ja-JP" altLang="en-US" sz="4000" dirty="0" smtClean="0">
+                <a:solidFill>
+                  <a:schemeClr val="tx1"/>
+                </a:solidFill>
+                <a:latin typeface="+mn-ea"/>
+              </a:rPr>
+              <a:t>人狼だった</a:t>
+            </a:r>
+            <a:r>
+              <a:rPr lang="ja-JP" altLang="en-US" sz="4000" dirty="0">
+                <a:solidFill>
+                  <a:schemeClr val="tx1"/>
+                </a:solidFill>
+                <a:latin typeface="+mn-ea"/>
+              </a:rPr>
+              <a:t>　</a:t>
+            </a:r>
+            <a:r>
+              <a:rPr lang="en-US" altLang="ja-JP" sz="4000" dirty="0" smtClean="0">
+                <a:solidFill>
+                  <a:schemeClr val="tx1"/>
+                </a:solidFill>
+                <a:latin typeface="+mn-ea"/>
+              </a:rPr>
+              <a:t>D</a:t>
+            </a:r>
+            <a:r>
+              <a:rPr lang="ja-JP" altLang="en-US" sz="4000" dirty="0" err="1" smtClean="0">
+                <a:solidFill>
+                  <a:schemeClr val="tx1"/>
+                </a:solidFill>
+                <a:latin typeface="+mn-ea"/>
+              </a:rPr>
+              <a:t>さんは</a:t>
+            </a:r>
+            <a:r>
+              <a:rPr lang="ja-JP" altLang="en-US" sz="4000" dirty="0" smtClean="0">
+                <a:solidFill>
+                  <a:schemeClr val="tx1"/>
+                </a:solidFill>
+                <a:latin typeface="+mn-ea"/>
+              </a:rPr>
+              <a:t>人間だった</a:t>
+            </a:r>
+            <a:endParaRPr lang="en-US" altLang="ja-JP" sz="4000" dirty="0" smtClean="0">
+              <a:solidFill>
+                <a:schemeClr val="tx1"/>
+              </a:solidFill>
+              <a:latin typeface="+mn-ea"/>
+            </a:endParaRPr>
+          </a:p>
+          <a:p>
+            <a:r>
+              <a:rPr lang="ja-JP" altLang="en-US" sz="4000" dirty="0" smtClean="0">
+                <a:solidFill>
+                  <a:schemeClr val="tx1"/>
+                </a:solidFill>
+                <a:latin typeface="+mn-ea"/>
+              </a:rPr>
+              <a:t>霊媒師</a:t>
+            </a:r>
+            <a:r>
+              <a:rPr lang="en-US" altLang="ja-JP" sz="4000" dirty="0">
+                <a:solidFill>
+                  <a:schemeClr val="tx1"/>
+                </a:solidFill>
+                <a:latin typeface="+mn-ea"/>
+              </a:rPr>
+              <a:t>F</a:t>
+            </a:r>
+            <a:r>
+              <a:rPr lang="en-US" altLang="ja-JP" sz="4000" dirty="0" smtClean="0">
+                <a:solidFill>
+                  <a:schemeClr val="tx1"/>
+                </a:solidFill>
+                <a:latin typeface="+mn-ea"/>
+              </a:rPr>
+              <a:t>	C</a:t>
+            </a:r>
+            <a:r>
+              <a:rPr lang="ja-JP" altLang="en-US" sz="4000" dirty="0" err="1" smtClean="0">
+                <a:solidFill>
+                  <a:schemeClr val="tx1"/>
+                </a:solidFill>
+                <a:latin typeface="+mn-ea"/>
+              </a:rPr>
+              <a:t>さん</a:t>
+            </a:r>
+            <a:r>
+              <a:rPr lang="en-US" altLang="ja-JP" sz="4000" dirty="0" smtClean="0">
+                <a:solidFill>
+                  <a:schemeClr val="tx1"/>
+                </a:solidFill>
+                <a:latin typeface="+mn-ea"/>
+              </a:rPr>
+              <a:t>D</a:t>
+            </a:r>
+            <a:r>
+              <a:rPr lang="ja-JP" altLang="en-US" sz="4000" dirty="0" err="1" smtClean="0">
+                <a:solidFill>
+                  <a:schemeClr val="tx1"/>
+                </a:solidFill>
+                <a:latin typeface="+mn-ea"/>
+              </a:rPr>
+              <a:t>さん</a:t>
+            </a:r>
+            <a:r>
+              <a:rPr lang="ja-JP" altLang="en-US" sz="4000" dirty="0" smtClean="0">
+                <a:solidFill>
+                  <a:schemeClr val="tx1"/>
+                </a:solidFill>
+                <a:latin typeface="+mn-ea"/>
+              </a:rPr>
+              <a:t>両方人間だった</a:t>
+            </a:r>
+            <a:endParaRPr lang="en-US" altLang="ja-JP" sz="4000" dirty="0" smtClean="0">
+              <a:solidFill>
+                <a:schemeClr val="tx1"/>
+              </a:solidFill>
+              <a:latin typeface="+mn-ea"/>
+            </a:endParaRPr>
+          </a:p>
+          <a:p>
+            <a:r>
+              <a:rPr lang="ja-JP" altLang="en-US" sz="4000" dirty="0" smtClean="0">
+                <a:solidFill>
+                  <a:schemeClr val="tx1"/>
+                </a:solidFill>
+                <a:latin typeface="+mn-ea"/>
+              </a:rPr>
+              <a:t>と答えた。この中に人狼が最大</a:t>
+            </a:r>
+            <a:r>
+              <a:rPr lang="en-US" altLang="ja-JP" sz="4000" dirty="0" smtClean="0">
+                <a:solidFill>
+                  <a:schemeClr val="tx1"/>
+                </a:solidFill>
+                <a:latin typeface="+mn-ea"/>
+              </a:rPr>
+              <a:t>3</a:t>
+            </a:r>
+            <a:r>
+              <a:rPr lang="ja-JP" altLang="en-US" sz="4000" dirty="0" smtClean="0">
+                <a:solidFill>
+                  <a:schemeClr val="tx1"/>
+                </a:solidFill>
+                <a:latin typeface="+mn-ea"/>
+              </a:rPr>
+              <a:t>人潜んでいる。</a:t>
+            </a:r>
+            <a:endParaRPr lang="en-US" altLang="ja-JP" sz="4000" dirty="0" smtClean="0">
+              <a:solidFill>
+                <a:schemeClr val="tx1"/>
+              </a:solidFill>
+              <a:latin typeface="+mn-ea"/>
+            </a:endParaRPr>
+          </a:p>
+          <a:p>
+            <a:endParaRPr lang="en-US" altLang="ja-JP" sz="3600" dirty="0" smtClean="0">
+              <a:solidFill>
+                <a:schemeClr val="tx1"/>
+              </a:solidFill>
+              <a:latin typeface="+mn-ea"/>
+            </a:endParaRPr>
+          </a:p>
+        </p:txBody>
+      </p:sp>
+      <p:sp>
+        <p:nvSpPr>
+          <p:cNvPr id="44" name="正方形/長方形 43"/>
+          <p:cNvSpPr/>
+          <p:nvPr/>
+        </p:nvSpPr>
+        <p:spPr>
+          <a:xfrm>
+            <a:off x="10035590" y="15252362"/>
+            <a:ext cx="10392328" cy="2489364"/>
+          </a:xfrm>
+          <a:prstGeom prst="rect">
+            <a:avLst/>
+          </a:prstGeom>
+          <a:solidFill>
+            <a:schemeClr val="bg1"/>
+          </a:solidFill>
+          <a:ln>
+            <a:noFill/>
+          </a:ln>
+        </p:spPr>
+        <p:style>
+          <a:lnRef idx="2">
+            <a:schemeClr val="accent1">
+              <a:shade val="50000"/>
+            </a:schemeClr>
+          </a:lnRef>
+          <a:fillRef idx="1">
+            <a:schemeClr val="accent1"/>
+          </a:fillRef>
+          <a:effectRef idx="0">
+            <a:schemeClr val="accent1"/>
+          </a:effectRef>
+          <a:fontRef idx="minor">
+            <a:schemeClr val="lt1"/>
+          </a:fontRef>
+        </p:style>
+        <p:txBody>
+          <a:bodyPr lIns="295232" tIns="147616" rIns="295232" bIns="147616" rtlCol="0" anchor="t"/>
+          <a:lstStyle/>
+          <a:p>
+            <a:pPr marL="742950" indent="-742950">
+              <a:buFont typeface="+mj-lt"/>
+              <a:buAutoNum type="arabicPeriod"/>
+            </a:pPr>
+            <a:r>
+              <a:rPr lang="ja-JP" altLang="en-US" sz="3600" dirty="0" smtClean="0">
+                <a:solidFill>
+                  <a:schemeClr val="tx1"/>
+                </a:solidFill>
+                <a:latin typeface="+mn-ea"/>
+              </a:rPr>
+              <a:t>人</a:t>
+            </a:r>
+            <a:r>
+              <a:rPr lang="ja-JP" altLang="en-US" sz="3600" dirty="0" smtClean="0">
+                <a:solidFill>
+                  <a:schemeClr val="tx1"/>
+                </a:solidFill>
+                <a:latin typeface="+mn-ea"/>
+              </a:rPr>
+              <a:t>狼知能プロジェクトから提供されている人狼サーバーを</a:t>
+            </a:r>
+            <a:r>
+              <a:rPr lang="ja-JP" altLang="en-US" sz="3600" dirty="0" smtClean="0">
+                <a:solidFill>
+                  <a:schemeClr val="tx1"/>
+                </a:solidFill>
+                <a:latin typeface="+mn-ea"/>
+              </a:rPr>
+              <a:t>起動</a:t>
+            </a:r>
+            <a:r>
+              <a:rPr lang="ja-JP" altLang="en-US" sz="3600" dirty="0" smtClean="0">
+                <a:solidFill>
+                  <a:schemeClr val="tx1"/>
+                </a:solidFill>
+                <a:latin typeface="+mn-ea"/>
+              </a:rPr>
+              <a:t>を</a:t>
+            </a:r>
+            <a:r>
+              <a:rPr lang="ja-JP" altLang="en-US" sz="3600" dirty="0">
+                <a:solidFill>
+                  <a:schemeClr val="tx1"/>
+                </a:solidFill>
+                <a:latin typeface="+mn-ea"/>
+              </a:rPr>
+              <a:t>行</a:t>
+            </a:r>
+            <a:r>
+              <a:rPr lang="ja-JP" altLang="en-US" sz="3600" dirty="0" smtClean="0">
+                <a:solidFill>
+                  <a:schemeClr val="tx1"/>
+                </a:solidFill>
+                <a:latin typeface="+mn-ea"/>
+              </a:rPr>
+              <a:t>う</a:t>
+            </a:r>
+            <a:r>
+              <a:rPr lang="ja-JP" altLang="en-US" sz="3600" dirty="0" smtClean="0">
+                <a:solidFill>
+                  <a:schemeClr val="tx1"/>
+                </a:solidFill>
+                <a:latin typeface="+mn-ea"/>
+              </a:rPr>
+              <a:t>。</a:t>
+            </a:r>
+            <a:endParaRPr lang="en-US" altLang="ja-JP" sz="3600" dirty="0" smtClean="0">
+              <a:solidFill>
+                <a:schemeClr val="tx1"/>
+              </a:solidFill>
+              <a:latin typeface="+mn-ea"/>
+            </a:endParaRPr>
+          </a:p>
+          <a:p>
+            <a:pPr marL="742950" indent="-742950">
+              <a:buFont typeface="+mj-lt"/>
+              <a:buAutoNum type="arabicPeriod"/>
+            </a:pPr>
+            <a:r>
+              <a:rPr lang="ja-JP" altLang="en-US" sz="3600" dirty="0" smtClean="0">
+                <a:solidFill>
+                  <a:schemeClr val="tx1"/>
+                </a:solidFill>
+                <a:latin typeface="+mn-ea"/>
+              </a:rPr>
+              <a:t>饂飩プログラムの</a:t>
+            </a:r>
+            <a:r>
+              <a:rPr lang="en-US" altLang="ja-JP" sz="3600" dirty="0" smtClean="0">
+                <a:solidFill>
+                  <a:schemeClr val="tx1"/>
+                </a:solidFill>
+                <a:latin typeface="+mn-ea"/>
+              </a:rPr>
+              <a:t>Java</a:t>
+            </a:r>
+            <a:r>
+              <a:rPr lang="ja-JP" altLang="en-US" sz="3600" dirty="0" smtClean="0">
+                <a:solidFill>
+                  <a:schemeClr val="tx1"/>
+                </a:solidFill>
+                <a:latin typeface="+mn-ea"/>
+              </a:rPr>
+              <a:t>ソースコードリーディングを行い、アルゴリズムを理解する。</a:t>
+            </a:r>
+            <a:endParaRPr lang="en-US" altLang="ja-JP" sz="3600" dirty="0" smtClean="0">
+              <a:solidFill>
+                <a:schemeClr val="tx1"/>
+              </a:solidFill>
+              <a:latin typeface="+mn-ea"/>
+            </a:endParaRPr>
+          </a:p>
+          <a:p>
+            <a:pPr marL="857250" indent="-857250">
+              <a:buFont typeface="Wingdings" panose="05000000000000000000" pitchFamily="2" charset="2"/>
+              <a:buChar char="l"/>
+            </a:pPr>
+            <a:endParaRPr lang="en-US" altLang="ja-JP" sz="3600" dirty="0">
+              <a:solidFill>
+                <a:schemeClr val="tx1"/>
+              </a:solidFill>
+              <a:latin typeface="+mn-ea"/>
+            </a:endParaRPr>
+          </a:p>
+          <a:p>
+            <a:pPr marL="857250" indent="-857250">
+              <a:buFont typeface="Wingdings" panose="05000000000000000000" pitchFamily="2" charset="2"/>
+              <a:buChar char="l"/>
+            </a:pPr>
+            <a:endParaRPr lang="en-US" altLang="ja-JP" sz="3600" dirty="0" smtClean="0">
+              <a:solidFill>
+                <a:schemeClr val="tx1"/>
+              </a:solidFill>
+              <a:latin typeface="+mn-ea"/>
+            </a:endParaRPr>
+          </a:p>
+          <a:p>
+            <a:pPr marL="857250" indent="-857250">
+              <a:buFont typeface="Wingdings" panose="05000000000000000000" pitchFamily="2" charset="2"/>
+              <a:buChar char="l"/>
+            </a:pPr>
+            <a:endParaRPr lang="en-US" altLang="ja-JP" sz="3600" dirty="0">
+              <a:solidFill>
+                <a:schemeClr val="tx1"/>
+              </a:solidFill>
+              <a:latin typeface="+mn-ea"/>
+            </a:endParaRPr>
+          </a:p>
+          <a:p>
+            <a:pPr marL="857250" indent="-857250">
+              <a:buFont typeface="Wingdings" panose="05000000000000000000" pitchFamily="2" charset="2"/>
+              <a:buChar char="l"/>
+            </a:pPr>
+            <a:endParaRPr lang="en-US" altLang="ja-JP" sz="3600" dirty="0" smtClean="0">
+              <a:solidFill>
+                <a:schemeClr val="tx1"/>
+              </a:solidFill>
+              <a:latin typeface="+mn-ea"/>
+            </a:endParaRPr>
+          </a:p>
+          <a:p>
+            <a:pPr marL="857250" indent="-857250">
+              <a:buFont typeface="Wingdings" panose="05000000000000000000" pitchFamily="2" charset="2"/>
+              <a:buChar char="l"/>
+            </a:pPr>
+            <a:endParaRPr lang="en-US" altLang="ja-JP" sz="3600" dirty="0" smtClean="0">
+              <a:solidFill>
+                <a:schemeClr val="tx1"/>
+              </a:solidFill>
+              <a:latin typeface="+mn-ea"/>
+            </a:endParaRPr>
+          </a:p>
+          <a:p>
+            <a:endParaRPr lang="en-US" altLang="ja-JP" sz="3600" dirty="0" smtClean="0">
+              <a:solidFill>
+                <a:schemeClr val="tx1"/>
+              </a:solidFill>
+              <a:latin typeface="+mn-ea"/>
+            </a:endParaRPr>
+          </a:p>
+          <a:p>
+            <a:endParaRPr lang="en-US" altLang="ja-JP" sz="3600" dirty="0">
+              <a:solidFill>
+                <a:schemeClr val="tx1"/>
+              </a:solidFill>
+              <a:latin typeface="+mn-ea"/>
+            </a:endParaRPr>
+          </a:p>
+        </p:txBody>
+      </p:sp>
+      <p:sp>
+        <p:nvSpPr>
+          <p:cNvPr id="46" name="正方形/長方形 45"/>
+          <p:cNvSpPr/>
+          <p:nvPr/>
+        </p:nvSpPr>
+        <p:spPr>
+          <a:xfrm>
+            <a:off x="508113" y="28239117"/>
+            <a:ext cx="19887945" cy="1936496"/>
+          </a:xfrm>
+          <a:prstGeom prst="rect">
+            <a:avLst/>
+          </a:prstGeom>
+          <a:solidFill>
+            <a:schemeClr val="bg1"/>
+          </a:solidFill>
+          <a:ln>
+            <a:noFill/>
+          </a:ln>
+        </p:spPr>
+        <p:style>
+          <a:lnRef idx="2">
+            <a:schemeClr val="accent1">
+              <a:shade val="50000"/>
+            </a:schemeClr>
+          </a:lnRef>
+          <a:fillRef idx="1">
+            <a:schemeClr val="accent1"/>
+          </a:fillRef>
+          <a:effectRef idx="0">
+            <a:schemeClr val="accent1"/>
+          </a:effectRef>
+          <a:fontRef idx="minor">
+            <a:schemeClr val="lt1"/>
+          </a:fontRef>
+        </p:style>
+        <p:txBody>
+          <a:bodyPr lIns="295232" tIns="147616" rIns="295232" bIns="147616" rtlCol="0" anchor="t"/>
+          <a:lstStyle/>
+          <a:p>
+            <a:r>
+              <a:rPr lang="ja-JP" altLang="en-US" sz="3600" dirty="0" smtClean="0">
+                <a:solidFill>
+                  <a:schemeClr val="tx1"/>
+                </a:solidFill>
+                <a:latin typeface="+mn-ea"/>
+              </a:rPr>
+              <a:t>　人</a:t>
+            </a:r>
+            <a:r>
+              <a:rPr lang="ja-JP" altLang="en-US" sz="3600" dirty="0" smtClean="0">
+                <a:solidFill>
+                  <a:schemeClr val="tx1"/>
+                </a:solidFill>
+                <a:latin typeface="+mn-ea"/>
+              </a:rPr>
+              <a:t>狼ゲーム</a:t>
+            </a:r>
+            <a:r>
+              <a:rPr lang="en-US" altLang="ja-JP" sz="3600" dirty="0" smtClean="0">
+                <a:solidFill>
+                  <a:schemeClr val="tx1"/>
+                </a:solidFill>
+                <a:latin typeface="+mn-ea"/>
+              </a:rPr>
+              <a:t>AI</a:t>
+            </a:r>
+            <a:r>
+              <a:rPr lang="ja-JP" altLang="en-US" sz="3600" dirty="0" smtClean="0">
+                <a:solidFill>
+                  <a:schemeClr val="tx1"/>
+                </a:solidFill>
+                <a:latin typeface="+mn-ea"/>
+              </a:rPr>
+              <a:t>のアルゴリズムをソースコードリーディングを行い理解した。理解したことを生かして、さらに強いアルゴリズムを考察する。そして人狼エージェントをプログラミングする</a:t>
+            </a:r>
+            <a:endParaRPr lang="en-US" altLang="ja-JP" sz="3600" dirty="0" smtClean="0">
+              <a:solidFill>
+                <a:schemeClr val="tx1"/>
+              </a:solidFill>
+              <a:latin typeface="+mn-ea"/>
+            </a:endParaRPr>
+          </a:p>
+        </p:txBody>
+      </p:sp>
+      <p:sp>
+        <p:nvSpPr>
+          <p:cNvPr id="48" name="正方形/長方形 47"/>
+          <p:cNvSpPr/>
+          <p:nvPr/>
+        </p:nvSpPr>
+        <p:spPr>
+          <a:xfrm>
+            <a:off x="180232" y="27350795"/>
+            <a:ext cx="20881529" cy="2808453"/>
+          </a:xfrm>
+          <a:prstGeom prst="rect">
+            <a:avLst/>
+          </a:prstGeom>
+          <a:noFill/>
+          <a:ln w="38100">
             <a:solidFill>
-              <a:schemeClr val="accent1"/>
+              <a:schemeClr val="bg1">
+                <a:lumMod val="50000"/>
+              </a:schemeClr>
             </a:solidFill>
           </a:ln>
         </p:spPr>
@@ -3975,53 +5038,66 @@
           </a:fontRef>
         </p:style>
         <p:txBody>
+          <a:bodyPr rtlCol="0" anchor="ctr"/>
+          <a:lstStyle/>
+          <a:p>
+            <a:pPr algn="ctr"/>
+            <a:endParaRPr kumimoji="1" lang="ja-JP" altLang="en-US"/>
+          </a:p>
+        </p:txBody>
+      </p:sp>
+      <p:sp>
+        <p:nvSpPr>
+          <p:cNvPr id="70" name="正方形/長方形 69"/>
+          <p:cNvSpPr/>
+          <p:nvPr/>
+        </p:nvSpPr>
+        <p:spPr>
+          <a:xfrm>
+            <a:off x="541823" y="11525401"/>
+            <a:ext cx="19854235" cy="1878053"/>
+          </a:xfrm>
+          <a:prstGeom prst="rect">
+            <a:avLst/>
+          </a:prstGeom>
+          <a:solidFill>
+            <a:schemeClr val="bg1"/>
+          </a:solidFill>
+          <a:ln>
+            <a:noFill/>
+          </a:ln>
+        </p:spPr>
+        <p:style>
+          <a:lnRef idx="2">
+            <a:schemeClr val="accent1">
+              <a:shade val="50000"/>
+            </a:schemeClr>
+          </a:lnRef>
+          <a:fillRef idx="1">
+            <a:schemeClr val="accent1"/>
+          </a:fillRef>
+          <a:effectRef idx="0">
+            <a:schemeClr val="accent1"/>
+          </a:effectRef>
+          <a:fontRef idx="minor">
+            <a:schemeClr val="lt1"/>
+          </a:fontRef>
+        </p:style>
+        <p:txBody>
           <a:bodyPr lIns="295232" tIns="147616" rIns="295232" bIns="147616" rtlCol="0" anchor="t"/>
           <a:lstStyle/>
           <a:p>
             <a:r>
-              <a:rPr lang="ja-JP" altLang="en-US" sz="4000" dirty="0" smtClean="0">
-                <a:solidFill>
-                  <a:schemeClr val="tx1"/>
-                </a:solidFill>
-                <a:latin typeface="+mn-ea"/>
-              </a:rPr>
-              <a:t>饂飩プログラムによる人狼の推論方法</a:t>
-            </a:r>
-            <a:endParaRPr lang="en-US" altLang="ja-JP" sz="4000" dirty="0" smtClean="0">
-              <a:solidFill>
-                <a:schemeClr val="tx1"/>
-              </a:solidFill>
-              <a:latin typeface="+mn-ea"/>
-            </a:endParaRPr>
-          </a:p>
-          <a:p>
-            <a:pPr marL="742950" indent="-742950">
-              <a:buFont typeface="+mj-lt"/>
-              <a:buAutoNum type="arabicPeriod"/>
-            </a:pPr>
-            <a:r>
-              <a:rPr lang="ja-JP" altLang="en-US" sz="4000" dirty="0" smtClean="0">
-                <a:solidFill>
-                  <a:schemeClr val="tx1"/>
-                </a:solidFill>
-                <a:latin typeface="+mn-ea"/>
-              </a:rPr>
-              <a:t>確定情報の整理　</a:t>
-            </a:r>
-            <a:endParaRPr lang="en-US" altLang="ja-JP" sz="4000" dirty="0">
-              <a:solidFill>
-                <a:schemeClr val="tx1"/>
-              </a:solidFill>
-              <a:latin typeface="+mn-ea"/>
-            </a:endParaRPr>
-          </a:p>
-          <a:p>
-            <a:pPr marL="742950" indent="-742950">
-              <a:buFont typeface="+mj-lt"/>
-              <a:buAutoNum type="arabicPeriod"/>
-            </a:pPr>
-            <a:r>
-              <a:rPr lang="ja-JP" altLang="en-US" sz="4000" dirty="0" smtClean="0">
+              <a:rPr lang="ja-JP" altLang="en-US" sz="3600" dirty="0" smtClean="0">
+                <a:solidFill>
+                  <a:schemeClr val="tx1"/>
+                </a:solidFill>
+                <a:latin typeface="+mn-ea"/>
+              </a:rPr>
+              <a:t>　ゲーム戦略における研究で人工知能が用いられてきた。</a:t>
+            </a:r>
+            <a:r>
+              <a:rPr lang="ja-JP" altLang="en-US" sz="3600" dirty="0">
                 <a:solidFill>
                   <a:schemeClr val="tx1"/>
                 </a:solidFill>
@@ -4030,521 +5106,14 @@
               <a:t>人</a:t>
             </a:r>
             <a:r>
-              <a:rPr lang="ja-JP" altLang="en-US" sz="4000" dirty="0">
-                <a:solidFill>
-                  <a:schemeClr val="tx1"/>
-                </a:solidFill>
-                <a:latin typeface="+mn-ea"/>
-              </a:rPr>
-              <a:t>狼</a:t>
-            </a:r>
-            <a:r>
-              <a:rPr lang="ja-JP" altLang="en-US" sz="4000" dirty="0" smtClean="0">
-                <a:solidFill>
-                  <a:schemeClr val="tx1"/>
-                </a:solidFill>
-                <a:latin typeface="+mn-ea"/>
-              </a:rPr>
-              <a:t>の推理</a:t>
-            </a:r>
-            <a:endParaRPr lang="en-US" altLang="ja-JP" sz="4000" dirty="0" smtClean="0">
-              <a:solidFill>
-                <a:schemeClr val="tx1"/>
-              </a:solidFill>
-              <a:latin typeface="+mn-ea"/>
-            </a:endParaRPr>
-          </a:p>
-          <a:p>
-            <a:pPr marL="742950" indent="-742950">
-              <a:buFont typeface="+mj-lt"/>
-              <a:buAutoNum type="arabicPeriod"/>
-            </a:pPr>
-            <a:r>
-              <a:rPr lang="ja-JP" altLang="en-US" sz="4000" dirty="0" smtClean="0">
-                <a:solidFill>
-                  <a:schemeClr val="tx1"/>
-                </a:solidFill>
-                <a:latin typeface="+mn-ea"/>
-              </a:rPr>
-              <a:t>確定</a:t>
-            </a:r>
-            <a:r>
-              <a:rPr lang="ja-JP" altLang="en-US" sz="4000" dirty="0">
-                <a:solidFill>
-                  <a:schemeClr val="tx1"/>
-                </a:solidFill>
-                <a:latin typeface="+mn-ea"/>
-              </a:rPr>
-              <a:t>情報</a:t>
-            </a:r>
-            <a:r>
-              <a:rPr lang="ja-JP" altLang="en-US" sz="4000" dirty="0" smtClean="0">
-                <a:solidFill>
-                  <a:schemeClr val="tx1"/>
-                </a:solidFill>
-                <a:latin typeface="+mn-ea"/>
-              </a:rPr>
-              <a:t>と推理をもとに行動を選択</a:t>
-            </a:r>
-            <a:endParaRPr lang="en-US" altLang="ja-JP" sz="4000" dirty="0" smtClean="0">
-              <a:solidFill>
-                <a:schemeClr val="tx1"/>
-              </a:solidFill>
-              <a:latin typeface="+mn-ea"/>
-            </a:endParaRPr>
-          </a:p>
-          <a:p>
-            <a:endParaRPr lang="en-US" altLang="ja-JP" sz="4000" dirty="0" smtClean="0">
-              <a:solidFill>
-                <a:schemeClr val="tx1"/>
-              </a:solidFill>
-              <a:latin typeface="+mn-ea"/>
-            </a:endParaRPr>
-          </a:p>
-          <a:p>
-            <a:r>
-              <a:rPr lang="ja-JP" altLang="en-US" sz="4000" dirty="0">
-                <a:solidFill>
-                  <a:schemeClr val="tx1"/>
-                </a:solidFill>
-                <a:latin typeface="+mn-ea"/>
-              </a:rPr>
-              <a:t>パターン化</a:t>
-            </a:r>
-            <a:r>
-              <a:rPr lang="ja-JP" altLang="en-US" sz="4000" dirty="0" smtClean="0">
-                <a:solidFill>
-                  <a:schemeClr val="tx1"/>
-                </a:solidFill>
-                <a:latin typeface="+mn-ea"/>
-              </a:rPr>
-              <a:t>によ</a:t>
-            </a:r>
-            <a:r>
-              <a:rPr lang="ja-JP" altLang="en-US" sz="4000" dirty="0">
-                <a:solidFill>
-                  <a:schemeClr val="tx1"/>
-                </a:solidFill>
-                <a:latin typeface="+mn-ea"/>
-              </a:rPr>
-              <a:t>る</a:t>
-            </a:r>
-            <a:r>
-              <a:rPr lang="ja-JP" altLang="en-US" sz="4000" dirty="0" smtClean="0">
-                <a:solidFill>
-                  <a:schemeClr val="tx1"/>
-                </a:solidFill>
-                <a:latin typeface="+mn-ea"/>
-              </a:rPr>
-              <a:t>人狼の矛盾発見方法</a:t>
-            </a:r>
-            <a:endParaRPr lang="en-US" altLang="ja-JP" sz="4000" dirty="0" smtClean="0">
-              <a:solidFill>
-                <a:schemeClr val="tx1"/>
-              </a:solidFill>
-              <a:latin typeface="+mn-ea"/>
-            </a:endParaRPr>
-          </a:p>
-          <a:p>
-            <a:r>
-              <a:rPr lang="en-US" altLang="ja-JP" sz="4000" dirty="0" smtClean="0">
-                <a:solidFill>
-                  <a:schemeClr val="tx1"/>
-                </a:solidFill>
-                <a:latin typeface="+mn-ea"/>
-              </a:rPr>
-              <a:t>C</a:t>
-            </a:r>
-            <a:r>
-              <a:rPr lang="ja-JP" altLang="en-US" sz="4000" dirty="0" err="1" smtClean="0">
-                <a:solidFill>
-                  <a:schemeClr val="tx1"/>
-                </a:solidFill>
-                <a:latin typeface="+mn-ea"/>
-              </a:rPr>
-              <a:t>さん</a:t>
-            </a:r>
-            <a:r>
-              <a:rPr lang="en-US" altLang="ja-JP" sz="4000" dirty="0" smtClean="0">
-                <a:solidFill>
-                  <a:schemeClr val="tx1"/>
-                </a:solidFill>
-                <a:latin typeface="+mn-ea"/>
-              </a:rPr>
-              <a:t>D</a:t>
-            </a:r>
-            <a:r>
-              <a:rPr lang="ja-JP" altLang="en-US" sz="4000" dirty="0" err="1" smtClean="0">
-                <a:solidFill>
-                  <a:schemeClr val="tx1"/>
-                </a:solidFill>
-                <a:latin typeface="+mn-ea"/>
-              </a:rPr>
-              <a:t>さんは</a:t>
-            </a:r>
-            <a:r>
-              <a:rPr lang="ja-JP" altLang="en-US" sz="4000" dirty="0" smtClean="0">
-                <a:solidFill>
-                  <a:schemeClr val="tx1"/>
-                </a:solidFill>
-                <a:latin typeface="+mn-ea"/>
-              </a:rPr>
-              <a:t>処刑された。</a:t>
-            </a:r>
-            <a:endParaRPr lang="en-US" altLang="ja-JP" sz="4000" dirty="0">
-              <a:solidFill>
-                <a:schemeClr val="tx1"/>
-              </a:solidFill>
-              <a:latin typeface="+mn-ea"/>
-            </a:endParaRPr>
-          </a:p>
-          <a:p>
-            <a:r>
-              <a:rPr lang="ja-JP" altLang="en-US" sz="4000" dirty="0" smtClean="0">
-                <a:solidFill>
-                  <a:schemeClr val="tx1"/>
-                </a:solidFill>
-                <a:latin typeface="+mn-ea"/>
-              </a:rPr>
-              <a:t>占い師</a:t>
-            </a:r>
-            <a:r>
-              <a:rPr lang="en-US" altLang="ja-JP" sz="4000" dirty="0" smtClean="0">
-                <a:solidFill>
-                  <a:schemeClr val="tx1"/>
-                </a:solidFill>
-                <a:latin typeface="+mn-ea"/>
-              </a:rPr>
-              <a:t>A	C</a:t>
-            </a:r>
-            <a:r>
-              <a:rPr lang="ja-JP" altLang="en-US" sz="4000" dirty="0" err="1" smtClean="0">
-                <a:solidFill>
-                  <a:schemeClr val="tx1"/>
-                </a:solidFill>
-                <a:latin typeface="+mn-ea"/>
-              </a:rPr>
-              <a:t>さんは</a:t>
-            </a:r>
-            <a:r>
-              <a:rPr lang="ja-JP" altLang="en-US" sz="4000" dirty="0" smtClean="0">
-                <a:solidFill>
-                  <a:schemeClr val="tx1"/>
-                </a:solidFill>
-                <a:latin typeface="+mn-ea"/>
-              </a:rPr>
-              <a:t>人狼だった　</a:t>
-            </a:r>
-            <a:r>
-              <a:rPr lang="en-US" altLang="ja-JP" sz="4000" dirty="0" smtClean="0">
-                <a:solidFill>
-                  <a:schemeClr val="tx1"/>
-                </a:solidFill>
-                <a:latin typeface="+mn-ea"/>
-              </a:rPr>
-              <a:t>D</a:t>
-            </a:r>
-            <a:r>
-              <a:rPr lang="ja-JP" altLang="en-US" sz="4000" dirty="0" err="1" smtClean="0">
-                <a:solidFill>
-                  <a:schemeClr val="tx1"/>
-                </a:solidFill>
-                <a:latin typeface="+mn-ea"/>
-              </a:rPr>
-              <a:t>さんは</a:t>
-            </a:r>
-            <a:r>
-              <a:rPr lang="ja-JP" altLang="en-US" sz="4000" dirty="0" smtClean="0">
-                <a:solidFill>
-                  <a:schemeClr val="tx1"/>
-                </a:solidFill>
-                <a:latin typeface="+mn-ea"/>
-              </a:rPr>
-              <a:t>人間だった</a:t>
-            </a:r>
-            <a:endParaRPr lang="en-US" altLang="ja-JP" sz="4000" dirty="0" smtClean="0">
-              <a:solidFill>
-                <a:schemeClr val="tx1"/>
-              </a:solidFill>
-              <a:latin typeface="+mn-ea"/>
-            </a:endParaRPr>
-          </a:p>
-          <a:p>
-            <a:r>
-              <a:rPr lang="ja-JP" altLang="en-US" sz="4000" dirty="0">
-                <a:solidFill>
-                  <a:schemeClr val="tx1"/>
-                </a:solidFill>
-                <a:latin typeface="+mn-ea"/>
-              </a:rPr>
-              <a:t>占い</a:t>
-            </a:r>
-            <a:r>
-              <a:rPr lang="ja-JP" altLang="en-US" sz="4000" dirty="0" smtClean="0">
-                <a:solidFill>
-                  <a:schemeClr val="tx1"/>
-                </a:solidFill>
-                <a:latin typeface="+mn-ea"/>
-              </a:rPr>
-              <a:t>師</a:t>
-            </a:r>
-            <a:r>
-              <a:rPr lang="en-US" altLang="ja-JP" sz="4000" dirty="0" smtClean="0">
-                <a:solidFill>
-                  <a:schemeClr val="tx1"/>
-                </a:solidFill>
-                <a:latin typeface="+mn-ea"/>
-              </a:rPr>
-              <a:t>B	C</a:t>
-            </a:r>
-            <a:r>
-              <a:rPr lang="ja-JP" altLang="en-US" sz="4000" dirty="0" err="1" smtClean="0">
-                <a:solidFill>
-                  <a:schemeClr val="tx1"/>
-                </a:solidFill>
-                <a:latin typeface="+mn-ea"/>
-              </a:rPr>
-              <a:t>さんは</a:t>
-            </a:r>
-            <a:r>
-              <a:rPr lang="ja-JP" altLang="en-US" sz="4000" dirty="0" smtClean="0">
-                <a:solidFill>
-                  <a:schemeClr val="tx1"/>
-                </a:solidFill>
-                <a:latin typeface="+mn-ea"/>
-              </a:rPr>
-              <a:t>人間だった</a:t>
-            </a:r>
-            <a:r>
-              <a:rPr lang="ja-JP" altLang="en-US" sz="4000" dirty="0">
-                <a:solidFill>
-                  <a:schemeClr val="tx1"/>
-                </a:solidFill>
-                <a:latin typeface="+mn-ea"/>
-              </a:rPr>
-              <a:t>　</a:t>
-            </a:r>
-            <a:r>
-              <a:rPr lang="en-US" altLang="ja-JP" sz="4000" dirty="0" smtClean="0">
-                <a:solidFill>
-                  <a:schemeClr val="tx1"/>
-                </a:solidFill>
-                <a:latin typeface="+mn-ea"/>
-              </a:rPr>
-              <a:t>D</a:t>
-            </a:r>
-            <a:r>
-              <a:rPr lang="ja-JP" altLang="en-US" sz="4000" dirty="0" err="1" smtClean="0">
-                <a:solidFill>
-                  <a:schemeClr val="tx1"/>
-                </a:solidFill>
-                <a:latin typeface="+mn-ea"/>
-              </a:rPr>
-              <a:t>さんは</a:t>
-            </a:r>
-            <a:r>
-              <a:rPr lang="ja-JP" altLang="en-US" sz="4000" dirty="0" smtClean="0">
-                <a:solidFill>
-                  <a:schemeClr val="tx1"/>
-                </a:solidFill>
-                <a:latin typeface="+mn-ea"/>
-              </a:rPr>
-              <a:t>人狼だった</a:t>
-            </a:r>
-            <a:endParaRPr lang="en-US" altLang="ja-JP" sz="4000" dirty="0" smtClean="0">
-              <a:solidFill>
-                <a:schemeClr val="tx1"/>
-              </a:solidFill>
-              <a:latin typeface="+mn-ea"/>
-            </a:endParaRPr>
-          </a:p>
-          <a:p>
-            <a:r>
-              <a:rPr lang="ja-JP" altLang="en-US" sz="4000" dirty="0" smtClean="0">
-                <a:solidFill>
-                  <a:schemeClr val="tx1"/>
-                </a:solidFill>
-                <a:latin typeface="+mn-ea"/>
-              </a:rPr>
-              <a:t>霊媒師</a:t>
-            </a:r>
-            <a:r>
-              <a:rPr lang="en-US" altLang="ja-JP" sz="4000" dirty="0" smtClean="0">
-                <a:solidFill>
-                  <a:schemeClr val="tx1"/>
-                </a:solidFill>
-                <a:latin typeface="+mn-ea"/>
-              </a:rPr>
-              <a:t>E	C</a:t>
-            </a:r>
-            <a:r>
-              <a:rPr lang="ja-JP" altLang="en-US" sz="4000" dirty="0" err="1" smtClean="0">
-                <a:solidFill>
-                  <a:schemeClr val="tx1"/>
-                </a:solidFill>
-                <a:latin typeface="+mn-ea"/>
-              </a:rPr>
-              <a:t>さんは</a:t>
-            </a:r>
-            <a:r>
-              <a:rPr lang="ja-JP" altLang="en-US" sz="4000" dirty="0" smtClean="0">
-                <a:solidFill>
-                  <a:schemeClr val="tx1"/>
-                </a:solidFill>
-                <a:latin typeface="+mn-ea"/>
-              </a:rPr>
-              <a:t>人狼だった</a:t>
-            </a:r>
-            <a:r>
-              <a:rPr lang="ja-JP" altLang="en-US" sz="4000" dirty="0">
-                <a:solidFill>
-                  <a:schemeClr val="tx1"/>
-                </a:solidFill>
-                <a:latin typeface="+mn-ea"/>
-              </a:rPr>
-              <a:t>　</a:t>
-            </a:r>
-            <a:r>
-              <a:rPr lang="en-US" altLang="ja-JP" sz="4000" dirty="0" smtClean="0">
-                <a:solidFill>
-                  <a:schemeClr val="tx1"/>
-                </a:solidFill>
-                <a:latin typeface="+mn-ea"/>
-              </a:rPr>
-              <a:t>D</a:t>
-            </a:r>
-            <a:r>
-              <a:rPr lang="ja-JP" altLang="en-US" sz="4000" dirty="0" err="1" smtClean="0">
-                <a:solidFill>
-                  <a:schemeClr val="tx1"/>
-                </a:solidFill>
-                <a:latin typeface="+mn-ea"/>
-              </a:rPr>
-              <a:t>さんは</a:t>
-            </a:r>
-            <a:r>
-              <a:rPr lang="ja-JP" altLang="en-US" sz="4000" dirty="0" smtClean="0">
-                <a:solidFill>
-                  <a:schemeClr val="tx1"/>
-                </a:solidFill>
-                <a:latin typeface="+mn-ea"/>
-              </a:rPr>
-              <a:t>人間だった</a:t>
-            </a:r>
-            <a:endParaRPr lang="en-US" altLang="ja-JP" sz="4000" dirty="0" smtClean="0">
-              <a:solidFill>
-                <a:schemeClr val="tx1"/>
-              </a:solidFill>
-              <a:latin typeface="+mn-ea"/>
-            </a:endParaRPr>
-          </a:p>
-          <a:p>
-            <a:r>
-              <a:rPr lang="ja-JP" altLang="en-US" sz="4000" dirty="0" smtClean="0">
-                <a:solidFill>
-                  <a:schemeClr val="tx1"/>
-                </a:solidFill>
-                <a:latin typeface="+mn-ea"/>
-              </a:rPr>
-              <a:t>霊媒師</a:t>
-            </a:r>
-            <a:r>
-              <a:rPr lang="en-US" altLang="ja-JP" sz="4000" dirty="0">
-                <a:solidFill>
-                  <a:schemeClr val="tx1"/>
-                </a:solidFill>
-                <a:latin typeface="+mn-ea"/>
-              </a:rPr>
-              <a:t>F</a:t>
-            </a:r>
-            <a:r>
-              <a:rPr lang="en-US" altLang="ja-JP" sz="4000" dirty="0" smtClean="0">
-                <a:solidFill>
-                  <a:schemeClr val="tx1"/>
-                </a:solidFill>
-                <a:latin typeface="+mn-ea"/>
-              </a:rPr>
-              <a:t>	C</a:t>
-            </a:r>
-            <a:r>
-              <a:rPr lang="ja-JP" altLang="en-US" sz="4000" dirty="0" err="1" smtClean="0">
-                <a:solidFill>
-                  <a:schemeClr val="tx1"/>
-                </a:solidFill>
-                <a:latin typeface="+mn-ea"/>
-              </a:rPr>
-              <a:t>さん</a:t>
-            </a:r>
-            <a:r>
-              <a:rPr lang="en-US" altLang="ja-JP" sz="4000" dirty="0" smtClean="0">
-                <a:solidFill>
-                  <a:schemeClr val="tx1"/>
-                </a:solidFill>
-                <a:latin typeface="+mn-ea"/>
-              </a:rPr>
-              <a:t>D</a:t>
-            </a:r>
-            <a:r>
-              <a:rPr lang="ja-JP" altLang="en-US" sz="4000" dirty="0" err="1" smtClean="0">
-                <a:solidFill>
-                  <a:schemeClr val="tx1"/>
-                </a:solidFill>
-                <a:latin typeface="+mn-ea"/>
-              </a:rPr>
-              <a:t>さん</a:t>
-            </a:r>
-            <a:r>
-              <a:rPr lang="ja-JP" altLang="en-US" sz="4000" dirty="0" smtClean="0">
-                <a:solidFill>
-                  <a:schemeClr val="tx1"/>
-                </a:solidFill>
-                <a:latin typeface="+mn-ea"/>
-              </a:rPr>
-              <a:t>両方人間だった</a:t>
-            </a:r>
-            <a:endParaRPr lang="en-US" altLang="ja-JP" sz="4000" dirty="0" smtClean="0">
-              <a:solidFill>
-                <a:schemeClr val="tx1"/>
-              </a:solidFill>
-              <a:latin typeface="+mn-ea"/>
-            </a:endParaRPr>
-          </a:p>
-          <a:p>
-            <a:r>
-              <a:rPr lang="ja-JP" altLang="en-US" sz="4000" dirty="0" smtClean="0">
-                <a:solidFill>
-                  <a:schemeClr val="tx1"/>
-                </a:solidFill>
-                <a:latin typeface="+mn-ea"/>
-              </a:rPr>
-              <a:t>と答えた。この中に人狼が最大</a:t>
-            </a:r>
-            <a:r>
-              <a:rPr lang="en-US" altLang="ja-JP" sz="4000" dirty="0" smtClean="0">
-                <a:solidFill>
-                  <a:schemeClr val="tx1"/>
-                </a:solidFill>
-                <a:latin typeface="+mn-ea"/>
-              </a:rPr>
-              <a:t>3</a:t>
-            </a:r>
-            <a:r>
-              <a:rPr lang="ja-JP" altLang="en-US" sz="4000" dirty="0" smtClean="0">
-                <a:solidFill>
-                  <a:schemeClr val="tx1"/>
-                </a:solidFill>
-                <a:latin typeface="+mn-ea"/>
-              </a:rPr>
-              <a:t>人潜んでいる。</a:t>
-            </a:r>
-            <a:endParaRPr lang="en-US" altLang="ja-JP" sz="4000" dirty="0" smtClean="0">
-              <a:solidFill>
-                <a:schemeClr val="tx1"/>
-              </a:solidFill>
-              <a:latin typeface="+mn-ea"/>
-            </a:endParaRPr>
-          </a:p>
-          <a:p>
+              <a:rPr lang="ja-JP" altLang="en-US" sz="3600" dirty="0" smtClean="0">
+                <a:solidFill>
+                  <a:schemeClr val="tx1"/>
+                </a:solidFill>
+                <a:latin typeface="+mn-ea"/>
+              </a:rPr>
+              <a:t>狼ゲームは不完全情報ゲーム型コミュニケーションゲームである。そのため従来の完全情報ゲームでは扱われていなかった多数の問題が存在する。</a:t>
+            </a:r>
             <a:endParaRPr lang="en-US" altLang="ja-JP" sz="3600" dirty="0" smtClean="0">
               <a:solidFill>
                 <a:schemeClr val="tx1"/>
@@ -4556,22 +5125,89 @@
       </p:sp>
       <p:sp>
         <p:nvSpPr>
-          <p:cNvPr id="29" name="ホームベース 28"/>
+          <p:cNvPr id="72" name="正方形/長方形 71"/>
           <p:cNvSpPr/>
           <p:nvPr/>
         </p:nvSpPr>
         <p:spPr>
           <a:xfrm>
-            <a:off x="544445" y="17486555"/>
-            <a:ext cx="3551632" cy="899683"/>
+            <a:off x="426503" y="15341837"/>
+            <a:ext cx="8694016" cy="2776259"/>
           </a:xfrm>
-          <a:prstGeom prst="homePlate">
+          <a:prstGeom prst="rect">
             <a:avLst/>
           </a:prstGeom>
           <a:solidFill>
-            <a:schemeClr val="accent5">
-              <a:lumMod val="60000"/>
-              <a:lumOff val="40000"/>
+            <a:schemeClr val="bg1"/>
+          </a:solidFill>
+          <a:ln>
+            <a:noFill/>
+          </a:ln>
+        </p:spPr>
+        <p:style>
+          <a:lnRef idx="2">
+            <a:schemeClr val="accent1">
+              <a:shade val="50000"/>
+            </a:schemeClr>
+          </a:lnRef>
+          <a:fillRef idx="1">
+            <a:schemeClr val="accent1"/>
+          </a:fillRef>
+          <a:effectRef idx="0">
+            <a:schemeClr val="accent1"/>
+          </a:effectRef>
+          <a:fontRef idx="minor">
+            <a:schemeClr val="lt1"/>
+          </a:fontRef>
+        </p:style>
+        <p:txBody>
+          <a:bodyPr lIns="295232" tIns="147616" rIns="295232" bIns="147616" rtlCol="0" anchor="t"/>
+          <a:lstStyle/>
+          <a:p>
+            <a:r>
+              <a:rPr lang="ja-JP" altLang="en-US" sz="3600" smtClean="0">
+                <a:solidFill>
+                  <a:schemeClr val="tx1"/>
+                </a:solidFill>
+                <a:latin typeface="+mn-ea"/>
+              </a:rPr>
+              <a:t>　完全</a:t>
+            </a:r>
+            <a:r>
+              <a:rPr lang="ja-JP" altLang="en-US" sz="3600" dirty="0" smtClean="0">
+                <a:solidFill>
+                  <a:schemeClr val="tx1"/>
+                </a:solidFill>
+                <a:latin typeface="+mn-ea"/>
+              </a:rPr>
+              <a:t>情報ゲームでは扱われていなかった多数の問題を解決する。</a:t>
+            </a:r>
+            <a:endParaRPr lang="en-US" altLang="ja-JP" sz="3600" dirty="0" smtClean="0">
+              <a:solidFill>
+                <a:schemeClr val="tx1"/>
+              </a:solidFill>
+              <a:latin typeface="+mn-ea"/>
+            </a:endParaRPr>
+          </a:p>
+        </p:txBody>
+      </p:sp>
+      <p:sp>
+        <p:nvSpPr>
+          <p:cNvPr id="5" name="正方形/長方形 4"/>
+          <p:cNvSpPr/>
+          <p:nvPr/>
+        </p:nvSpPr>
+        <p:spPr>
+          <a:xfrm>
+            <a:off x="166702" y="171068"/>
+            <a:ext cx="20823197" cy="4120856"/>
+          </a:xfrm>
+          <a:prstGeom prst="rect">
+            <a:avLst/>
+          </a:prstGeom>
+          <a:solidFill>
+            <a:schemeClr val="accent1">
+              <a:lumMod val="75000"/>
             </a:schemeClr>
           </a:solidFill>
           <a:ln>
@@ -4595,224 +5231,351 @@
           </a:fontRef>
         </p:style>
         <p:txBody>
-          <a:bodyPr lIns="295232" tIns="147616" rIns="295232" bIns="147616" rtlCol="0" anchor="ctr"/>
-          <a:lstStyle/>
-          <a:p>
-            <a:pPr algn="ctr"/>
-            <a:r>
-              <a:rPr lang="ja-JP" altLang="en-US" sz="4400" dirty="0" smtClean="0">
-                <a:solidFill>
-                  <a:schemeClr val="tx1"/>
-                </a:solidFill>
-              </a:rPr>
-              <a:t>進捗状況</a:t>
-            </a:r>
-            <a:endParaRPr lang="ja-JP" altLang="en-US" sz="4400" dirty="0">
-              <a:solidFill>
-                <a:schemeClr val="tx1"/>
-              </a:solidFill>
+          <a:bodyPr rtlCol="0" anchor="ctr"/>
+          <a:lstStyle/>
+          <a:p>
+            <a:r>
+              <a:rPr lang="ja-JP" altLang="en-US" sz="7200" b="1" dirty="0" smtClean="0">
+                <a:latin typeface="+mn-ea"/>
+              </a:rPr>
+              <a:t>不完全情報ゲーム人狼のための</a:t>
+            </a:r>
+            <a:endParaRPr lang="en-US" altLang="ja-JP" sz="7200" b="1" dirty="0" smtClean="0">
+              <a:latin typeface="+mn-ea"/>
             </a:endParaRPr>
           </a:p>
-        </p:txBody>
-      </p:sp>
-      <p:sp>
-        <p:nvSpPr>
-          <p:cNvPr id="30" name="ホームベース 29"/>
-          <p:cNvSpPr/>
+          <a:p>
+            <a:r>
+              <a:rPr kumimoji="1" lang="ja-JP" altLang="en-US" sz="7200" b="1" dirty="0" smtClean="0">
+                <a:latin typeface="+mn-ea"/>
+              </a:rPr>
+              <a:t>人工エージェントと実行環境の構築</a:t>
+            </a:r>
+            <a:endParaRPr kumimoji="1" lang="en-US" altLang="ja-JP" sz="7200" b="1" dirty="0" smtClean="0">
+              <a:latin typeface="+mn-ea"/>
+            </a:endParaRPr>
+          </a:p>
+          <a:p>
+            <a:r>
+              <a:rPr lang="en-US" altLang="ja-JP" sz="4800" b="1" dirty="0" smtClean="0">
+                <a:latin typeface="+mn-ea"/>
+              </a:rPr>
+              <a:t>PM</a:t>
+            </a:r>
+            <a:r>
+              <a:rPr lang="ja-JP" altLang="en-US" sz="4800" b="1" dirty="0" smtClean="0">
+                <a:latin typeface="+mn-ea"/>
+              </a:rPr>
+              <a:t>コース　矢吹研究室　</a:t>
+            </a:r>
+            <a:r>
+              <a:rPr lang="en-US" altLang="ja-JP" sz="4800" b="1" dirty="0" smtClean="0">
+                <a:latin typeface="+mn-ea"/>
+              </a:rPr>
+              <a:t>1342097</a:t>
+            </a:r>
+            <a:r>
+              <a:rPr lang="ja-JP" altLang="en-US" sz="4800" b="1" dirty="0">
+                <a:latin typeface="+mn-ea"/>
+              </a:rPr>
+              <a:t>　</a:t>
+            </a:r>
+            <a:r>
+              <a:rPr lang="ja-JP" altLang="en-US" sz="4800" b="1" dirty="0" smtClean="0">
+                <a:latin typeface="+mn-ea"/>
+              </a:rPr>
+              <a:t>浜野太豪</a:t>
+            </a:r>
+            <a:endParaRPr kumimoji="1" lang="ja-JP" altLang="en-US" sz="4800" b="1" dirty="0">
+              <a:latin typeface="+mn-ea"/>
+            </a:endParaRPr>
+          </a:p>
+        </p:txBody>
+      </p:sp>
+      <p:sp>
+        <p:nvSpPr>
+          <p:cNvPr id="6" name="テキスト ボックス 5"/>
+          <p:cNvSpPr txBox="1"/>
           <p:nvPr/>
         </p:nvSpPr>
         <p:spPr>
           <a:xfrm>
-            <a:off x="544445" y="3487511"/>
-            <a:ext cx="2567306" cy="817737"/>
-          </a:xfrm>
-          <a:prstGeom prst="homePlate">
-            <a:avLst/>
-          </a:prstGeom>
-          <a:solidFill>
-            <a:schemeClr val="accent5">
-              <a:lumMod val="60000"/>
-              <a:lumOff val="40000"/>
-            </a:schemeClr>
-          </a:solidFill>
-          <a:ln>
-            <a:noFill/>
-          </a:ln>
-        </p:spPr>
-        <p:style>
-          <a:lnRef idx="2">
-            <a:schemeClr val="accent1">
-              <a:shade val="50000"/>
-            </a:schemeClr>
-          </a:lnRef>
-          <a:fillRef idx="1">
-            <a:schemeClr val="accent1"/>
-          </a:fillRef>
-          <a:effectRef idx="0">
-            <a:schemeClr val="accent1"/>
-          </a:effectRef>
-          <a:fontRef idx="minor">
-            <a:schemeClr val="lt1"/>
-          </a:fontRef>
-        </p:style>
-        <p:txBody>
-          <a:bodyPr lIns="295232" tIns="147616" rIns="295232" bIns="147616" rtlCol="0" anchor="ctr"/>
-          <a:lstStyle/>
-          <a:p>
-            <a:pPr algn="ctr"/>
-            <a:r>
-              <a:rPr lang="ja-JP" altLang="en-US" sz="4400" dirty="0">
-                <a:solidFill>
-                  <a:schemeClr val="tx1"/>
-                </a:solidFill>
-              </a:rPr>
-              <a:t>背景</a:t>
-            </a:r>
-          </a:p>
-        </p:txBody>
-      </p:sp>
-      <p:sp>
-        <p:nvSpPr>
-          <p:cNvPr id="32" name="ホームベース 31"/>
-          <p:cNvSpPr/>
-          <p:nvPr/>
-        </p:nvSpPr>
-        <p:spPr>
-          <a:xfrm>
-            <a:off x="544445" y="12600667"/>
-            <a:ext cx="2739307" cy="687221"/>
-          </a:xfrm>
-          <a:prstGeom prst="homePlate">
-            <a:avLst/>
-          </a:prstGeom>
-          <a:solidFill>
-            <a:schemeClr val="accent5">
-              <a:lumMod val="60000"/>
-              <a:lumOff val="40000"/>
-            </a:schemeClr>
-          </a:solidFill>
-          <a:ln>
-            <a:noFill/>
-          </a:ln>
-        </p:spPr>
-        <p:style>
-          <a:lnRef idx="2">
-            <a:schemeClr val="accent1">
-              <a:shade val="50000"/>
-            </a:schemeClr>
-          </a:lnRef>
-          <a:fillRef idx="1">
-            <a:schemeClr val="accent1"/>
-          </a:fillRef>
-          <a:effectRef idx="0">
-            <a:schemeClr val="accent1"/>
-          </a:effectRef>
-          <a:fontRef idx="minor">
-            <a:schemeClr val="lt1"/>
-          </a:fontRef>
-        </p:style>
-        <p:txBody>
-          <a:bodyPr lIns="295232" tIns="147616" rIns="295232" bIns="147616" rtlCol="0" anchor="ctr"/>
-          <a:lstStyle/>
-          <a:p>
-            <a:pPr algn="ctr"/>
-            <a:r>
-              <a:rPr lang="ja-JP" altLang="en-US" sz="4400" dirty="0" smtClean="0">
-                <a:solidFill>
-                  <a:schemeClr val="tx1"/>
-                </a:solidFill>
-              </a:rPr>
-              <a:t>目的</a:t>
-            </a:r>
-            <a:endParaRPr lang="ja-JP" altLang="en-US" sz="4400" dirty="0">
-              <a:solidFill>
-                <a:schemeClr val="tx1"/>
-              </a:solidFill>
-            </a:endParaRPr>
-          </a:p>
-        </p:txBody>
-      </p:sp>
-      <p:sp>
-        <p:nvSpPr>
-          <p:cNvPr id="43" name="ホームベース 42"/>
-          <p:cNvSpPr/>
-          <p:nvPr/>
-        </p:nvSpPr>
-        <p:spPr>
-          <a:xfrm>
-            <a:off x="10006353" y="12600667"/>
-            <a:ext cx="3783392" cy="684362"/>
-          </a:xfrm>
-          <a:prstGeom prst="homePlate">
-            <a:avLst/>
-          </a:prstGeom>
-          <a:solidFill>
-            <a:schemeClr val="accent5">
-              <a:lumMod val="60000"/>
-              <a:lumOff val="40000"/>
-            </a:schemeClr>
-          </a:solidFill>
-          <a:ln>
-            <a:noFill/>
-          </a:ln>
-        </p:spPr>
-        <p:style>
-          <a:lnRef idx="2">
-            <a:schemeClr val="accent1">
-              <a:shade val="50000"/>
-            </a:schemeClr>
-          </a:lnRef>
-          <a:fillRef idx="1">
-            <a:schemeClr val="accent1"/>
-          </a:fillRef>
-          <a:effectRef idx="0">
-            <a:schemeClr val="accent1"/>
-          </a:effectRef>
-          <a:fontRef idx="minor">
-            <a:schemeClr val="lt1"/>
-          </a:fontRef>
-        </p:style>
-        <p:txBody>
-          <a:bodyPr lIns="295232" tIns="147616" rIns="295232" bIns="147616" rtlCol="0" anchor="ctr"/>
-          <a:lstStyle/>
-          <a:p>
-            <a:pPr algn="ctr"/>
-            <a:r>
-              <a:rPr lang="ja-JP" altLang="en-US" sz="4400" dirty="0" smtClean="0">
-                <a:solidFill>
-                  <a:schemeClr val="tx1"/>
-                </a:solidFill>
-              </a:rPr>
-              <a:t>研究方法</a:t>
-            </a:r>
-            <a:endParaRPr lang="ja-JP" altLang="en-US" sz="4400" dirty="0">
-              <a:solidFill>
-                <a:schemeClr val="tx1"/>
-              </a:solidFill>
-            </a:endParaRPr>
-          </a:p>
-        </p:txBody>
-      </p:sp>
-      <p:sp>
-        <p:nvSpPr>
-          <p:cNvPr id="44" name="正方形/長方形 43"/>
-          <p:cNvSpPr/>
-          <p:nvPr/>
-        </p:nvSpPr>
-        <p:spPr>
-          <a:xfrm>
-            <a:off x="10006352" y="13510518"/>
-            <a:ext cx="10392328" cy="2489364"/>
+            <a:off x="683560" y="4515882"/>
+            <a:ext cx="2664296" cy="923330"/>
           </a:xfrm>
           <a:prstGeom prst="rect">
             <a:avLst/>
           </a:prstGeom>
-          <a:solidFill>
-            <a:schemeClr val="bg1"/>
-          </a:solidFill>
-          <a:ln>
+          <a:noFill/>
+        </p:spPr>
+        <p:txBody>
+          <a:bodyPr wrap="square" rtlCol="0">
+            <a:spAutoFit/>
+          </a:bodyPr>
+          <a:lstStyle/>
+          <a:p>
+            <a:r>
+              <a:rPr kumimoji="1" lang="ja-JP" altLang="en-US" sz="5400" b="1" dirty="0" smtClean="0">
+                <a:solidFill>
+                  <a:schemeClr val="accent1">
+                    <a:lumMod val="50000"/>
+                  </a:schemeClr>
+                </a:solidFill>
+                <a:latin typeface="+mj-ea"/>
+                <a:ea typeface="+mj-ea"/>
+              </a:rPr>
+              <a:t>背景</a:t>
+            </a:r>
+            <a:endParaRPr kumimoji="1" lang="ja-JP" altLang="en-US" sz="5400" b="1" dirty="0">
+              <a:solidFill>
+                <a:schemeClr val="accent1">
+                  <a:lumMod val="50000"/>
+                </a:schemeClr>
+              </a:solidFill>
+              <a:latin typeface="+mj-ea"/>
+              <a:ea typeface="+mj-ea"/>
+            </a:endParaRPr>
+          </a:p>
+        </p:txBody>
+      </p:sp>
+      <p:sp>
+        <p:nvSpPr>
+          <p:cNvPr id="7" name="テキスト ボックス 6"/>
+          <p:cNvSpPr txBox="1"/>
+          <p:nvPr/>
+        </p:nvSpPr>
+        <p:spPr>
+          <a:xfrm>
+            <a:off x="683560" y="14228939"/>
+            <a:ext cx="2304256" cy="1846659"/>
+          </a:xfrm>
+          <a:prstGeom prst="rect">
+            <a:avLst/>
+          </a:prstGeom>
+          <a:noFill/>
+        </p:spPr>
+        <p:txBody>
+          <a:bodyPr wrap="square" rtlCol="0">
+            <a:spAutoFit/>
+          </a:bodyPr>
+          <a:lstStyle/>
+          <a:p>
+            <a:r>
+              <a:rPr kumimoji="1" lang="ja-JP" altLang="en-US" sz="5400" b="1" dirty="0" smtClean="0">
+                <a:solidFill>
+                  <a:schemeClr val="accent1">
+                    <a:lumMod val="50000"/>
+                  </a:schemeClr>
+                </a:solidFill>
+                <a:latin typeface="+mj-ea"/>
+                <a:ea typeface="+mj-ea"/>
+              </a:rPr>
+              <a:t>目的</a:t>
+            </a:r>
+            <a:endParaRPr kumimoji="1" lang="en-US" altLang="ja-JP" sz="5400" b="1" dirty="0" smtClean="0">
+              <a:solidFill>
+                <a:schemeClr val="accent1">
+                  <a:lumMod val="50000"/>
+                </a:schemeClr>
+              </a:solidFill>
+              <a:latin typeface="+mj-ea"/>
+              <a:ea typeface="+mj-ea"/>
+            </a:endParaRPr>
+          </a:p>
+          <a:p>
+            <a:r>
+              <a:rPr kumimoji="1" lang="ja-JP" altLang="en-US" sz="6000" b="1" dirty="0" smtClean="0">
+                <a:solidFill>
+                  <a:schemeClr val="accent1">
+                    <a:lumMod val="50000"/>
+                  </a:schemeClr>
+                </a:solidFill>
+                <a:latin typeface="+mj-ea"/>
+                <a:ea typeface="+mj-ea"/>
+              </a:rPr>
+              <a:t>　</a:t>
+            </a:r>
+            <a:endParaRPr kumimoji="1" lang="ja-JP" altLang="en-US" sz="6000" b="1" dirty="0">
+              <a:solidFill>
+                <a:schemeClr val="accent1">
+                  <a:lumMod val="50000"/>
+                </a:schemeClr>
+              </a:solidFill>
+              <a:latin typeface="+mj-ea"/>
+              <a:ea typeface="+mj-ea"/>
+            </a:endParaRPr>
+          </a:p>
+        </p:txBody>
+      </p:sp>
+      <p:sp>
+        <p:nvSpPr>
+          <p:cNvPr id="8" name="テキスト ボックス 7"/>
+          <p:cNvSpPr txBox="1"/>
+          <p:nvPr/>
+        </p:nvSpPr>
+        <p:spPr>
+          <a:xfrm>
+            <a:off x="10035590" y="14228938"/>
+            <a:ext cx="3394113" cy="1846659"/>
+          </a:xfrm>
+          <a:prstGeom prst="rect">
+            <a:avLst/>
+          </a:prstGeom>
+          <a:noFill/>
+        </p:spPr>
+        <p:txBody>
+          <a:bodyPr wrap="square" rtlCol="0">
+            <a:spAutoFit/>
+          </a:bodyPr>
+          <a:lstStyle/>
+          <a:p>
+            <a:r>
+              <a:rPr kumimoji="1" lang="ja-JP" altLang="en-US" sz="5400" b="1" dirty="0" smtClean="0">
+                <a:solidFill>
+                  <a:schemeClr val="accent1">
+                    <a:lumMod val="50000"/>
+                  </a:schemeClr>
+                </a:solidFill>
+                <a:latin typeface="+mj-ea"/>
+                <a:ea typeface="+mj-ea"/>
+              </a:rPr>
+              <a:t>研究方法</a:t>
+            </a:r>
+            <a:endParaRPr kumimoji="1" lang="en-US" altLang="ja-JP" sz="5400" b="1" dirty="0" smtClean="0">
+              <a:solidFill>
+                <a:schemeClr val="accent1">
+                  <a:lumMod val="50000"/>
+                </a:schemeClr>
+              </a:solidFill>
+              <a:latin typeface="+mj-ea"/>
+              <a:ea typeface="+mj-ea"/>
+            </a:endParaRPr>
+          </a:p>
+          <a:p>
+            <a:endParaRPr kumimoji="1" lang="ja-JP" altLang="en-US" sz="6000" b="1" dirty="0">
+              <a:solidFill>
+                <a:schemeClr val="accent1">
+                  <a:lumMod val="50000"/>
+                </a:schemeClr>
+              </a:solidFill>
+              <a:latin typeface="+mj-ea"/>
+              <a:ea typeface="+mj-ea"/>
+            </a:endParaRPr>
+          </a:p>
+        </p:txBody>
+      </p:sp>
+      <p:sp>
+        <p:nvSpPr>
+          <p:cNvPr id="9" name="テキスト ボックス 8"/>
+          <p:cNvSpPr txBox="1"/>
+          <p:nvPr/>
+        </p:nvSpPr>
+        <p:spPr>
+          <a:xfrm>
+            <a:off x="733119" y="18315191"/>
+            <a:ext cx="4866193" cy="923330"/>
+          </a:xfrm>
+          <a:prstGeom prst="rect">
+            <a:avLst/>
+          </a:prstGeom>
+          <a:noFill/>
+        </p:spPr>
+        <p:txBody>
+          <a:bodyPr wrap="square" rtlCol="0">
+            <a:spAutoFit/>
+          </a:bodyPr>
+          <a:lstStyle/>
+          <a:p>
+            <a:r>
+              <a:rPr kumimoji="1" lang="ja-JP" altLang="en-US" sz="5400" b="1" dirty="0" smtClean="0">
+                <a:solidFill>
+                  <a:schemeClr val="accent1">
+                    <a:lumMod val="50000"/>
+                  </a:schemeClr>
+                </a:solidFill>
+                <a:latin typeface="+mj-ea"/>
+                <a:ea typeface="+mj-ea"/>
+              </a:rPr>
+              <a:t>進捗状況</a:t>
+            </a:r>
+            <a:endParaRPr kumimoji="1" lang="ja-JP" altLang="en-US" sz="5400" b="1" dirty="0">
+              <a:solidFill>
+                <a:schemeClr val="accent1">
+                  <a:lumMod val="50000"/>
+                </a:schemeClr>
+              </a:solidFill>
+              <a:latin typeface="+mj-ea"/>
+              <a:ea typeface="+mj-ea"/>
+            </a:endParaRPr>
+          </a:p>
+        </p:txBody>
+      </p:sp>
+      <p:sp>
+        <p:nvSpPr>
+          <p:cNvPr id="10" name="テキスト ボックス 9"/>
+          <p:cNvSpPr txBox="1"/>
+          <p:nvPr/>
+        </p:nvSpPr>
+        <p:spPr>
+          <a:xfrm>
+            <a:off x="603164" y="27427945"/>
+            <a:ext cx="4178040" cy="923330"/>
+          </a:xfrm>
+          <a:prstGeom prst="rect">
+            <a:avLst/>
+          </a:prstGeom>
+          <a:noFill/>
+        </p:spPr>
+        <p:txBody>
+          <a:bodyPr wrap="square" rtlCol="0">
+            <a:spAutoFit/>
+          </a:bodyPr>
+          <a:lstStyle/>
+          <a:p>
+            <a:r>
+              <a:rPr kumimoji="1" lang="ja-JP" altLang="en-US" sz="5400" b="1" dirty="0" smtClean="0">
+                <a:solidFill>
+                  <a:schemeClr val="accent1">
+                    <a:lumMod val="50000"/>
+                  </a:schemeClr>
+                </a:solidFill>
+                <a:latin typeface="+mj-ea"/>
+                <a:ea typeface="+mj-ea"/>
+              </a:rPr>
+              <a:t>今後の計画</a:t>
+            </a:r>
+            <a:endParaRPr kumimoji="1" lang="ja-JP" altLang="en-US" sz="5400" b="1" dirty="0">
+              <a:solidFill>
+                <a:schemeClr val="accent1">
+                  <a:lumMod val="50000"/>
+                </a:schemeClr>
+              </a:solidFill>
+              <a:latin typeface="+mj-ea"/>
+              <a:ea typeface="+mj-ea"/>
+            </a:endParaRPr>
+          </a:p>
+        </p:txBody>
+      </p:sp>
+      <p:sp>
+        <p:nvSpPr>
+          <p:cNvPr id="50" name="正方形/長方形 49"/>
+          <p:cNvSpPr/>
+          <p:nvPr/>
+        </p:nvSpPr>
+        <p:spPr>
+          <a:xfrm>
+            <a:off x="166703" y="13994537"/>
+            <a:ext cx="9213617" cy="3971147"/>
+          </a:xfrm>
+          <a:prstGeom prst="rect">
+            <a:avLst/>
+          </a:prstGeom>
+          <a:noFill/>
+          <a:ln w="38100">
             <a:solidFill>
-              <a:schemeClr val="accent1"/>
+              <a:schemeClr val="bg1">
+                <a:lumMod val="50000"/>
+              </a:schemeClr>
             </a:solidFill>
           </a:ln>
         </p:spPr>
@@ -4833,227 +5596,34 @@
           </a:fontRef>
         </p:style>
         <p:txBody>
-          <a:bodyPr lIns="295232" tIns="147616" rIns="295232" bIns="147616" rtlCol="0" anchor="t"/>
-          <a:lstStyle/>
-          <a:p>
-            <a:pPr marL="857250" indent="-857250">
-              <a:buFont typeface="Wingdings" panose="05000000000000000000" pitchFamily="2" charset="2"/>
-              <a:buChar char="l"/>
-            </a:pPr>
-            <a:r>
-              <a:rPr lang="ja-JP" altLang="en-US" sz="3600" dirty="0" smtClean="0">
-                <a:solidFill>
-                  <a:schemeClr val="tx1"/>
-                </a:solidFill>
-                <a:latin typeface="+mn-ea"/>
-              </a:rPr>
-              <a:t>人狼知能プロジェクトから提供されている人狼サーバーを起動する。</a:t>
-            </a:r>
-            <a:endParaRPr lang="en-US" altLang="ja-JP" sz="3600" dirty="0" smtClean="0">
-              <a:solidFill>
-                <a:schemeClr val="tx1"/>
-              </a:solidFill>
-              <a:latin typeface="+mn-ea"/>
-            </a:endParaRPr>
-          </a:p>
-          <a:p>
-            <a:pPr marL="857250" indent="-857250">
-              <a:buFont typeface="Wingdings" panose="05000000000000000000" pitchFamily="2" charset="2"/>
-              <a:buChar char="l"/>
-            </a:pPr>
-            <a:r>
-              <a:rPr lang="ja-JP" altLang="en-US" sz="3600" dirty="0" smtClean="0">
-                <a:solidFill>
-                  <a:schemeClr val="tx1"/>
-                </a:solidFill>
-                <a:latin typeface="+mn-ea"/>
-              </a:rPr>
-              <a:t>饂飩プログラムの</a:t>
-            </a:r>
-            <a:r>
-              <a:rPr lang="en-US" altLang="ja-JP" sz="3600" dirty="0" smtClean="0">
-                <a:solidFill>
-                  <a:schemeClr val="tx1"/>
-                </a:solidFill>
-                <a:latin typeface="+mn-ea"/>
-              </a:rPr>
-              <a:t>Java</a:t>
-            </a:r>
-            <a:r>
-              <a:rPr lang="ja-JP" altLang="en-US" sz="3600" dirty="0" smtClean="0">
-                <a:solidFill>
-                  <a:schemeClr val="tx1"/>
-                </a:solidFill>
-                <a:latin typeface="+mn-ea"/>
-              </a:rPr>
-              <a:t>ソースコードリーディングを行い、アルゴリズムを理解する。</a:t>
-            </a:r>
-            <a:endParaRPr lang="en-US" altLang="ja-JP" sz="3600" dirty="0" smtClean="0">
-              <a:solidFill>
-                <a:schemeClr val="tx1"/>
-              </a:solidFill>
-              <a:latin typeface="+mn-ea"/>
-            </a:endParaRPr>
-          </a:p>
-          <a:p>
-            <a:pPr marL="857250" indent="-857250">
-              <a:buFont typeface="Wingdings" panose="05000000000000000000" pitchFamily="2" charset="2"/>
-              <a:buChar char="l"/>
-            </a:pPr>
-            <a:endParaRPr lang="en-US" altLang="ja-JP" sz="3600" dirty="0">
-              <a:solidFill>
-                <a:schemeClr val="tx1"/>
-              </a:solidFill>
-              <a:latin typeface="+mn-ea"/>
-            </a:endParaRPr>
-          </a:p>
-          <a:p>
-            <a:pPr marL="857250" indent="-857250">
-              <a:buFont typeface="Wingdings" panose="05000000000000000000" pitchFamily="2" charset="2"/>
-              <a:buChar char="l"/>
-            </a:pPr>
-            <a:endParaRPr lang="en-US" altLang="ja-JP" sz="3600" dirty="0" smtClean="0">
-              <a:solidFill>
-                <a:schemeClr val="tx1"/>
-              </a:solidFill>
-              <a:latin typeface="+mn-ea"/>
-            </a:endParaRPr>
-          </a:p>
-          <a:p>
-            <a:pPr marL="857250" indent="-857250">
-              <a:buFont typeface="Wingdings" panose="05000000000000000000" pitchFamily="2" charset="2"/>
-              <a:buChar char="l"/>
-            </a:pPr>
-            <a:endParaRPr lang="en-US" altLang="ja-JP" sz="3600" dirty="0">
-              <a:solidFill>
-                <a:schemeClr val="tx1"/>
-              </a:solidFill>
-              <a:latin typeface="+mn-ea"/>
-            </a:endParaRPr>
-          </a:p>
-          <a:p>
-            <a:pPr marL="857250" indent="-857250">
-              <a:buFont typeface="Wingdings" panose="05000000000000000000" pitchFamily="2" charset="2"/>
-              <a:buChar char="l"/>
-            </a:pPr>
-            <a:endParaRPr lang="en-US" altLang="ja-JP" sz="3600" dirty="0" smtClean="0">
-              <a:solidFill>
-                <a:schemeClr val="tx1"/>
-              </a:solidFill>
-              <a:latin typeface="+mn-ea"/>
-            </a:endParaRPr>
-          </a:p>
-          <a:p>
-            <a:pPr marL="857250" indent="-857250">
-              <a:buFont typeface="Wingdings" panose="05000000000000000000" pitchFamily="2" charset="2"/>
-              <a:buChar char="l"/>
-            </a:pPr>
-            <a:endParaRPr lang="en-US" altLang="ja-JP" sz="3600" dirty="0" smtClean="0">
-              <a:solidFill>
-                <a:schemeClr val="tx1"/>
-              </a:solidFill>
-              <a:latin typeface="+mn-ea"/>
-            </a:endParaRPr>
-          </a:p>
-          <a:p>
-            <a:endParaRPr lang="en-US" altLang="ja-JP" sz="3600" dirty="0" smtClean="0">
-              <a:solidFill>
-                <a:schemeClr val="tx1"/>
-              </a:solidFill>
-              <a:latin typeface="+mn-ea"/>
-            </a:endParaRPr>
-          </a:p>
-          <a:p>
-            <a:endParaRPr lang="en-US" altLang="ja-JP" sz="3600" dirty="0">
-              <a:solidFill>
-                <a:schemeClr val="tx1"/>
-              </a:solidFill>
-              <a:latin typeface="+mn-ea"/>
-            </a:endParaRPr>
-          </a:p>
-        </p:txBody>
-      </p:sp>
-      <p:sp>
-        <p:nvSpPr>
-          <p:cNvPr id="45" name="ホームベース 44"/>
+          <a:bodyPr rtlCol="0" anchor="ctr"/>
+          <a:lstStyle/>
+          <a:p>
+            <a:pPr algn="ctr"/>
+            <a:endParaRPr kumimoji="1" lang="ja-JP" altLang="en-US"/>
+          </a:p>
+        </p:txBody>
+      </p:sp>
+      <p:sp>
+        <p:nvSpPr>
+          <p:cNvPr id="51" name="正方形/長方形 50"/>
           <p:cNvSpPr/>
           <p:nvPr/>
         </p:nvSpPr>
         <p:spPr>
           <a:xfrm>
-            <a:off x="366813" y="27328170"/>
-            <a:ext cx="3729264" cy="762712"/>
-          </a:xfrm>
-          <a:prstGeom prst="homePlate">
-            <a:avLst/>
-          </a:prstGeom>
-          <a:solidFill>
-            <a:schemeClr val="accent5">
-              <a:lumMod val="60000"/>
-              <a:lumOff val="40000"/>
-            </a:schemeClr>
-          </a:solidFill>
-          <a:ln>
-            <a:noFill/>
-          </a:ln>
-        </p:spPr>
-        <p:style>
-          <a:lnRef idx="2">
-            <a:schemeClr val="accent1">
-              <a:shade val="50000"/>
-            </a:schemeClr>
-          </a:lnRef>
-          <a:fillRef idx="1">
-            <a:schemeClr val="accent1"/>
-          </a:fillRef>
-          <a:effectRef idx="0">
-            <a:schemeClr val="accent1"/>
-          </a:effectRef>
-          <a:fontRef idx="minor">
-            <a:schemeClr val="lt1"/>
-          </a:fontRef>
-        </p:style>
-        <p:txBody>
-          <a:bodyPr lIns="295232" tIns="147616" rIns="295232" bIns="147616" rtlCol="0" anchor="ctr"/>
-          <a:lstStyle/>
-          <a:p>
-            <a:pPr algn="ctr"/>
-            <a:r>
-              <a:rPr lang="ja-JP" altLang="en-US" sz="4400" dirty="0" smtClean="0">
-                <a:solidFill>
-                  <a:schemeClr val="tx1"/>
-                </a:solidFill>
-              </a:rPr>
-              <a:t>今後の計画</a:t>
-            </a:r>
-            <a:endParaRPr lang="ja-JP" altLang="en-US" sz="4400" dirty="0">
-              <a:solidFill>
-                <a:schemeClr val="tx1"/>
-              </a:solidFill>
-            </a:endParaRPr>
-          </a:p>
-        </p:txBody>
-      </p:sp>
-      <p:sp>
-        <p:nvSpPr>
-          <p:cNvPr id="46" name="正方形/長方形 45"/>
-          <p:cNvSpPr/>
-          <p:nvPr/>
-        </p:nvSpPr>
-        <p:spPr>
-          <a:xfrm>
-            <a:off x="510735" y="28090882"/>
-            <a:ext cx="19887945" cy="1936496"/>
+            <a:off x="166703" y="18265040"/>
+            <a:ext cx="20823196" cy="8863549"/>
           </a:xfrm>
           <a:prstGeom prst="rect">
             <a:avLst/>
           </a:prstGeom>
-          <a:solidFill>
-            <a:schemeClr val="bg1"/>
-          </a:solidFill>
-          <a:ln>
+          <a:noFill/>
+          <a:ln w="38100">
             <a:solidFill>
-              <a:schemeClr val="accent1"/>
+              <a:schemeClr val="bg1">
+                <a:lumMod val="50000"/>
+              </a:schemeClr>
             </a:solidFill>
           </a:ln>
         </p:spPr>
@@ -5074,55 +5644,24 @@
           </a:fontRef>
         </p:style>
         <p:txBody>
-          <a:bodyPr lIns="295232" tIns="147616" rIns="295232" bIns="147616" rtlCol="0" anchor="t"/>
-          <a:lstStyle/>
-          <a:p>
-            <a:r>
-              <a:rPr lang="ja-JP" altLang="en-US" sz="3600" dirty="0" smtClean="0">
-                <a:solidFill>
-                  <a:schemeClr val="tx1"/>
-                </a:solidFill>
-                <a:latin typeface="+mn-ea"/>
-              </a:rPr>
-              <a:t>人狼ゲーム</a:t>
-            </a:r>
-            <a:r>
-              <a:rPr lang="en-US" altLang="ja-JP" sz="3600" dirty="0" smtClean="0">
-                <a:solidFill>
-                  <a:schemeClr val="tx1"/>
-                </a:solidFill>
-                <a:latin typeface="+mn-ea"/>
-              </a:rPr>
-              <a:t>AI</a:t>
-            </a:r>
-            <a:r>
-              <a:rPr lang="ja-JP" altLang="en-US" sz="3600" dirty="0" smtClean="0">
-                <a:solidFill>
-                  <a:schemeClr val="tx1"/>
-                </a:solidFill>
-                <a:latin typeface="+mn-ea"/>
-              </a:rPr>
-              <a:t>のアルゴリズムをソースコードリーディングを行い理解した。理解したことを生かして、さらに強いアルゴリズムを考察する。そして人狼エージェントをプログラミングする</a:t>
-            </a:r>
-            <a:endParaRPr lang="en-US" altLang="ja-JP" sz="3600" dirty="0" smtClean="0">
-              <a:solidFill>
-                <a:schemeClr val="tx1"/>
-              </a:solidFill>
-              <a:latin typeface="+mn-ea"/>
-            </a:endParaRPr>
-          </a:p>
-        </p:txBody>
-      </p:sp>
-      <p:sp>
-        <p:nvSpPr>
-          <p:cNvPr id="4" name="正方形/長方形 3"/>
+          <a:bodyPr rtlCol="0" anchor="ctr"/>
+          <a:lstStyle/>
+          <a:p>
+            <a:pPr algn="ctr"/>
+            <a:endParaRPr kumimoji="1" lang="ja-JP" altLang="en-US"/>
+          </a:p>
+        </p:txBody>
+      </p:sp>
+      <p:sp>
+        <p:nvSpPr>
+          <p:cNvPr id="52" name="正方形/長方形 51"/>
           <p:cNvSpPr/>
           <p:nvPr/>
         </p:nvSpPr>
         <p:spPr>
           <a:xfrm>
-            <a:off x="180231" y="16994793"/>
-            <a:ext cx="20823195" cy="9686391"/>
+            <a:off x="9801575" y="13994537"/>
+            <a:ext cx="11188324" cy="3971147"/>
           </a:xfrm>
           <a:prstGeom prst="rect">
             <a:avLst/>
@@ -5130,7 +5669,9 @@
           <a:noFill/>
           <a:ln w="38100">
             <a:solidFill>
-              <a:schemeClr val="tx1"/>
+              <a:schemeClr val="bg1">
+                <a:lumMod val="50000"/>
+              </a:schemeClr>
             </a:solidFill>
           </a:ln>
         </p:spPr>
@@ -5156,306 +5697,6 @@
           <a:p>
             <a:pPr algn="ctr"/>
             <a:endParaRPr kumimoji="1" lang="ja-JP" altLang="en-US"/>
-          </a:p>
-        </p:txBody>
-      </p:sp>
-      <p:sp>
-        <p:nvSpPr>
-          <p:cNvPr id="47" name="正方形/長方形 46"/>
-          <p:cNvSpPr/>
-          <p:nvPr/>
-        </p:nvSpPr>
-        <p:spPr>
-          <a:xfrm>
-            <a:off x="9783734" y="12216962"/>
-            <a:ext cx="11259547" cy="4337132"/>
-          </a:xfrm>
-          <a:prstGeom prst="rect">
-            <a:avLst/>
-          </a:prstGeom>
-          <a:noFill/>
-          <a:ln w="38100">
-            <a:solidFill>
-              <a:schemeClr val="tx1"/>
-            </a:solidFill>
-          </a:ln>
-        </p:spPr>
-        <p:style>
-          <a:lnRef idx="2">
-            <a:schemeClr val="accent1">
-              <a:shade val="50000"/>
-            </a:schemeClr>
-          </a:lnRef>
-          <a:fillRef idx="1">
-            <a:schemeClr val="accent1"/>
-          </a:fillRef>
-          <a:effectRef idx="0">
-            <a:schemeClr val="accent1"/>
-          </a:effectRef>
-          <a:fontRef idx="minor">
-            <a:schemeClr val="lt1"/>
-          </a:fontRef>
-        </p:style>
-        <p:txBody>
-          <a:bodyPr rtlCol="0" anchor="ctr"/>
-          <a:lstStyle/>
-          <a:p>
-            <a:pPr algn="ctr"/>
-            <a:endParaRPr kumimoji="1" lang="ja-JP" altLang="en-US"/>
-          </a:p>
-        </p:txBody>
-      </p:sp>
-      <p:sp>
-        <p:nvSpPr>
-          <p:cNvPr id="48" name="正方形/長方形 47"/>
-          <p:cNvSpPr/>
-          <p:nvPr/>
-        </p:nvSpPr>
-        <p:spPr>
-          <a:xfrm>
-            <a:off x="180232" y="27104040"/>
-            <a:ext cx="20881529" cy="2941602"/>
-          </a:xfrm>
-          <a:prstGeom prst="rect">
-            <a:avLst/>
-          </a:prstGeom>
-          <a:noFill/>
-          <a:ln w="38100">
-            <a:solidFill>
-              <a:schemeClr val="tx1"/>
-            </a:solidFill>
-          </a:ln>
-        </p:spPr>
-        <p:style>
-          <a:lnRef idx="2">
-            <a:schemeClr val="accent1">
-              <a:shade val="50000"/>
-            </a:schemeClr>
-          </a:lnRef>
-          <a:fillRef idx="1">
-            <a:schemeClr val="accent1"/>
-          </a:fillRef>
-          <a:effectRef idx="0">
-            <a:schemeClr val="accent1"/>
-          </a:effectRef>
-          <a:fontRef idx="minor">
-            <a:schemeClr val="lt1"/>
-          </a:fontRef>
-        </p:style>
-        <p:txBody>
-          <a:bodyPr rtlCol="0" anchor="ctr"/>
-          <a:lstStyle/>
-          <a:p>
-            <a:pPr algn="ctr"/>
-            <a:endParaRPr kumimoji="1" lang="ja-JP" altLang="en-US"/>
-          </a:p>
-        </p:txBody>
-      </p:sp>
-      <p:sp>
-        <p:nvSpPr>
-          <p:cNvPr id="49" name="正方形/長方形 48"/>
-          <p:cNvSpPr/>
-          <p:nvPr/>
-        </p:nvSpPr>
-        <p:spPr>
-          <a:xfrm>
-            <a:off x="180231" y="12249830"/>
-            <a:ext cx="9377785" cy="4304264"/>
-          </a:xfrm>
-          <a:prstGeom prst="rect">
-            <a:avLst/>
-          </a:prstGeom>
-          <a:noFill/>
-          <a:ln w="38100">
-            <a:solidFill>
-              <a:schemeClr val="tx1"/>
-            </a:solidFill>
-          </a:ln>
-        </p:spPr>
-        <p:style>
-          <a:lnRef idx="2">
-            <a:schemeClr val="accent1">
-              <a:shade val="50000"/>
-            </a:schemeClr>
-          </a:lnRef>
-          <a:fillRef idx="1">
-            <a:schemeClr val="accent1"/>
-          </a:fillRef>
-          <a:effectRef idx="0">
-            <a:schemeClr val="accent1"/>
-          </a:effectRef>
-          <a:fontRef idx="minor">
-            <a:schemeClr val="lt1"/>
-          </a:fontRef>
-        </p:style>
-        <p:txBody>
-          <a:bodyPr rtlCol="0" anchor="ctr"/>
-          <a:lstStyle/>
-          <a:p>
-            <a:pPr algn="ctr"/>
-            <a:endParaRPr kumimoji="1" lang="ja-JP" altLang="en-US"/>
-          </a:p>
-        </p:txBody>
-      </p:sp>
-      <p:sp>
-        <p:nvSpPr>
-          <p:cNvPr id="70" name="正方形/長方形 69"/>
-          <p:cNvSpPr/>
-          <p:nvPr/>
-        </p:nvSpPr>
-        <p:spPr>
-          <a:xfrm>
-            <a:off x="544445" y="9775796"/>
-            <a:ext cx="19854235" cy="1878053"/>
-          </a:xfrm>
-          <a:prstGeom prst="rect">
-            <a:avLst/>
-          </a:prstGeom>
-          <a:solidFill>
-            <a:schemeClr val="bg1"/>
-          </a:solidFill>
-          <a:ln>
-            <a:solidFill>
-              <a:schemeClr val="accent1"/>
-            </a:solidFill>
-          </a:ln>
-        </p:spPr>
-        <p:style>
-          <a:lnRef idx="2">
-            <a:schemeClr val="accent1">
-              <a:shade val="50000"/>
-            </a:schemeClr>
-          </a:lnRef>
-          <a:fillRef idx="1">
-            <a:schemeClr val="accent1"/>
-          </a:fillRef>
-          <a:effectRef idx="0">
-            <a:schemeClr val="accent1"/>
-          </a:effectRef>
-          <a:fontRef idx="minor">
-            <a:schemeClr val="lt1"/>
-          </a:fontRef>
-        </p:style>
-        <p:txBody>
-          <a:bodyPr lIns="295232" tIns="147616" rIns="295232" bIns="147616" rtlCol="0" anchor="t"/>
-          <a:lstStyle/>
-          <a:p>
-            <a:r>
-              <a:rPr lang="ja-JP" altLang="en-US" sz="3600" dirty="0" smtClean="0">
-                <a:solidFill>
-                  <a:schemeClr val="tx1"/>
-                </a:solidFill>
-                <a:latin typeface="+mn-ea"/>
-              </a:rPr>
-              <a:t>　ゲーム戦略における研究で人工知能が用いられてきた。</a:t>
-            </a:r>
-            <a:r>
-              <a:rPr lang="ja-JP" altLang="en-US" sz="3600" dirty="0">
-                <a:solidFill>
-                  <a:schemeClr val="tx1"/>
-                </a:solidFill>
-                <a:latin typeface="+mn-ea"/>
-              </a:rPr>
-              <a:t>人</a:t>
-            </a:r>
-            <a:r>
-              <a:rPr lang="ja-JP" altLang="en-US" sz="3600" dirty="0" smtClean="0">
-                <a:solidFill>
-                  <a:schemeClr val="tx1"/>
-                </a:solidFill>
-                <a:latin typeface="+mn-ea"/>
-              </a:rPr>
-              <a:t>狼ゲームは不完全情報ゲーム型コミュニケーションゲームである。そのため従来の完全情報ゲームでは扱われていなかった多数の問題が存在する。</a:t>
-            </a:r>
-            <a:endParaRPr lang="en-US" altLang="ja-JP" sz="3600" dirty="0" smtClean="0">
-              <a:solidFill>
-                <a:schemeClr val="tx1"/>
-              </a:solidFill>
-              <a:latin typeface="+mn-ea"/>
-            </a:endParaRPr>
-          </a:p>
-        </p:txBody>
-      </p:sp>
-      <p:sp>
-        <p:nvSpPr>
-          <p:cNvPr id="72" name="正方形/長方形 71"/>
-          <p:cNvSpPr/>
-          <p:nvPr/>
-        </p:nvSpPr>
-        <p:spPr>
-          <a:xfrm>
-            <a:off x="415208" y="13890970"/>
-            <a:ext cx="8694016" cy="1918096"/>
-          </a:xfrm>
-          <a:prstGeom prst="rect">
-            <a:avLst/>
-          </a:prstGeom>
-          <a:solidFill>
-            <a:schemeClr val="bg1"/>
-          </a:solidFill>
-          <a:ln>
-            <a:solidFill>
-              <a:schemeClr val="accent1"/>
-            </a:solidFill>
-          </a:ln>
-        </p:spPr>
-        <p:style>
-          <a:lnRef idx="2">
-            <a:schemeClr val="accent1">
-              <a:shade val="50000"/>
-            </a:schemeClr>
-          </a:lnRef>
-          <a:fillRef idx="1">
-            <a:schemeClr val="accent1"/>
-          </a:fillRef>
-          <a:effectRef idx="0">
-            <a:schemeClr val="accent1"/>
-          </a:effectRef>
-          <a:fontRef idx="minor">
-            <a:schemeClr val="lt1"/>
-          </a:fontRef>
-        </p:style>
-        <p:txBody>
-          <a:bodyPr lIns="295232" tIns="147616" rIns="295232" bIns="147616" rtlCol="0" anchor="t"/>
-          <a:lstStyle/>
-          <a:p>
-            <a:pPr marL="571500" indent="-571500">
-              <a:buFont typeface="Wingdings" panose="05000000000000000000" pitchFamily="2" charset="2"/>
-              <a:buChar char="l"/>
-            </a:pPr>
-            <a:r>
-              <a:rPr lang="ja-JP" altLang="en-US" sz="3600" dirty="0" smtClean="0">
-                <a:solidFill>
-                  <a:schemeClr val="tx1"/>
-                </a:solidFill>
-                <a:latin typeface="+mn-ea"/>
-              </a:rPr>
-              <a:t>人狼ゲーム</a:t>
-            </a:r>
-            <a:r>
-              <a:rPr lang="en-US" altLang="ja-JP" sz="3600" dirty="0" smtClean="0">
-                <a:solidFill>
-                  <a:schemeClr val="tx1"/>
-                </a:solidFill>
-                <a:latin typeface="+mn-ea"/>
-              </a:rPr>
-              <a:t>AI</a:t>
-            </a:r>
-            <a:r>
-              <a:rPr lang="ja-JP" altLang="en-US" sz="3600" dirty="0" smtClean="0">
-                <a:solidFill>
-                  <a:schemeClr val="tx1"/>
-                </a:solidFill>
-                <a:latin typeface="+mn-ea"/>
-              </a:rPr>
-              <a:t>を理解すること。</a:t>
-            </a:r>
-            <a:endParaRPr lang="en-US" altLang="ja-JP" sz="3600" dirty="0" smtClean="0">
-              <a:solidFill>
-                <a:schemeClr val="tx1"/>
-              </a:solidFill>
-              <a:latin typeface="+mn-ea"/>
-            </a:endParaRPr>
           </a:p>
         </p:txBody>
       </p:sp>

--- a/課題研究/2015/浜野太豪/1342097ポスター.pptx
+++ b/課題研究/2015/浜野太豪/1342097ポスター.pptx
@@ -3892,22 +3892,7 @@
                 <a:latin typeface="Bookman Old Style"/>
                 <a:ea typeface="HG明朝E"/>
               </a:rPr>
-              <a:t>不完全情報ゲーム人狼のため</a:t>
-            </a:r>
-            <a:r>
-              <a:rPr lang="ja-JP" altLang="en-US" sz="6600" kern="0" dirty="0" smtClean="0">
-                <a:effectLst>
-                  <a:glow rad="101600">
-                    <a:srgbClr val="FFE880">
-                      <a:tint val="20000"/>
-                      <a:alpha val="60000"/>
-                    </a:srgbClr>
-                  </a:glow>
-                </a:effectLst>
-                <a:latin typeface="Bookman Old Style"/>
-                <a:ea typeface="HG明朝E"/>
-              </a:rPr>
-              <a:t>の</a:t>
+              <a:t>不完全情報ゲーム人狼のための</a:t>
             </a:r>
             <a:endParaRPr lang="en-US" altLang="ja-JP" sz="6600" kern="0" dirty="0" smtClean="0">
               <a:effectLst>
@@ -3936,52 +3921,7 @@
                 <a:latin typeface="Bookman Old Style"/>
                 <a:ea typeface="HG明朝E"/>
               </a:rPr>
-              <a:t>人工</a:t>
-            </a:r>
-            <a:r>
-              <a:rPr lang="ja-JP" altLang="en-US" sz="6600" kern="0" dirty="0" smtClean="0">
-                <a:effectLst>
-                  <a:glow rad="101600">
-                    <a:srgbClr val="FFE880">
-                      <a:tint val="20000"/>
-                      <a:alpha val="60000"/>
-                    </a:srgbClr>
-                  </a:glow>
-                </a:effectLst>
-                <a:latin typeface="Bookman Old Style"/>
-                <a:ea typeface="HG明朝E"/>
-              </a:rPr>
-              <a:t>エージェント</a:t>
-            </a:r>
-            <a:r>
-              <a:rPr lang="ja-JP" altLang="en-US" sz="6600" kern="0" dirty="0" smtClean="0">
-                <a:effectLst>
-                  <a:glow rad="101600">
-                    <a:srgbClr val="FFE880">
-                      <a:tint val="20000"/>
-                      <a:alpha val="60000"/>
-                    </a:srgbClr>
-                  </a:glow>
-                </a:effectLst>
-                <a:latin typeface="Bookman Old Style"/>
-                <a:ea typeface="HG明朝E"/>
-              </a:rPr>
-              <a:t>と実行</a:t>
-            </a:r>
-            <a:r>
-              <a:rPr lang="ja-JP" altLang="en-US" sz="6600" kern="0" dirty="0" smtClean="0">
-                <a:effectLst>
-                  <a:glow rad="101600">
-                    <a:srgbClr val="FFE880">
-                      <a:tint val="20000"/>
-                      <a:alpha val="60000"/>
-                    </a:srgbClr>
-                  </a:glow>
-                </a:effectLst>
-                <a:latin typeface="Bookman Old Style"/>
-                <a:ea typeface="HG明朝E"/>
-              </a:rPr>
-              <a:t>環境の構築</a:t>
+              <a:t>人工エージェントと実行環境の構築</a:t>
             </a:r>
             <a:endParaRPr lang="ja-JP" altLang="en-US" sz="6600" dirty="0">
               <a:effectLst>
@@ -4306,16 +4246,7 @@
                 </a:solidFill>
                 <a:latin typeface="+mn-ea"/>
               </a:rPr>
-              <a:t>処刑</a:t>
-            </a:r>
-            <a:r>
-              <a:rPr lang="ja-JP" altLang="en-US" sz="4000" dirty="0" smtClean="0">
-                <a:solidFill>
-                  <a:schemeClr val="tx1"/>
-                </a:solidFill>
-                <a:latin typeface="+mn-ea"/>
-              </a:rPr>
-              <a:t>された。</a:t>
+              <a:t>処刑された。</a:t>
             </a:r>
             <a:endParaRPr lang="en-US" altLang="ja-JP" sz="4000" dirty="0">
               <a:solidFill>
@@ -4732,7 +4663,16 @@
                 </a:solidFill>
                 <a:latin typeface="+mn-ea"/>
               </a:rPr>
-              <a:t>人</a:t>
+              <a:t>人狼知能プロジェクトから提供されている人狼サーバーを起動を</a:t>
+            </a:r>
+            <a:r>
+              <a:rPr lang="ja-JP" altLang="en-US" sz="3600" dirty="0">
+                <a:solidFill>
+                  <a:schemeClr val="tx1"/>
+                </a:solidFill>
+                <a:latin typeface="+mn-ea"/>
+              </a:rPr>
+              <a:t>行</a:t>
             </a:r>
             <a:r>
               <a:rPr lang="ja-JP" altLang="en-US" sz="3600" dirty="0" smtClean="0">
@@ -4741,52 +4681,7 @@
                 </a:solidFill>
                 <a:latin typeface="+mn-ea"/>
               </a:rPr>
-              <a:t>狼知能プロジェクトから提供されている人狼サーバーを</a:t>
-            </a:r>
-            <a:r>
-              <a:rPr lang="ja-JP" altLang="en-US" sz="3600" dirty="0" smtClean="0">
-                <a:solidFill>
-                  <a:schemeClr val="tx1"/>
-                </a:solidFill>
-                <a:latin typeface="+mn-ea"/>
-              </a:rPr>
-              <a:t>起動</a:t>
-            </a:r>
-            <a:r>
-              <a:rPr lang="ja-JP" altLang="en-US" sz="3600" dirty="0" smtClean="0">
-                <a:solidFill>
-                  <a:schemeClr val="tx1"/>
-                </a:solidFill>
-                <a:latin typeface="+mn-ea"/>
-              </a:rPr>
-              <a:t>を</a:t>
-            </a:r>
-            <a:r>
-              <a:rPr lang="ja-JP" altLang="en-US" sz="3600" dirty="0">
-                <a:solidFill>
-                  <a:schemeClr val="tx1"/>
-                </a:solidFill>
-                <a:latin typeface="+mn-ea"/>
-              </a:rPr>
-              <a:t>行</a:t>
-            </a:r>
-            <a:r>
-              <a:rPr lang="ja-JP" altLang="en-US" sz="3600" dirty="0" smtClean="0">
-                <a:solidFill>
-                  <a:schemeClr val="tx1"/>
-                </a:solidFill>
-                <a:latin typeface="+mn-ea"/>
-              </a:rPr>
-              <a:t>う</a:t>
-            </a:r>
-            <a:r>
-              <a:rPr lang="ja-JP" altLang="en-US" sz="3600" dirty="0" smtClean="0">
-                <a:solidFill>
-                  <a:schemeClr val="tx1"/>
-                </a:solidFill>
-                <a:latin typeface="+mn-ea"/>
-              </a:rPr>
-              <a:t>。</a:t>
+              <a:t>う。</a:t>
             </a:r>
             <a:endParaRPr lang="en-US" altLang="ja-JP" sz="3600" dirty="0" smtClean="0">
               <a:solidFill>
@@ -4960,16 +4855,7 @@
                 </a:solidFill>
                 <a:latin typeface="+mn-ea"/>
               </a:rPr>
-              <a:t>　人</a:t>
-            </a:r>
-            <a:r>
-              <a:rPr lang="ja-JP" altLang="en-US" sz="3600" dirty="0" smtClean="0">
-                <a:solidFill>
-                  <a:schemeClr val="tx1"/>
-                </a:solidFill>
-                <a:latin typeface="+mn-ea"/>
-              </a:rPr>
-              <a:t>狼ゲーム</a:t>
+              <a:t>　人狼ゲーム</a:t>
             </a:r>
             <a:r>
               <a:rPr lang="en-US" altLang="ja-JP" sz="3600" dirty="0" smtClean="0">
@@ -5131,7 +5017,7 @@
         </p:nvSpPr>
         <p:spPr>
           <a:xfrm>
-            <a:off x="426503" y="15341837"/>
+            <a:off x="508113" y="15258444"/>
             <a:ext cx="8694016" cy="2776259"/>
           </a:xfrm>
           <a:prstGeom prst="rect">
@@ -5165,22 +5051,13 @@
           <a:lstStyle/>
           <a:p>
             <a:r>
-              <a:rPr lang="ja-JP" altLang="en-US" sz="3600" smtClean="0">
-                <a:solidFill>
-                  <a:schemeClr val="tx1"/>
-                </a:solidFill>
-                <a:latin typeface="+mn-ea"/>
-              </a:rPr>
-              <a:t>　完全</a:t>
-            </a:r>
-            <a:r>
               <a:rPr lang="ja-JP" altLang="en-US" sz="3600" dirty="0" smtClean="0">
                 <a:solidFill>
                   <a:schemeClr val="tx1"/>
                 </a:solidFill>
                 <a:latin typeface="+mn-ea"/>
               </a:rPr>
-              <a:t>情報ゲームでは扱われていなかった多数の問題を解決する。</a:t>
+              <a:t>　人狼ゲームは不完全情報型のコミュニケーションゲームであるため、多数の解決すべき問題が存在する。その問題を解決するべくアルゴリズムを解明する。</a:t>
             </a:r>
             <a:endParaRPr lang="en-US" altLang="ja-JP" sz="3600" dirty="0" smtClean="0">
               <a:solidFill>

--- a/課題研究/2015/浜野太豪/1342097ポスター.pptx
+++ b/課題研究/2015/浜野太豪/1342097ポスター.pptx
@@ -5529,6 +5529,36 @@
           </a:p>
         </p:txBody>
       </p:sp>
+      <p:pic>
+        <p:nvPicPr>
+          <p:cNvPr id="4" name="図 3"/>
+          <p:cNvPicPr>
+            <a:picLocks noChangeAspect="1"/>
+          </p:cNvPicPr>
+          <p:nvPr/>
+        </p:nvPicPr>
+        <p:blipFill>
+          <a:blip r:embed="rId4">
+            <a:extLst>
+              <a:ext uri="{28A0092B-C50C-407E-A947-70E740481C1C}">
+                <a14:useLocalDpi xmlns:a14="http://schemas.microsoft.com/office/drawing/2010/main" val="0"/>
+              </a:ext>
+            </a:extLst>
+          </a:blip>
+          <a:stretch>
+            <a:fillRect/>
+          </a:stretch>
+        </p:blipFill>
+        <p:spPr>
+          <a:xfrm>
+            <a:off x="10827823" y="18587117"/>
+            <a:ext cx="9600095" cy="4947978"/>
+          </a:xfrm>
+          <a:prstGeom prst="rect">
+            <a:avLst/>
+          </a:prstGeom>
+        </p:spPr>
+      </p:pic>
       <p:sp>
         <p:nvSpPr>
           <p:cNvPr id="52" name="正方形/長方形 51"/>

--- a/課題研究/2015/浜野太豪/1342097ポスター.pptx
+++ b/課題研究/2015/浜野太豪/1342097ポスター.pptx
@@ -3782,33 +3782,6 @@
           <a:chExt cx="0" cy="0"/>
         </a:xfrm>
       </p:grpSpPr>
-      <p:pic>
-        <p:nvPicPr>
-          <p:cNvPr id="12" name="図 11"/>
-          <p:cNvPicPr>
-            <a:picLocks noChangeAspect="1"/>
-          </p:cNvPicPr>
-          <p:nvPr/>
-        </p:nvPicPr>
-        <p:blipFill>
-          <a:blip r:embed="rId3"/>
-          <a:stretch>
-            <a:fillRect/>
-          </a:stretch>
-        </p:blipFill>
-        <p:spPr>
-          <a:xfrm>
-            <a:off x="303368" y="4515882"/>
-            <a:ext cx="21752956" cy="7208812"/>
-          </a:xfrm>
-          <a:prstGeom prst="rect">
-            <a:avLst/>
-          </a:prstGeom>
-          <a:ln>
-            <a:noFill/>
-          </a:ln>
-        </p:spPr>
-      </p:pic>
       <p:sp>
         <p:nvSpPr>
           <p:cNvPr id="2" name="正方形/長方形 1"/>
@@ -5538,7 +5511,7 @@
           <p:nvPr/>
         </p:nvPicPr>
         <p:blipFill>
-          <a:blip r:embed="rId4">
+          <a:blip r:embed="rId3">
             <a:extLst>
               <a:ext uri="{28A0092B-C50C-407E-A947-70E740481C1C}">
                 <a14:useLocalDpi xmlns:a14="http://schemas.microsoft.com/office/drawing/2010/main" val="0"/>
@@ -5607,6 +5580,30 @@
           </a:p>
         </p:txBody>
       </p:sp>
+      <p:pic>
+        <p:nvPicPr>
+          <p:cNvPr id="14" name="図 13"/>
+          <p:cNvPicPr>
+            <a:picLocks noChangeAspect="1"/>
+          </p:cNvPicPr>
+          <p:nvPr/>
+        </p:nvPicPr>
+        <p:blipFill>
+          <a:blip r:embed="rId4"/>
+          <a:stretch>
+            <a:fillRect/>
+          </a:stretch>
+        </p:blipFill>
+        <p:spPr>
+          <a:xfrm>
+            <a:off x="456719" y="4614001"/>
+            <a:ext cx="20889306" cy="7295610"/>
+          </a:xfrm>
+          <a:prstGeom prst="rect">
+            <a:avLst/>
+          </a:prstGeom>
+        </p:spPr>
+      </p:pic>
     </p:spTree>
     <p:extLst>
       <p:ext uri="{BB962C8B-B14F-4D97-AF65-F5344CB8AC3E}">

--- a/課題研究/2015/浜野太豪/1342097ポスター.pptx
+++ b/課題研究/2015/浜野太豪/1342097ポスター.pptx
@@ -5524,8 +5524,8 @@
         </p:blipFill>
         <p:spPr>
           <a:xfrm>
-            <a:off x="10827823" y="18587117"/>
-            <a:ext cx="9600095" cy="4947978"/>
+            <a:off x="10837417" y="18742017"/>
+            <a:ext cx="9217718" cy="4750898"/>
           </a:xfrm>
           <a:prstGeom prst="rect">
             <a:avLst/>

--- a/課題研究/2015/浜野太豪/1342097ポスター.pptx
+++ b/課題研究/2015/浜野太豪/1342097ポスター.pptx
@@ -4013,9 +4013,81 @@
                 <a:solidFill>
                   <a:schemeClr val="tx1"/>
                 </a:solidFill>
-                <a:latin typeface="+mn-ea"/>
-              </a:rPr>
-              <a:t>饂飩プログラムによる人狼の推論方法</a:t>
+                <a:latin typeface="+mj-ea"/>
+                <a:ea typeface="+mj-ea"/>
+              </a:rPr>
+              <a:t>饂飩</a:t>
+            </a:r>
+            <a:r>
+              <a:rPr lang="ja-JP" altLang="en-US" sz="4000" dirty="0" smtClean="0">
+                <a:solidFill>
+                  <a:schemeClr val="tx1"/>
+                </a:solidFill>
+                <a:latin typeface="+mj-ea"/>
+                <a:ea typeface="+mj-ea"/>
+              </a:rPr>
+              <a:t>プログラムによる人狼の推論方法</a:t>
+            </a:r>
+            <a:endParaRPr lang="en-US" altLang="ja-JP" sz="4000" dirty="0" smtClean="0">
+              <a:solidFill>
+                <a:schemeClr val="tx1"/>
+              </a:solidFill>
+              <a:latin typeface="+mj-ea"/>
+              <a:ea typeface="+mj-ea"/>
+            </a:endParaRPr>
+          </a:p>
+          <a:p>
+            <a:pPr marL="742950" indent="-742950">
+              <a:buFont typeface="+mj-lt"/>
+              <a:buAutoNum type="arabicPeriod"/>
+            </a:pPr>
+            <a:r>
+              <a:rPr lang="ja-JP" altLang="en-US" sz="4000" dirty="0" smtClean="0">
+                <a:solidFill>
+                  <a:schemeClr val="tx1"/>
+                </a:solidFill>
+                <a:latin typeface="+mn-ea"/>
+              </a:rPr>
+              <a:t>確定情報の整理　</a:t>
+            </a:r>
+            <a:endParaRPr lang="en-US" altLang="ja-JP" sz="4000" dirty="0">
+              <a:solidFill>
+                <a:schemeClr val="tx1"/>
+              </a:solidFill>
+              <a:latin typeface="+mn-ea"/>
+            </a:endParaRPr>
+          </a:p>
+          <a:p>
+            <a:pPr marL="742950" indent="-742950">
+              <a:buFont typeface="+mj-lt"/>
+              <a:buAutoNum type="arabicPeriod"/>
+            </a:pPr>
+            <a:r>
+              <a:rPr lang="ja-JP" altLang="en-US" sz="4000" dirty="0" smtClean="0">
+                <a:solidFill>
+                  <a:schemeClr val="tx1"/>
+                </a:solidFill>
+                <a:latin typeface="+mn-ea"/>
+              </a:rPr>
+              <a:t>人</a:t>
+            </a:r>
+            <a:r>
+              <a:rPr lang="ja-JP" altLang="en-US" sz="4000" dirty="0">
+                <a:solidFill>
+                  <a:schemeClr val="tx1"/>
+                </a:solidFill>
+                <a:latin typeface="+mn-ea"/>
+              </a:rPr>
+              <a:t>狼</a:t>
+            </a:r>
+            <a:r>
+              <a:rPr lang="ja-JP" altLang="en-US" sz="4000" dirty="0" smtClean="0">
+                <a:solidFill>
+                  <a:schemeClr val="tx1"/>
+                </a:solidFill>
+                <a:latin typeface="+mn-ea"/>
+              </a:rPr>
+              <a:t>の推理</a:t>
             </a:r>
             <a:endParaRPr lang="en-US" altLang="ja-JP" sz="4000" dirty="0" smtClean="0">
               <a:solidFill>
@@ -4036,7 +4108,144 @@
                 </a:solidFill>
                 <a:latin typeface="+mn-ea"/>
               </a:rPr>
-              <a:t>確定情報の整理　</a:t>
+              <a:t>確定</a:t>
+            </a:r>
+            <a:r>
+              <a:rPr lang="ja-JP" altLang="en-US" sz="4000" dirty="0">
+                <a:solidFill>
+                  <a:schemeClr val="tx1"/>
+                </a:solidFill>
+                <a:latin typeface="+mn-ea"/>
+              </a:rPr>
+              <a:t>情報</a:t>
+            </a:r>
+            <a:r>
+              <a:rPr lang="ja-JP" altLang="en-US" sz="4000" dirty="0" smtClean="0">
+                <a:solidFill>
+                  <a:schemeClr val="tx1"/>
+                </a:solidFill>
+                <a:latin typeface="+mn-ea"/>
+              </a:rPr>
+              <a:t>と推理をもとに行動を選択</a:t>
+            </a:r>
+            <a:endParaRPr lang="en-US" altLang="ja-JP" sz="4000" dirty="0" smtClean="0">
+              <a:solidFill>
+                <a:schemeClr val="tx1"/>
+              </a:solidFill>
+              <a:latin typeface="+mn-ea"/>
+            </a:endParaRPr>
+          </a:p>
+          <a:p>
+            <a:endParaRPr lang="en-US" altLang="ja-JP" sz="4000" dirty="0" smtClean="0">
+              <a:solidFill>
+                <a:schemeClr val="tx1"/>
+              </a:solidFill>
+              <a:latin typeface="+mn-ea"/>
+            </a:endParaRPr>
+          </a:p>
+          <a:p>
+            <a:r>
+              <a:rPr lang="ja-JP" altLang="en-US" sz="4000" dirty="0">
+                <a:solidFill>
+                  <a:schemeClr val="tx1"/>
+                </a:solidFill>
+                <a:latin typeface="+mj-ea"/>
+                <a:ea typeface="+mj-ea"/>
+              </a:rPr>
+              <a:t>パターン化</a:t>
+            </a:r>
+            <a:r>
+              <a:rPr lang="ja-JP" altLang="en-US" sz="4000" dirty="0" smtClean="0">
+                <a:solidFill>
+                  <a:schemeClr val="tx1"/>
+                </a:solidFill>
+                <a:latin typeface="+mj-ea"/>
+                <a:ea typeface="+mj-ea"/>
+              </a:rPr>
+              <a:t>によ</a:t>
+            </a:r>
+            <a:r>
+              <a:rPr lang="ja-JP" altLang="en-US" sz="4000" dirty="0">
+                <a:solidFill>
+                  <a:schemeClr val="tx1"/>
+                </a:solidFill>
+                <a:latin typeface="+mj-ea"/>
+                <a:ea typeface="+mj-ea"/>
+              </a:rPr>
+              <a:t>る</a:t>
+            </a:r>
+            <a:r>
+              <a:rPr lang="ja-JP" altLang="en-US" sz="4000" dirty="0" smtClean="0">
+                <a:solidFill>
+                  <a:schemeClr val="tx1"/>
+                </a:solidFill>
+                <a:latin typeface="+mj-ea"/>
+                <a:ea typeface="+mj-ea"/>
+              </a:rPr>
+              <a:t>人狼の矛盾発見方法</a:t>
+            </a:r>
+            <a:endParaRPr lang="en-US" altLang="ja-JP" sz="4000" dirty="0" smtClean="0">
+              <a:solidFill>
+                <a:schemeClr val="tx1"/>
+              </a:solidFill>
+              <a:latin typeface="+mj-ea"/>
+              <a:ea typeface="+mj-ea"/>
+            </a:endParaRPr>
+          </a:p>
+          <a:p>
+            <a:r>
+              <a:rPr lang="en-US" altLang="ja-JP" sz="4000" dirty="0" smtClean="0">
+                <a:solidFill>
+                  <a:schemeClr val="tx1"/>
+                </a:solidFill>
+                <a:latin typeface="+mn-ea"/>
+              </a:rPr>
+              <a:t>C</a:t>
+            </a:r>
+            <a:r>
+              <a:rPr lang="ja-JP" altLang="en-US" sz="4000" dirty="0" err="1" smtClean="0">
+                <a:solidFill>
+                  <a:schemeClr val="tx1"/>
+                </a:solidFill>
+                <a:latin typeface="+mn-ea"/>
+              </a:rPr>
+              <a:t>さん</a:t>
+            </a:r>
+            <a:r>
+              <a:rPr lang="en-US" altLang="ja-JP" sz="4000" dirty="0" smtClean="0">
+                <a:solidFill>
+                  <a:schemeClr val="tx1"/>
+                </a:solidFill>
+                <a:latin typeface="+mn-ea"/>
+              </a:rPr>
+              <a:t>D</a:t>
+            </a:r>
+            <a:r>
+              <a:rPr lang="ja-JP" altLang="en-US" sz="4000" dirty="0" err="1" smtClean="0">
+                <a:solidFill>
+                  <a:schemeClr val="tx1"/>
+                </a:solidFill>
+                <a:latin typeface="+mn-ea"/>
+              </a:rPr>
+              <a:t>さん</a:t>
+            </a:r>
+            <a:r>
+              <a:rPr lang="ja-JP" altLang="en-US" sz="4000" dirty="0" err="1" smtClean="0">
+                <a:solidFill>
+                  <a:schemeClr val="tx1"/>
+                </a:solidFill>
+                <a:latin typeface="+mn-ea"/>
+              </a:rPr>
+              <a:t>は</a:t>
+            </a:r>
+            <a:r>
+              <a:rPr lang="ja-JP" altLang="en-US" sz="4000" dirty="0" smtClean="0">
+                <a:solidFill>
+                  <a:schemeClr val="tx1"/>
+                </a:solidFill>
+                <a:latin typeface="+mn-ea"/>
+              </a:rPr>
+              <a:t>処刑された。</a:t>
             </a:r>
             <a:endParaRPr lang="en-US" altLang="ja-JP" sz="4000" dirty="0">
               <a:solidFill>
@@ -4046,10 +4255,6 @@
             </a:endParaRPr>
           </a:p>
           <a:p>
-            <a:pPr marL="742950" indent="-742950">
-              <a:buFont typeface="+mj-lt"/>
-              <a:buAutoNum type="arabicPeriod"/>
-            </a:pPr>
             <a:r>
               <a:rPr lang="ja-JP" altLang="en-US" sz="4000" dirty="0" smtClean="0">
                 <a:solidFill>
@@ -4057,16 +4262,7 @@
                 </a:solidFill>
                 <a:latin typeface="+mn-ea"/>
               </a:rPr>
-              <a:t>人</a:t>
-            </a:r>
-            <a:r>
-              <a:rPr lang="ja-JP" altLang="en-US" sz="4000" dirty="0">
-                <a:solidFill>
-                  <a:schemeClr val="tx1"/>
-                </a:solidFill>
-                <a:latin typeface="+mn-ea"/>
-              </a:rPr>
-              <a:t>狼</a:t>
+              <a:t>占い</a:t>
             </a:r>
             <a:r>
               <a:rPr lang="ja-JP" altLang="en-US" sz="4000" dirty="0" smtClean="0">
@@ -4075,7 +4271,70 @@
                 </a:solidFill>
                 <a:latin typeface="+mn-ea"/>
               </a:rPr>
-              <a:t>の推理</a:t>
+              <a:t>師</a:t>
+            </a:r>
+            <a:r>
+              <a:rPr lang="en-US" altLang="ja-JP" sz="4000" dirty="0" smtClean="0">
+                <a:solidFill>
+                  <a:schemeClr val="tx1"/>
+                </a:solidFill>
+                <a:latin typeface="+mn-ea"/>
+              </a:rPr>
+              <a:t>A	</a:t>
+            </a:r>
+            <a:r>
+              <a:rPr lang="en-US" altLang="ja-JP" sz="4000" dirty="0">
+                <a:solidFill>
+                  <a:schemeClr val="tx1"/>
+                </a:solidFill>
+                <a:latin typeface="+mn-ea"/>
+              </a:rPr>
+              <a:t>C</a:t>
+            </a:r>
+            <a:r>
+              <a:rPr lang="ja-JP" altLang="en-US" sz="4000" dirty="0" err="1" smtClean="0">
+                <a:solidFill>
+                  <a:schemeClr val="tx1"/>
+                </a:solidFill>
+                <a:latin typeface="+mn-ea"/>
+              </a:rPr>
+              <a:t>さんは</a:t>
+            </a:r>
+            <a:r>
+              <a:rPr lang="ja-JP" altLang="en-US" sz="4000" dirty="0" smtClean="0">
+                <a:solidFill>
+                  <a:schemeClr val="tx1"/>
+                </a:solidFill>
+                <a:latin typeface="+mn-ea"/>
+              </a:rPr>
+              <a:t>人狼だった　</a:t>
+            </a:r>
+            <a:r>
+              <a:rPr lang="en-US" altLang="ja-JP" sz="4000" dirty="0" smtClean="0">
+                <a:solidFill>
+                  <a:schemeClr val="tx1"/>
+                </a:solidFill>
+                <a:latin typeface="+mn-ea"/>
+              </a:rPr>
+              <a:t>D</a:t>
+            </a:r>
+            <a:r>
+              <a:rPr lang="ja-JP" altLang="en-US" sz="4000" dirty="0" err="1" smtClean="0">
+                <a:solidFill>
+                  <a:schemeClr val="tx1"/>
+                </a:solidFill>
+                <a:latin typeface="+mn-ea"/>
+              </a:rPr>
+              <a:t>さんは</a:t>
+            </a:r>
+            <a:r>
+              <a:rPr lang="ja-JP" altLang="en-US" sz="4000" dirty="0" smtClean="0">
+                <a:solidFill>
+                  <a:schemeClr val="tx1"/>
+                </a:solidFill>
+                <a:latin typeface="+mn-ea"/>
+              </a:rPr>
+              <a:t>人間だった</a:t>
             </a:r>
             <a:endParaRPr lang="en-US" altLang="ja-JP" sz="4000" dirty="0" smtClean="0">
               <a:solidFill>
@@ -4085,10 +4344,6 @@
             </a:endParaRPr>
           </a:p>
           <a:p>
-            <a:pPr marL="742950" indent="-742950">
-              <a:buFont typeface="+mj-lt"/>
-              <a:buAutoNum type="arabicPeriod"/>
-            </a:pPr>
             <a:r>
               <a:rPr lang="ja-JP" altLang="en-US" sz="4000" dirty="0" smtClean="0">
                 <a:solidFill>
@@ -4096,7 +4351,43 @@
                 </a:solidFill>
                 <a:latin typeface="+mn-ea"/>
               </a:rPr>
-              <a:t>確定</a:t>
+              <a:t>占い</a:t>
+            </a:r>
+            <a:r>
+              <a:rPr lang="ja-JP" altLang="en-US" sz="4000" dirty="0" smtClean="0">
+                <a:solidFill>
+                  <a:schemeClr val="tx1"/>
+                </a:solidFill>
+                <a:latin typeface="+mn-ea"/>
+              </a:rPr>
+              <a:t>師</a:t>
+            </a:r>
+            <a:r>
+              <a:rPr lang="en-US" altLang="ja-JP" sz="4000" dirty="0" smtClean="0">
+                <a:solidFill>
+                  <a:schemeClr val="tx1"/>
+                </a:solidFill>
+                <a:latin typeface="+mn-ea"/>
+              </a:rPr>
+              <a:t>B	C</a:t>
+            </a:r>
+            <a:r>
+              <a:rPr lang="ja-JP" altLang="en-US" sz="4000" dirty="0" err="1" smtClean="0">
+                <a:solidFill>
+                  <a:schemeClr val="tx1"/>
+                </a:solidFill>
+                <a:latin typeface="+mn-ea"/>
+              </a:rPr>
+              <a:t>さんは</a:t>
+            </a:r>
+            <a:r>
+              <a:rPr lang="ja-JP" altLang="en-US" sz="4000" dirty="0" smtClean="0">
+                <a:solidFill>
+                  <a:schemeClr val="tx1"/>
+                </a:solidFill>
+                <a:latin typeface="+mn-ea"/>
+              </a:rPr>
+              <a:t>人間だった</a:t>
             </a:r>
             <a:r>
               <a:rPr lang="ja-JP" altLang="en-US" sz="4000" dirty="0">
@@ -4105,7 +4396,25 @@
                 </a:solidFill>
                 <a:latin typeface="+mn-ea"/>
               </a:rPr>
-              <a:t>情報</a:t>
+              <a:t>　</a:t>
+            </a:r>
+            <a:r>
+              <a:rPr lang="en-US" altLang="ja-JP" sz="4000" dirty="0" smtClean="0">
+                <a:solidFill>
+                  <a:schemeClr val="tx1"/>
+                </a:solidFill>
+                <a:latin typeface="+mn-ea"/>
+              </a:rPr>
+              <a:t>D</a:t>
+            </a:r>
+            <a:r>
+              <a:rPr lang="ja-JP" altLang="en-US" sz="4000" dirty="0" err="1" smtClean="0">
+                <a:solidFill>
+                  <a:schemeClr val="tx1"/>
+                </a:solidFill>
+                <a:latin typeface="+mn-ea"/>
+              </a:rPr>
+              <a:t>さんは</a:t>
             </a:r>
             <a:r>
               <a:rPr lang="ja-JP" altLang="en-US" sz="4000" dirty="0" smtClean="0">
@@ -4114,7 +4423,7 @@
                 </a:solidFill>
                 <a:latin typeface="+mn-ea"/>
               </a:rPr>
-              <a:t>と推理をもとに行動を選択</a:t>
+              <a:t>人狼だった</a:t>
             </a:r>
             <a:endParaRPr lang="en-US" altLang="ja-JP" sz="4000" dirty="0" smtClean="0">
               <a:solidFill>
@@ -4124,6 +4433,78 @@
             </a:endParaRPr>
           </a:p>
           <a:p>
+            <a:r>
+              <a:rPr lang="ja-JP" altLang="en-US" sz="4000" dirty="0" smtClean="0">
+                <a:solidFill>
+                  <a:schemeClr val="tx1"/>
+                </a:solidFill>
+                <a:latin typeface="+mn-ea"/>
+              </a:rPr>
+              <a:t>霊媒師</a:t>
+            </a:r>
+            <a:r>
+              <a:rPr lang="en-US" altLang="ja-JP" sz="4000" dirty="0" smtClean="0">
+                <a:solidFill>
+                  <a:schemeClr val="tx1"/>
+                </a:solidFill>
+                <a:latin typeface="+mn-ea"/>
+              </a:rPr>
+              <a:t>E	C</a:t>
+            </a:r>
+            <a:r>
+              <a:rPr lang="ja-JP" altLang="en-US" sz="4000" dirty="0" err="1" smtClean="0">
+                <a:solidFill>
+                  <a:schemeClr val="tx1"/>
+                </a:solidFill>
+                <a:latin typeface="+mn-ea"/>
+              </a:rPr>
+              <a:t>さんは</a:t>
+            </a:r>
+            <a:r>
+              <a:rPr lang="ja-JP" altLang="en-US" sz="4000" dirty="0" smtClean="0">
+                <a:solidFill>
+                  <a:schemeClr val="tx1"/>
+                </a:solidFill>
+                <a:latin typeface="+mn-ea"/>
+              </a:rPr>
+              <a:t>人狼だった</a:t>
+            </a:r>
+            <a:r>
+              <a:rPr lang="ja-JP" altLang="en-US" sz="4000" dirty="0">
+                <a:solidFill>
+                  <a:schemeClr val="tx1"/>
+                </a:solidFill>
+                <a:latin typeface="+mn-ea"/>
+              </a:rPr>
+              <a:t>　</a:t>
+            </a:r>
+            <a:r>
+              <a:rPr lang="en-US" altLang="ja-JP" sz="4000" dirty="0" smtClean="0">
+                <a:solidFill>
+                  <a:schemeClr val="tx1"/>
+                </a:solidFill>
+                <a:latin typeface="+mn-ea"/>
+              </a:rPr>
+              <a:t>D</a:t>
+            </a:r>
+            <a:r>
+              <a:rPr lang="ja-JP" altLang="en-US" sz="4000" dirty="0" err="1" smtClean="0">
+                <a:solidFill>
+                  <a:schemeClr val="tx1"/>
+                </a:solidFill>
+                <a:latin typeface="+mn-ea"/>
+              </a:rPr>
+              <a:t>さんは</a:t>
+            </a:r>
+            <a:r>
+              <a:rPr lang="ja-JP" altLang="en-US" sz="4000" dirty="0" smtClean="0">
+                <a:solidFill>
+                  <a:schemeClr val="tx1"/>
+                </a:solidFill>
+                <a:latin typeface="+mn-ea"/>
+              </a:rPr>
+              <a:t>人間だった</a:t>
+            </a:r>
             <a:endParaRPr lang="en-US" altLang="ja-JP" sz="4000" dirty="0" smtClean="0">
               <a:solidFill>
                 <a:schemeClr val="tx1"/>
@@ -4133,31 +4514,58 @@
           </a:p>
           <a:p>
             <a:r>
-              <a:rPr lang="ja-JP" altLang="en-US" sz="4000" dirty="0">
-                <a:solidFill>
-                  <a:schemeClr val="tx1"/>
-                </a:solidFill>
-                <a:latin typeface="+mn-ea"/>
-              </a:rPr>
-              <a:t>パターン化</a:t>
-            </a:r>
-            <a:r>
               <a:rPr lang="ja-JP" altLang="en-US" sz="4000" dirty="0" smtClean="0">
                 <a:solidFill>
                   <a:schemeClr val="tx1"/>
                 </a:solidFill>
                 <a:latin typeface="+mn-ea"/>
               </a:rPr>
-              <a:t>によ</a:t>
-            </a:r>
-            <a:r>
-              <a:rPr lang="ja-JP" altLang="en-US" sz="4000" dirty="0">
-                <a:solidFill>
-                  <a:schemeClr val="tx1"/>
-                </a:solidFill>
-                <a:latin typeface="+mn-ea"/>
-              </a:rPr>
-              <a:t>る</a:t>
+              <a:t>霊媒師</a:t>
+            </a:r>
+            <a:r>
+              <a:rPr lang="en-US" altLang="ja-JP" sz="4000" dirty="0" smtClean="0">
+                <a:solidFill>
+                  <a:schemeClr val="tx1"/>
+                </a:solidFill>
+                <a:latin typeface="+mn-ea"/>
+              </a:rPr>
+              <a:t>F</a:t>
+            </a:r>
+            <a:r>
+              <a:rPr lang="en-US" altLang="ja-JP" sz="4000" dirty="0" smtClean="0">
+                <a:solidFill>
+                  <a:schemeClr val="tx1"/>
+                </a:solidFill>
+                <a:latin typeface="+mn-ea"/>
+              </a:rPr>
+              <a:t>	C</a:t>
+            </a:r>
+            <a:r>
+              <a:rPr lang="ja-JP" altLang="en-US" sz="4000" dirty="0" err="1" smtClean="0">
+                <a:solidFill>
+                  <a:schemeClr val="tx1"/>
+                </a:solidFill>
+                <a:latin typeface="+mn-ea"/>
+              </a:rPr>
+              <a:t>さん</a:t>
+            </a:r>
+            <a:r>
+              <a:rPr lang="en-US" altLang="ja-JP" sz="4000" dirty="0" smtClean="0">
+                <a:solidFill>
+                  <a:schemeClr val="tx1"/>
+                </a:solidFill>
+                <a:latin typeface="+mn-ea"/>
+              </a:rPr>
+              <a:t>D</a:t>
+            </a:r>
+            <a:r>
+              <a:rPr lang="ja-JP" altLang="en-US" sz="4000" dirty="0" err="1" smtClean="0">
+                <a:solidFill>
+                  <a:schemeClr val="tx1"/>
+                </a:solidFill>
+                <a:latin typeface="+mn-ea"/>
+              </a:rPr>
+              <a:t>さん</a:t>
             </a:r>
             <a:r>
               <a:rPr lang="ja-JP" altLang="en-US" sz="4000" dirty="0" smtClean="0">
@@ -4166,7 +4574,7 @@
                 </a:solidFill>
                 <a:latin typeface="+mn-ea"/>
               </a:rPr>
-              <a:t>人狼の矛盾発見方法</a:t>
+              <a:t>両方人間だった</a:t>
             </a:r>
             <a:endParaRPr lang="en-US" altLang="ja-JP" sz="4000" dirty="0" smtClean="0">
               <a:solidFill>
@@ -4177,58 +4585,14 @@
           </a:p>
           <a:p>
             <a:r>
-              <a:rPr lang="en-US" altLang="ja-JP" sz="4000" dirty="0" smtClean="0">
-                <a:solidFill>
-                  <a:schemeClr val="tx1"/>
-                </a:solidFill>
-                <a:latin typeface="+mn-ea"/>
-              </a:rPr>
-              <a:t>C</a:t>
-            </a:r>
-            <a:r>
-              <a:rPr lang="ja-JP" altLang="en-US" sz="4000" dirty="0" err="1" smtClean="0">
-                <a:solidFill>
-                  <a:schemeClr val="tx1"/>
-                </a:solidFill>
-                <a:latin typeface="+mn-ea"/>
-              </a:rPr>
-              <a:t>さん</a:t>
-            </a:r>
-            <a:r>
-              <a:rPr lang="en-US" altLang="ja-JP" sz="4000" dirty="0" smtClean="0">
-                <a:solidFill>
-                  <a:schemeClr val="tx1"/>
-                </a:solidFill>
-                <a:latin typeface="+mn-ea"/>
-              </a:rPr>
-              <a:t>D</a:t>
-            </a:r>
-            <a:r>
-              <a:rPr lang="ja-JP" altLang="en-US" sz="4000" dirty="0" err="1" smtClean="0">
-                <a:solidFill>
-                  <a:schemeClr val="tx1"/>
-                </a:solidFill>
-                <a:latin typeface="+mn-ea"/>
-              </a:rPr>
-              <a:t>さんは</a:t>
-            </a:r>
-            <a:r>
               <a:rPr lang="ja-JP" altLang="en-US" sz="4000" dirty="0" smtClean="0">
                 <a:solidFill>
                   <a:schemeClr val="tx1"/>
                 </a:solidFill>
                 <a:latin typeface="+mn-ea"/>
               </a:rPr>
-              <a:t>処刑された。</a:t>
-            </a:r>
-            <a:endParaRPr lang="en-US" altLang="ja-JP" sz="4000" dirty="0">
-              <a:solidFill>
-                <a:schemeClr val="tx1"/>
-              </a:solidFill>
-              <a:latin typeface="+mn-ea"/>
-            </a:endParaRPr>
-          </a:p>
-          <a:p>
+              <a:t>と</a:t>
+            </a:r>
             <a:r>
               <a:rPr lang="ja-JP" altLang="en-US" sz="4000" dirty="0" smtClean="0">
                 <a:solidFill>
@@ -4236,318 +4600,7 @@
                 </a:solidFill>
                 <a:latin typeface="+mn-ea"/>
               </a:rPr>
-              <a:t>占い師</a:t>
-            </a:r>
-            <a:r>
-              <a:rPr lang="en-US" altLang="ja-JP" sz="4000" dirty="0" smtClean="0">
-                <a:solidFill>
-                  <a:schemeClr val="tx1"/>
-                </a:solidFill>
-                <a:latin typeface="+mn-ea"/>
-              </a:rPr>
-              <a:t>A	C</a:t>
-            </a:r>
-            <a:r>
-              <a:rPr lang="ja-JP" altLang="en-US" sz="4000" dirty="0" err="1" smtClean="0">
-                <a:solidFill>
-                  <a:schemeClr val="tx1"/>
-                </a:solidFill>
-                <a:latin typeface="+mn-ea"/>
-              </a:rPr>
-              <a:t>さんは</a:t>
-            </a:r>
-            <a:r>
-              <a:rPr lang="ja-JP" altLang="en-US" sz="4000" dirty="0" smtClean="0">
-                <a:solidFill>
-                  <a:schemeClr val="tx1"/>
-                </a:solidFill>
-                <a:latin typeface="+mn-ea"/>
-              </a:rPr>
-              <a:t>人狼だった　</a:t>
-            </a:r>
-            <a:r>
-              <a:rPr lang="en-US" altLang="ja-JP" sz="4000" dirty="0" smtClean="0">
-                <a:solidFill>
-                  <a:schemeClr val="tx1"/>
-                </a:solidFill>
-                <a:latin typeface="+mn-ea"/>
-              </a:rPr>
-              <a:t>D</a:t>
-            </a:r>
-            <a:r>
-              <a:rPr lang="ja-JP" altLang="en-US" sz="4000" dirty="0" err="1" smtClean="0">
-                <a:solidFill>
-                  <a:schemeClr val="tx1"/>
-                </a:solidFill>
-                <a:latin typeface="+mn-ea"/>
-              </a:rPr>
-              <a:t>さんは</a:t>
-            </a:r>
-            <a:r>
-              <a:rPr lang="ja-JP" altLang="en-US" sz="4000" dirty="0" smtClean="0">
-                <a:solidFill>
-                  <a:schemeClr val="tx1"/>
-                </a:solidFill>
-                <a:latin typeface="+mn-ea"/>
-              </a:rPr>
-              <a:t>人間だった</a:t>
-            </a:r>
-            <a:endParaRPr lang="en-US" altLang="ja-JP" sz="4000" dirty="0" smtClean="0">
-              <a:solidFill>
-                <a:schemeClr val="tx1"/>
-              </a:solidFill>
-              <a:latin typeface="+mn-ea"/>
-            </a:endParaRPr>
-          </a:p>
-          <a:p>
-            <a:r>
-              <a:rPr lang="ja-JP" altLang="en-US" sz="4000" dirty="0">
-                <a:solidFill>
-                  <a:schemeClr val="tx1"/>
-                </a:solidFill>
-                <a:latin typeface="+mn-ea"/>
-              </a:rPr>
-              <a:t>占い</a:t>
-            </a:r>
-            <a:r>
-              <a:rPr lang="ja-JP" altLang="en-US" sz="4000" dirty="0" smtClean="0">
-                <a:solidFill>
-                  <a:schemeClr val="tx1"/>
-                </a:solidFill>
-                <a:latin typeface="+mn-ea"/>
-              </a:rPr>
-              <a:t>師</a:t>
-            </a:r>
-            <a:r>
-              <a:rPr lang="en-US" altLang="ja-JP" sz="4000" dirty="0" smtClean="0">
-                <a:solidFill>
-                  <a:schemeClr val="tx1"/>
-                </a:solidFill>
-                <a:latin typeface="+mn-ea"/>
-              </a:rPr>
-              <a:t>B	C</a:t>
-            </a:r>
-            <a:r>
-              <a:rPr lang="ja-JP" altLang="en-US" sz="4000" dirty="0" err="1" smtClean="0">
-                <a:solidFill>
-                  <a:schemeClr val="tx1"/>
-                </a:solidFill>
-                <a:latin typeface="+mn-ea"/>
-              </a:rPr>
-              <a:t>さんは</a:t>
-            </a:r>
-            <a:r>
-              <a:rPr lang="ja-JP" altLang="en-US" sz="4000" dirty="0" smtClean="0">
-                <a:solidFill>
-                  <a:schemeClr val="tx1"/>
-                </a:solidFill>
-                <a:latin typeface="+mn-ea"/>
-              </a:rPr>
-              <a:t>人間だった</a:t>
-            </a:r>
-            <a:r>
-              <a:rPr lang="ja-JP" altLang="en-US" sz="4000" dirty="0">
-                <a:solidFill>
-                  <a:schemeClr val="tx1"/>
-                </a:solidFill>
-                <a:latin typeface="+mn-ea"/>
-              </a:rPr>
-              <a:t>　</a:t>
-            </a:r>
-            <a:r>
-              <a:rPr lang="en-US" altLang="ja-JP" sz="4000" dirty="0" smtClean="0">
-                <a:solidFill>
-                  <a:schemeClr val="tx1"/>
-                </a:solidFill>
-                <a:latin typeface="+mn-ea"/>
-              </a:rPr>
-              <a:t>D</a:t>
-            </a:r>
-            <a:r>
-              <a:rPr lang="ja-JP" altLang="en-US" sz="4000" dirty="0" err="1" smtClean="0">
-                <a:solidFill>
-                  <a:schemeClr val="tx1"/>
-                </a:solidFill>
-                <a:latin typeface="+mn-ea"/>
-              </a:rPr>
-              <a:t>さんは</a:t>
-            </a:r>
-            <a:r>
-              <a:rPr lang="ja-JP" altLang="en-US" sz="4000" dirty="0" smtClean="0">
-                <a:solidFill>
-                  <a:schemeClr val="tx1"/>
-                </a:solidFill>
-                <a:latin typeface="+mn-ea"/>
-              </a:rPr>
-              <a:t>人狼だった</a:t>
-            </a:r>
-            <a:endParaRPr lang="en-US" altLang="ja-JP" sz="4000" dirty="0" smtClean="0">
-              <a:solidFill>
-                <a:schemeClr val="tx1"/>
-              </a:solidFill>
-              <a:latin typeface="+mn-ea"/>
-            </a:endParaRPr>
-          </a:p>
-          <a:p>
-            <a:r>
-              <a:rPr lang="ja-JP" altLang="en-US" sz="4000" dirty="0" smtClean="0">
-                <a:solidFill>
-                  <a:schemeClr val="tx1"/>
-                </a:solidFill>
-                <a:latin typeface="+mn-ea"/>
-              </a:rPr>
-              <a:t>霊媒師</a:t>
-            </a:r>
-            <a:r>
-              <a:rPr lang="en-US" altLang="ja-JP" sz="4000" dirty="0" smtClean="0">
-                <a:solidFill>
-                  <a:schemeClr val="tx1"/>
-                </a:solidFill>
-                <a:latin typeface="+mn-ea"/>
-              </a:rPr>
-              <a:t>E	C</a:t>
-            </a:r>
-            <a:r>
-              <a:rPr lang="ja-JP" altLang="en-US" sz="4000" dirty="0" err="1" smtClean="0">
-                <a:solidFill>
-                  <a:schemeClr val="tx1"/>
-                </a:solidFill>
-                <a:latin typeface="+mn-ea"/>
-              </a:rPr>
-              <a:t>さんは</a:t>
-            </a:r>
-            <a:r>
-              <a:rPr lang="ja-JP" altLang="en-US" sz="4000" dirty="0" smtClean="0">
-                <a:solidFill>
-                  <a:schemeClr val="tx1"/>
-                </a:solidFill>
-                <a:latin typeface="+mn-ea"/>
-              </a:rPr>
-              <a:t>人狼だった</a:t>
-            </a:r>
-            <a:r>
-              <a:rPr lang="ja-JP" altLang="en-US" sz="4000" dirty="0">
-                <a:solidFill>
-                  <a:schemeClr val="tx1"/>
-                </a:solidFill>
-                <a:latin typeface="+mn-ea"/>
-              </a:rPr>
-              <a:t>　</a:t>
-            </a:r>
-            <a:r>
-              <a:rPr lang="en-US" altLang="ja-JP" sz="4000" dirty="0" smtClean="0">
-                <a:solidFill>
-                  <a:schemeClr val="tx1"/>
-                </a:solidFill>
-                <a:latin typeface="+mn-ea"/>
-              </a:rPr>
-              <a:t>D</a:t>
-            </a:r>
-            <a:r>
-              <a:rPr lang="ja-JP" altLang="en-US" sz="4000" dirty="0" err="1" smtClean="0">
-                <a:solidFill>
-                  <a:schemeClr val="tx1"/>
-                </a:solidFill>
-                <a:latin typeface="+mn-ea"/>
-              </a:rPr>
-              <a:t>さんは</a:t>
-            </a:r>
-            <a:r>
-              <a:rPr lang="ja-JP" altLang="en-US" sz="4000" dirty="0" smtClean="0">
-                <a:solidFill>
-                  <a:schemeClr val="tx1"/>
-                </a:solidFill>
-                <a:latin typeface="+mn-ea"/>
-              </a:rPr>
-              <a:t>人間だった</a:t>
-            </a:r>
-            <a:endParaRPr lang="en-US" altLang="ja-JP" sz="4000" dirty="0" smtClean="0">
-              <a:solidFill>
-                <a:schemeClr val="tx1"/>
-              </a:solidFill>
-              <a:latin typeface="+mn-ea"/>
-            </a:endParaRPr>
-          </a:p>
-          <a:p>
-            <a:r>
-              <a:rPr lang="ja-JP" altLang="en-US" sz="4000" dirty="0" smtClean="0">
-                <a:solidFill>
-                  <a:schemeClr val="tx1"/>
-                </a:solidFill>
-                <a:latin typeface="+mn-ea"/>
-              </a:rPr>
-              <a:t>霊媒師</a:t>
-            </a:r>
-            <a:r>
-              <a:rPr lang="en-US" altLang="ja-JP" sz="4000" dirty="0">
-                <a:solidFill>
-                  <a:schemeClr val="tx1"/>
-                </a:solidFill>
-                <a:latin typeface="+mn-ea"/>
-              </a:rPr>
-              <a:t>F</a:t>
-            </a:r>
-            <a:r>
-              <a:rPr lang="en-US" altLang="ja-JP" sz="4000" dirty="0" smtClean="0">
-                <a:solidFill>
-                  <a:schemeClr val="tx1"/>
-                </a:solidFill>
-                <a:latin typeface="+mn-ea"/>
-              </a:rPr>
-              <a:t>	C</a:t>
-            </a:r>
-            <a:r>
-              <a:rPr lang="ja-JP" altLang="en-US" sz="4000" dirty="0" err="1" smtClean="0">
-                <a:solidFill>
-                  <a:schemeClr val="tx1"/>
-                </a:solidFill>
-                <a:latin typeface="+mn-ea"/>
-              </a:rPr>
-              <a:t>さん</a:t>
-            </a:r>
-            <a:r>
-              <a:rPr lang="en-US" altLang="ja-JP" sz="4000" dirty="0" smtClean="0">
-                <a:solidFill>
-                  <a:schemeClr val="tx1"/>
-                </a:solidFill>
-                <a:latin typeface="+mn-ea"/>
-              </a:rPr>
-              <a:t>D</a:t>
-            </a:r>
-            <a:r>
-              <a:rPr lang="ja-JP" altLang="en-US" sz="4000" dirty="0" err="1" smtClean="0">
-                <a:solidFill>
-                  <a:schemeClr val="tx1"/>
-                </a:solidFill>
-                <a:latin typeface="+mn-ea"/>
-              </a:rPr>
-              <a:t>さん</a:t>
-            </a:r>
-            <a:r>
-              <a:rPr lang="ja-JP" altLang="en-US" sz="4000" dirty="0" smtClean="0">
-                <a:solidFill>
-                  <a:schemeClr val="tx1"/>
-                </a:solidFill>
-                <a:latin typeface="+mn-ea"/>
-              </a:rPr>
-              <a:t>両方人間だった</a:t>
-            </a:r>
-            <a:endParaRPr lang="en-US" altLang="ja-JP" sz="4000" dirty="0" smtClean="0">
-              <a:solidFill>
-                <a:schemeClr val="tx1"/>
-              </a:solidFill>
-              <a:latin typeface="+mn-ea"/>
-            </a:endParaRPr>
-          </a:p>
-          <a:p>
-            <a:r>
-              <a:rPr lang="ja-JP" altLang="en-US" sz="4000" dirty="0" smtClean="0">
-                <a:solidFill>
-                  <a:schemeClr val="tx1"/>
-                </a:solidFill>
-                <a:latin typeface="+mn-ea"/>
-              </a:rPr>
-              <a:t>と答えた。この中に人狼が最大</a:t>
+              <a:t>答えた。この中に人狼が最大</a:t>
             </a:r>
             <a:r>
               <a:rPr lang="en-US" altLang="ja-JP" sz="4000" dirty="0" smtClean="0">
@@ -5502,36 +5555,6 @@
           </a:p>
         </p:txBody>
       </p:sp>
-      <p:pic>
-        <p:nvPicPr>
-          <p:cNvPr id="4" name="図 3"/>
-          <p:cNvPicPr>
-            <a:picLocks noChangeAspect="1"/>
-          </p:cNvPicPr>
-          <p:nvPr/>
-        </p:nvPicPr>
-        <p:blipFill>
-          <a:blip r:embed="rId3">
-            <a:extLst>
-              <a:ext uri="{28A0092B-C50C-407E-A947-70E740481C1C}">
-                <a14:useLocalDpi xmlns:a14="http://schemas.microsoft.com/office/drawing/2010/main" val="0"/>
-              </a:ext>
-            </a:extLst>
-          </a:blip>
-          <a:stretch>
-            <a:fillRect/>
-          </a:stretch>
-        </p:blipFill>
-        <p:spPr>
-          <a:xfrm>
-            <a:off x="10837417" y="18742017"/>
-            <a:ext cx="9217718" cy="4750898"/>
-          </a:xfrm>
-          <a:prstGeom prst="rect">
-            <a:avLst/>
-          </a:prstGeom>
-        </p:spPr>
-      </p:pic>
       <p:sp>
         <p:nvSpPr>
           <p:cNvPr id="52" name="正方形/長方形 51"/>
@@ -5589,7 +5612,7 @@
           <p:nvPr/>
         </p:nvPicPr>
         <p:blipFill>
-          <a:blip r:embed="rId4"/>
+          <a:blip r:embed="rId3"/>
           <a:stretch>
             <a:fillRect/>
           </a:stretch>
@@ -5598,6 +5621,36 @@
           <a:xfrm>
             <a:off x="456719" y="4614001"/>
             <a:ext cx="20889306" cy="7295610"/>
+          </a:xfrm>
+          <a:prstGeom prst="rect">
+            <a:avLst/>
+          </a:prstGeom>
+        </p:spPr>
+      </p:pic>
+      <p:pic>
+        <p:nvPicPr>
+          <p:cNvPr id="12" name="図 11"/>
+          <p:cNvPicPr>
+            <a:picLocks noChangeAspect="1"/>
+          </p:cNvPicPr>
+          <p:nvPr/>
+        </p:nvPicPr>
+        <p:blipFill>
+          <a:blip r:embed="rId4">
+            <a:extLst>
+              <a:ext uri="{28A0092B-C50C-407E-A947-70E740481C1C}">
+                <a14:useLocalDpi xmlns:a14="http://schemas.microsoft.com/office/drawing/2010/main" val="0"/>
+              </a:ext>
+            </a:extLst>
+          </a:blip>
+          <a:stretch>
+            <a:fillRect/>
+          </a:stretch>
+        </p:blipFill>
+        <p:spPr>
+          <a:xfrm>
+            <a:off x="10667648" y="19018159"/>
+            <a:ext cx="8942857" cy="3800000"/>
           </a:xfrm>
           <a:prstGeom prst="rect">
             <a:avLst/>
